--- a/6. Statistical analysis/statistical approach/Haldre's Stats Flowcharts.pptx
+++ b/6. Statistical analysis/statistical approach/Haldre's Stats Flowcharts.pptx
@@ -3,10 +3,13 @@
 <p:presentation xmlns:a="http://schemas.openxmlformats.org/drawingml/2006/main" xmlns:r="http://schemas.openxmlformats.org/officeDocument/2006/relationships" xmlns:p="http://schemas.openxmlformats.org/presentationml/2006/main" strictFirstAndLastChars="0" saveSubsetFonts="1" autoCompressPictures="0">
   <p:sldMasterIdLst>
     <p:sldMasterId id="2147483648" r:id="rId1"/>
-    <p:sldMasterId id="2147483660" r:id="rId2"/>
   </p:sldMasterIdLst>
   <p:sldIdLst>
-    <p:sldId id="256" r:id="rId3"/>
+    <p:sldId id="257" r:id="rId2"/>
+    <p:sldId id="260" r:id="rId3"/>
+    <p:sldId id="258" r:id="rId4"/>
+    <p:sldId id="259" r:id="rId5"/>
+    <p:sldId id="256" r:id="rId6"/>
   </p:sldIdLst>
   <p:sldSz cx="9144000" cy="6858000" type="screen4x3"/>
   <p:notesSz cx="6858000" cy="9144000"/>
@@ -135,6 +138,22 @@
       </a:defRPr>
     </a:lvl9pPr>
   </p:defaultTextStyle>
+  <p:extLst>
+    <p:ext uri="{EFAFB233-063F-42B5-8137-9DF3F51BA10A}">
+      <p15:sldGuideLst xmlns:p15="http://schemas.microsoft.com/office/powerpoint/2012/main">
+        <p15:guide id="1" orient="horz" pos="2160">
+          <p15:clr>
+            <a:srgbClr val="A4A3A4"/>
+          </p15:clr>
+        </p15:guide>
+        <p15:guide id="2" pos="2880">
+          <p15:clr>
+            <a:srgbClr val="A4A3A4"/>
+          </p15:clr>
+        </p15:guide>
+      </p15:sldGuideLst>
+    </p:ext>
+  </p:extLst>
 </p:presentation>
 </file>
 
@@ -907,10 +926,9 @@
         <a:lstStyle/>
         <a:p>
           <a:r>
-            <a:rPr lang="en-US" dirty="0" smtClean="0"/>
+            <a:rPr lang="en-US" dirty="0"/>
             <a:t>I have my model. Now how do I test my hypothesis? </a:t>
           </a:r>
-          <a:endParaRPr lang="en-US" dirty="0"/>
         </a:p>
       </dgm:t>
     </dgm:pt>
@@ -944,10 +962,9 @@
         <a:lstStyle/>
         <a:p>
           <a:r>
-            <a:rPr lang="en-US" dirty="0" smtClean="0"/>
+            <a:rPr lang="en-US" dirty="0"/>
             <a:t>I designed &amp; executed an experiment, perhaps in multiple contexts. </a:t>
           </a:r>
-          <a:endParaRPr lang="en-US" dirty="0"/>
         </a:p>
       </dgm:t>
     </dgm:pt>
@@ -981,10 +998,9 @@
         <a:lstStyle/>
         <a:p>
           <a:r>
-            <a:rPr lang="en-US" dirty="0" smtClean="0"/>
+            <a:rPr lang="en-US" dirty="0"/>
             <a:t>Fit full model. No model selection. (Philip’s preference)</a:t>
           </a:r>
-          <a:endParaRPr lang="en-US" dirty="0"/>
         </a:p>
       </dgm:t>
     </dgm:pt>
@@ -1018,10 +1034,9 @@
         <a:lstStyle/>
         <a:p>
           <a:r>
-            <a:rPr lang="en-US" dirty="0" smtClean="0"/>
+            <a:rPr lang="en-US" dirty="0"/>
             <a:t>Use model selection based on AIC/BIC to choose best-fitting model. Burnham and Anderson approach. </a:t>
           </a:r>
-          <a:endParaRPr lang="en-US" dirty="0"/>
         </a:p>
       </dgm:t>
     </dgm:pt>
@@ -1055,10 +1070,9 @@
         <a:lstStyle/>
         <a:p>
           <a:r>
-            <a:rPr lang="en-US" dirty="0" smtClean="0"/>
+            <a:rPr lang="en-US" dirty="0"/>
             <a:t>I did an observational study, where I was testing a primary variable, but need to figure out which confounding variables to include. </a:t>
           </a:r>
-          <a:endParaRPr lang="en-US" dirty="0"/>
         </a:p>
       </dgm:t>
     </dgm:pt>
@@ -1092,10 +1106,9 @@
         <a:lstStyle/>
         <a:p>
           <a:r>
-            <a:rPr lang="en-US" dirty="0" smtClean="0"/>
+            <a:rPr lang="en-US" dirty="0"/>
             <a:t>Use model selection on possible confounding variables based on AIC/BIC, then add primary variable.</a:t>
           </a:r>
-          <a:endParaRPr lang="en-US" dirty="0"/>
         </a:p>
       </dgm:t>
     </dgm:pt>
@@ -1129,18 +1142,17 @@
         <a:lstStyle/>
         <a:p>
           <a:r>
-            <a:rPr lang="en-US" dirty="0" smtClean="0"/>
+            <a:rPr lang="en-US" dirty="0"/>
             <a:t>Fill full model and appropriate </a:t>
           </a:r>
           <a:r>
-            <a:rPr lang="en-US" dirty="0" err="1" smtClean="0"/>
+            <a:rPr lang="en-US" dirty="0" err="1"/>
             <a:t>submodels</a:t>
           </a:r>
           <a:r>
-            <a:rPr lang="en-US" dirty="0" smtClean="0"/>
+            <a:rPr lang="en-US" dirty="0"/>
             <a:t>. Use Likelihood Ratio Tests to identify best-fitting model. </a:t>
           </a:r>
-          <a:endParaRPr lang="en-US" dirty="0"/>
         </a:p>
       </dgm:t>
     </dgm:pt>
@@ -1174,10 +1186,9 @@
         <a:lstStyle/>
         <a:p>
           <a:r>
-            <a:rPr lang="en-US" dirty="0" smtClean="0"/>
+            <a:rPr lang="en-US" dirty="0"/>
             <a:t>I did an observational study, and I am trying to figure out which variables predict Y. </a:t>
           </a:r>
-          <a:endParaRPr lang="en-US" dirty="0"/>
         </a:p>
       </dgm:t>
     </dgm:pt>
@@ -1211,10 +1222,9 @@
         <a:lstStyle/>
         <a:p>
           <a:r>
-            <a:rPr lang="en-US" dirty="0" smtClean="0"/>
+            <a:rPr lang="en-US" dirty="0"/>
             <a:t>Use model selection on an a priori chosen list of models or all subsets and evaluate using AIC/BIC. </a:t>
           </a:r>
-          <a:endParaRPr lang="en-US" dirty="0"/>
         </a:p>
       </dgm:t>
     </dgm:pt>
@@ -1248,10 +1258,9 @@
         <a:lstStyle/>
         <a:p>
           <a:r>
-            <a:rPr lang="en-US" dirty="0" smtClean="0"/>
+            <a:rPr lang="en-US" dirty="0"/>
             <a:t>Interpret main effects, interactions, and simple effects when necessary. </a:t>
           </a:r>
-          <a:endParaRPr lang="en-US" dirty="0"/>
         </a:p>
       </dgm:t>
     </dgm:pt>
@@ -1285,10 +1294,9 @@
         <a:lstStyle/>
         <a:p>
           <a:r>
-            <a:rPr lang="en-US" dirty="0" smtClean="0"/>
+            <a:rPr lang="en-US" dirty="0"/>
             <a:t>Use model comparison to decide which interactions to include. Then interpret as above.</a:t>
           </a:r>
-          <a:endParaRPr lang="en-US" dirty="0"/>
         </a:p>
       </dgm:t>
     </dgm:pt>
@@ -1322,26 +1330,25 @@
         <a:lstStyle/>
         <a:p>
           <a:r>
-            <a:rPr lang="en-US" dirty="0" smtClean="0"/>
+            <a:rPr lang="en-US" dirty="0"/>
             <a:t>Use </a:t>
           </a:r>
           <a:r>
-            <a:rPr lang="en-US" dirty="0" err="1" smtClean="0"/>
+            <a:rPr lang="en-US" dirty="0" err="1"/>
             <a:t>lsmeans</a:t>
           </a:r>
           <a:r>
-            <a:rPr lang="en-US" dirty="0" smtClean="0"/>
+            <a:rPr lang="en-US" dirty="0"/>
             <a:t> or </a:t>
           </a:r>
           <a:r>
-            <a:rPr lang="en-US" dirty="0" err="1" smtClean="0"/>
+            <a:rPr lang="en-US" dirty="0" err="1"/>
             <a:t>glht</a:t>
           </a:r>
           <a:r>
-            <a:rPr lang="en-US" dirty="0" smtClean="0"/>
+            <a:rPr lang="en-US" dirty="0"/>
             <a:t> to determine significance between levels and get a p-value. </a:t>
           </a:r>
-          <a:endParaRPr lang="en-US" dirty="0"/>
         </a:p>
       </dgm:t>
     </dgm:pt>
@@ -1375,10 +1382,9 @@
         <a:lstStyle/>
         <a:p>
           <a:r>
-            <a:rPr lang="en-US" dirty="0" smtClean="0"/>
+            <a:rPr lang="en-US" dirty="0"/>
             <a:t>Use confidence intervals to determine which coefficients are important predictors. </a:t>
           </a:r>
-          <a:endParaRPr lang="en-US" dirty="0"/>
         </a:p>
       </dgm:t>
     </dgm:pt>
@@ -1412,18 +1418,17 @@
         <a:lstStyle/>
         <a:p>
           <a:r>
-            <a:rPr lang="en-US" dirty="0" smtClean="0"/>
+            <a:rPr lang="en-US" dirty="0"/>
             <a:t>Note </a:t>
           </a:r>
           <a:r>
-            <a:rPr lang="mr-IN" dirty="0" smtClean="0"/>
+            <a:rPr lang="mr-IN" dirty="0"/>
             <a:t>–</a:t>
           </a:r>
           <a:r>
-            <a:rPr lang="en-US" dirty="0" smtClean="0"/>
+            <a:rPr lang="en-US" dirty="0"/>
             <a:t> not appropriate for most GLMM’s. </a:t>
           </a:r>
-          <a:endParaRPr lang="en-US" dirty="0"/>
         </a:p>
       </dgm:t>
     </dgm:pt>
@@ -1457,10 +1462,9 @@
         <a:lstStyle/>
         <a:p>
           <a:r>
-            <a:rPr lang="en-US" dirty="0" smtClean="0"/>
+            <a:rPr lang="en-US" dirty="0"/>
             <a:t>Get a p-value describing which model fits best. </a:t>
           </a:r>
-          <a:endParaRPr lang="en-US" dirty="0"/>
         </a:p>
       </dgm:t>
     </dgm:pt>
@@ -1494,10 +1498,9 @@
         <a:lstStyle/>
         <a:p>
           <a:r>
-            <a:rPr lang="en-US" dirty="0" smtClean="0"/>
+            <a:rPr lang="en-US" dirty="0"/>
             <a:t>Note- it’s difficult to identify differences between levels of a factor using this approach. </a:t>
           </a:r>
-          <a:endParaRPr lang="en-US" dirty="0"/>
         </a:p>
       </dgm:t>
     </dgm:pt>
@@ -1531,10 +1534,9 @@
         <a:lstStyle/>
         <a:p>
           <a:r>
-            <a:rPr lang="en-US" dirty="0" smtClean="0"/>
+            <a:rPr lang="en-US" dirty="0"/>
             <a:t>You do not get a p-value as output. </a:t>
           </a:r>
-          <a:endParaRPr lang="en-US" dirty="0"/>
         </a:p>
       </dgm:t>
     </dgm:pt>
@@ -1583,13 +1585,6 @@
         </dgm:presLayoutVars>
       </dgm:prSet>
       <dgm:spPr/>
-      <dgm:t>
-        <a:bodyPr/>
-        <a:lstStyle/>
-        <a:p>
-          <a:endParaRPr lang="en-US"/>
-        </a:p>
-      </dgm:t>
     </dgm:pt>
     <dgm:pt modelId="{9C380DE9-774D-0F45-92F0-4E229F46E1A5}" type="pres">
       <dgm:prSet presAssocID="{94572469-9D3A-7F40-AA8A-2B80D7279D99}" presName="level2hierChild" presStyleCnt="0"/>
@@ -1614,13 +1609,6 @@
         </dgm:presLayoutVars>
       </dgm:prSet>
       <dgm:spPr/>
-      <dgm:t>
-        <a:bodyPr/>
-        <a:lstStyle/>
-        <a:p>
-          <a:endParaRPr lang="en-US"/>
-        </a:p>
-      </dgm:t>
     </dgm:pt>
     <dgm:pt modelId="{A57B6476-7BC9-5645-8295-FAA89BA720C6}" type="pres">
       <dgm:prSet presAssocID="{367DEEE2-F49B-7D47-9597-DB8EF23256CE}" presName="level3hierChild" presStyleCnt="0"/>
@@ -1669,13 +1657,6 @@
         </dgm:presLayoutVars>
       </dgm:prSet>
       <dgm:spPr/>
-      <dgm:t>
-        <a:bodyPr/>
-        <a:lstStyle/>
-        <a:p>
-          <a:endParaRPr lang="en-US"/>
-        </a:p>
-      </dgm:t>
     </dgm:pt>
     <dgm:pt modelId="{EED7AA6C-FBBF-1347-9927-FA6592186A4B}" type="pres">
       <dgm:prSet presAssocID="{3C2AA46A-97AC-614F-833C-46D946D6767F}" presName="level3hierChild" presStyleCnt="0"/>
@@ -1700,13 +1681,6 @@
         </dgm:presLayoutVars>
       </dgm:prSet>
       <dgm:spPr/>
-      <dgm:t>
-        <a:bodyPr/>
-        <a:lstStyle/>
-        <a:p>
-          <a:endParaRPr lang="en-US"/>
-        </a:p>
-      </dgm:t>
     </dgm:pt>
     <dgm:pt modelId="{66CE2861-5D49-6448-8710-C21C0B1D8587}" type="pres">
       <dgm:prSet presAssocID="{DEAD6330-6EE0-A54B-B0C0-3DAEFFC36868}" presName="level3hierChild" presStyleCnt="0"/>
@@ -1731,13 +1705,6 @@
         </dgm:presLayoutVars>
       </dgm:prSet>
       <dgm:spPr/>
-      <dgm:t>
-        <a:bodyPr/>
-        <a:lstStyle/>
-        <a:p>
-          <a:endParaRPr lang="en-US"/>
-        </a:p>
-      </dgm:t>
     </dgm:pt>
     <dgm:pt modelId="{84885B71-3F47-744D-A896-F06238813DA0}" type="pres">
       <dgm:prSet presAssocID="{DB045898-157E-6148-8C77-A2CB0B5A3FA6}" presName="level3hierChild" presStyleCnt="0"/>
@@ -1762,13 +1729,6 @@
         </dgm:presLayoutVars>
       </dgm:prSet>
       <dgm:spPr/>
-      <dgm:t>
-        <a:bodyPr/>
-        <a:lstStyle/>
-        <a:p>
-          <a:endParaRPr lang="en-US"/>
-        </a:p>
-      </dgm:t>
     </dgm:pt>
     <dgm:pt modelId="{8F4B4047-F2B7-0543-8CE7-20624051D149}" type="pres">
       <dgm:prSet presAssocID="{DA3E177C-1BB0-534E-8346-EF42EE894979}" presName="level3hierChild" presStyleCnt="0"/>
@@ -1793,13 +1753,6 @@
         </dgm:presLayoutVars>
       </dgm:prSet>
       <dgm:spPr/>
-      <dgm:t>
-        <a:bodyPr/>
-        <a:lstStyle/>
-        <a:p>
-          <a:endParaRPr lang="en-US"/>
-        </a:p>
-      </dgm:t>
     </dgm:pt>
     <dgm:pt modelId="{468FBDE8-5EF8-E640-8CC3-DF5BD8428131}" type="pres">
       <dgm:prSet presAssocID="{1D6E0679-0ACE-6E48-842C-7DC629BCA2D3}" presName="level3hierChild" presStyleCnt="0"/>
@@ -1824,13 +1777,6 @@
         </dgm:presLayoutVars>
       </dgm:prSet>
       <dgm:spPr/>
-      <dgm:t>
-        <a:bodyPr/>
-        <a:lstStyle/>
-        <a:p>
-          <a:endParaRPr lang="en-US"/>
-        </a:p>
-      </dgm:t>
     </dgm:pt>
     <dgm:pt modelId="{2114CD81-5717-2547-81E8-45202B7A443E}" type="pres">
       <dgm:prSet presAssocID="{42320E32-4776-544B-A03A-CE7768B04F56}" presName="level3hierChild" presStyleCnt="0"/>
@@ -1855,13 +1801,6 @@
         </dgm:presLayoutVars>
       </dgm:prSet>
       <dgm:spPr/>
-      <dgm:t>
-        <a:bodyPr/>
-        <a:lstStyle/>
-        <a:p>
-          <a:endParaRPr lang="en-US"/>
-        </a:p>
-      </dgm:t>
     </dgm:pt>
     <dgm:pt modelId="{27DF17F3-BA9B-0946-ADA1-5B1338B651C4}" type="pres">
       <dgm:prSet presAssocID="{A2748441-85A5-BE42-A437-EE6CC8B4D801}" presName="level3hierChild" presStyleCnt="0"/>
@@ -1886,13 +1825,6 @@
         </dgm:presLayoutVars>
       </dgm:prSet>
       <dgm:spPr/>
-      <dgm:t>
-        <a:bodyPr/>
-        <a:lstStyle/>
-        <a:p>
-          <a:endParaRPr lang="en-US"/>
-        </a:p>
-      </dgm:t>
     </dgm:pt>
     <dgm:pt modelId="{1AA3C866-BA40-5442-99F9-822DBD20E6F1}" type="pres">
       <dgm:prSet presAssocID="{A371EF00-D67B-854D-9B10-8CAE3B03F3DF}" presName="level3hierChild" presStyleCnt="0"/>
@@ -1917,13 +1849,6 @@
         </dgm:presLayoutVars>
       </dgm:prSet>
       <dgm:spPr/>
-      <dgm:t>
-        <a:bodyPr/>
-        <a:lstStyle/>
-        <a:p>
-          <a:endParaRPr lang="en-US"/>
-        </a:p>
-      </dgm:t>
     </dgm:pt>
     <dgm:pt modelId="{CF6AD9CB-F589-D044-B1B5-1446BE991A57}" type="pres">
       <dgm:prSet presAssocID="{8B9CC013-18D8-3D4E-970A-7498A0CE0898}" presName="level3hierChild" presStyleCnt="0"/>
@@ -1948,13 +1873,6 @@
         </dgm:presLayoutVars>
       </dgm:prSet>
       <dgm:spPr/>
-      <dgm:t>
-        <a:bodyPr/>
-        <a:lstStyle/>
-        <a:p>
-          <a:endParaRPr lang="en-US"/>
-        </a:p>
-      </dgm:t>
     </dgm:pt>
     <dgm:pt modelId="{F570D75E-2EFA-984F-849B-9DFAD8C8A5D8}" type="pres">
       <dgm:prSet presAssocID="{62A759AA-C911-C448-8A07-A265D957C4A7}" presName="level3hierChild" presStyleCnt="0"/>
@@ -1979,13 +1897,6 @@
         </dgm:presLayoutVars>
       </dgm:prSet>
       <dgm:spPr/>
-      <dgm:t>
-        <a:bodyPr/>
-        <a:lstStyle/>
-        <a:p>
-          <a:endParaRPr lang="en-US"/>
-        </a:p>
-      </dgm:t>
     </dgm:pt>
     <dgm:pt modelId="{68DA62EC-901D-7F4B-A125-760B77E0D4A0}" type="pres">
       <dgm:prSet presAssocID="{177EAC3B-64E7-6D42-83F3-1B1374769B91}" presName="level3hierChild" presStyleCnt="0"/>
@@ -2010,13 +1921,6 @@
         </dgm:presLayoutVars>
       </dgm:prSet>
       <dgm:spPr/>
-      <dgm:t>
-        <a:bodyPr/>
-        <a:lstStyle/>
-        <a:p>
-          <a:endParaRPr lang="en-US"/>
-        </a:p>
-      </dgm:t>
     </dgm:pt>
     <dgm:pt modelId="{D1B62826-DF4C-EB41-887B-109794FD7164}" type="pres">
       <dgm:prSet presAssocID="{9CC1495C-F1C1-BD40-8CE9-78EF841E6F42}" presName="level3hierChild" presStyleCnt="0"/>
@@ -2041,13 +1945,6 @@
         </dgm:presLayoutVars>
       </dgm:prSet>
       <dgm:spPr/>
-      <dgm:t>
-        <a:bodyPr/>
-        <a:lstStyle/>
-        <a:p>
-          <a:endParaRPr lang="en-US"/>
-        </a:p>
-      </dgm:t>
     </dgm:pt>
     <dgm:pt modelId="{7117ACD3-8DA7-7747-88ED-728CA1E4673E}" type="pres">
       <dgm:prSet presAssocID="{EB69628D-3F0A-F54E-BC83-5DB4ED0542F1}" presName="level3hierChild" presStyleCnt="0"/>
@@ -2072,13 +1969,6 @@
         </dgm:presLayoutVars>
       </dgm:prSet>
       <dgm:spPr/>
-      <dgm:t>
-        <a:bodyPr/>
-        <a:lstStyle/>
-        <a:p>
-          <a:endParaRPr lang="en-US"/>
-        </a:p>
-      </dgm:t>
     </dgm:pt>
     <dgm:pt modelId="{D7E3D526-4105-4C4E-B329-ED92524BD957}" type="pres">
       <dgm:prSet presAssocID="{B33AD2CD-5DDA-B041-8869-D62446A8DE57}" presName="level3hierChild" presStyleCnt="0"/>
@@ -2086,73 +1976,73 @@
     </dgm:pt>
   </dgm:ptLst>
   <dgm:cxnLst>
+    <dgm:cxn modelId="{70640F00-6717-F443-B79C-29A557B1CC01}" srcId="{1D6E0679-0ACE-6E48-842C-7DC629BCA2D3}" destId="{42320E32-4776-544B-A03A-CE7768B04F56}" srcOrd="0" destOrd="0" parTransId="{F67802FC-47C9-7B46-877E-F08ADDB58FDD}" sibTransId="{45B6E255-CD59-6B4E-8981-89D84A82D9B3}"/>
+    <dgm:cxn modelId="{9B6E1403-411A-254E-BC82-4E3130B7E497}" type="presOf" srcId="{54B11E91-2C41-1A46-845E-E5A5FEC05BA3}" destId="{AD973028-A7EF-8A44-9540-D9427C30BFC7}" srcOrd="0" destOrd="0" presId="urn:microsoft.com/office/officeart/2005/8/layout/hierarchy2"/>
+    <dgm:cxn modelId="{2A58FD03-640D-C44E-A9F7-9FE07B644E0E}" type="presOf" srcId="{E53F960A-A032-D946-9B8D-CE1A82176CD6}" destId="{E40B0977-229D-DB44-9A03-DAF7CE4084D3}" srcOrd="1" destOrd="0" presId="urn:microsoft.com/office/officeart/2005/8/layout/hierarchy2"/>
+    <dgm:cxn modelId="{E7FC8A09-6C23-1142-A5EC-053E764FB3C0}" type="presOf" srcId="{F089DCF5-9936-5A49-ADFA-EC24EFE4B1C5}" destId="{FB23DF6C-6602-3F41-833B-CFB868BA9498}" srcOrd="0" destOrd="0" presId="urn:microsoft.com/office/officeart/2005/8/layout/hierarchy2"/>
+    <dgm:cxn modelId="{01F11C0B-48EF-F145-87C7-D603819E07D5}" type="presOf" srcId="{CCAB70E7-71D0-9B41-B397-9B23EF865CCD}" destId="{A809822E-D22C-0A45-B5E5-EF8E58935CD1}" srcOrd="0" destOrd="0" presId="urn:microsoft.com/office/officeart/2005/8/layout/hierarchy2"/>
+    <dgm:cxn modelId="{CD12790B-4D7D-9643-BB31-09D8EFBF40B3}" type="presOf" srcId="{1D6E0679-0ACE-6E48-842C-7DC629BCA2D3}" destId="{90E88C97-0490-4A41-9084-BFD7F311D3BD}" srcOrd="0" destOrd="0" presId="urn:microsoft.com/office/officeart/2005/8/layout/hierarchy2"/>
+    <dgm:cxn modelId="{CADD2C11-FF1E-2848-9C67-92502A9D786D}" type="presOf" srcId="{FB9C798C-6C7B-C24E-B03A-61105CE8CCE0}" destId="{0AE45D4F-265E-A042-8F39-13E850E29CCF}" srcOrd="1" destOrd="0" presId="urn:microsoft.com/office/officeart/2005/8/layout/hierarchy2"/>
+    <dgm:cxn modelId="{75D27911-DF93-4C4D-8FE7-03B65A35518E}" type="presOf" srcId="{132767A0-D7F4-3E4E-928F-8AA979F6EA6A}" destId="{FC177C59-7E0C-854B-80E5-55EC49A55BCB}" srcOrd="0" destOrd="0" presId="urn:microsoft.com/office/officeart/2005/8/layout/hierarchy2"/>
+    <dgm:cxn modelId="{F4CE461F-E75C-0D4F-813B-A4067246089B}" type="presOf" srcId="{146D356C-61A0-BA4B-86B3-CB4CB3B01338}" destId="{97EEADB9-2E14-3840-8B99-C18EF396B3A3}" srcOrd="0" destOrd="0" presId="urn:microsoft.com/office/officeart/2005/8/layout/hierarchy2"/>
+    <dgm:cxn modelId="{71123422-C8F7-E34D-A2B6-AF025DCFA6D0}" type="presOf" srcId="{367DEEE2-F49B-7D47-9597-DB8EF23256CE}" destId="{F4B55808-66D9-314C-ADDB-4D262A421E59}" srcOrd="0" destOrd="0" presId="urn:microsoft.com/office/officeart/2005/8/layout/hierarchy2"/>
+    <dgm:cxn modelId="{925F3825-83D1-DA43-BC2F-96F2642FC6BB}" type="presOf" srcId="{04C3E5C8-A903-2845-8B34-3CDAE334D1F7}" destId="{E24E6B14-0C47-EA49-B447-C1A9CDDC4AAF}" srcOrd="0" destOrd="0" presId="urn:microsoft.com/office/officeart/2005/8/layout/hierarchy2"/>
+    <dgm:cxn modelId="{E3DC5E2A-4F77-5745-A1DE-0CFD002CE5A7}" type="presOf" srcId="{E53F960A-A032-D946-9B8D-CE1A82176CD6}" destId="{DCD1D183-5E1D-294E-A03E-629574FCAE0F}" srcOrd="0" destOrd="0" presId="urn:microsoft.com/office/officeart/2005/8/layout/hierarchy2"/>
+    <dgm:cxn modelId="{6CE6E82A-C99E-0A4A-80E4-CB3B01A93678}" srcId="{367DEEE2-F49B-7D47-9597-DB8EF23256CE}" destId="{1D6E0679-0ACE-6E48-842C-7DC629BCA2D3}" srcOrd="1" destOrd="0" parTransId="{CE8A4C78-D0CD-774B-AD42-94211BFE1697}" sibTransId="{E465D077-190E-7847-8193-DE402515C8FE}"/>
+    <dgm:cxn modelId="{9150A438-5252-5C4D-8BFC-2F9B7B16CE49}" type="presOf" srcId="{DB045898-157E-6148-8C77-A2CB0B5A3FA6}" destId="{03A5239D-DC99-2D40-99F6-863189C54B30}" srcOrd="0" destOrd="0" presId="urn:microsoft.com/office/officeart/2005/8/layout/hierarchy2"/>
+    <dgm:cxn modelId="{1F445C45-B7A7-584C-82CB-2401864CECB6}" srcId="{1D6E0679-0ACE-6E48-842C-7DC629BCA2D3}" destId="{A2748441-85A5-BE42-A437-EE6CC8B4D801}" srcOrd="1" destOrd="0" parTransId="{04C3E5C8-A903-2845-8B34-3CDAE334D1F7}" sibTransId="{F7107D70-FCF4-6E42-BBA6-076AAAE3F25F}"/>
+    <dgm:cxn modelId="{1E5C994C-5086-CD4A-B9B6-70419F36D397}" type="presOf" srcId="{146D356C-61A0-BA4B-86B3-CB4CB3B01338}" destId="{B03B620C-8C6E-3E43-B63D-1BA0F2DF0F06}" srcOrd="1" destOrd="0" presId="urn:microsoft.com/office/officeart/2005/8/layout/hierarchy2"/>
+    <dgm:cxn modelId="{E387684F-0CAF-5C40-B03F-294C3F01ED02}" type="presOf" srcId="{677C6A3B-3482-1B4E-B445-FB7EB4647933}" destId="{19316004-00E0-9841-898D-0E26E9338C81}" srcOrd="0" destOrd="0" presId="urn:microsoft.com/office/officeart/2005/8/layout/hierarchy2"/>
+    <dgm:cxn modelId="{43CA9951-BF41-7E4E-8006-57E7216AF655}" type="presOf" srcId="{271C338A-6CF2-D348-8346-6C1A5A3C43A1}" destId="{2F1B9A1C-26EB-9B43-82FC-4543CBDC8A2B}" srcOrd="0" destOrd="0" presId="urn:microsoft.com/office/officeart/2005/8/layout/hierarchy2"/>
+    <dgm:cxn modelId="{9E7B0657-598A-1842-A2A2-D0E4562BE7A1}" type="presOf" srcId="{F089DCF5-9936-5A49-ADFA-EC24EFE4B1C5}" destId="{EB8580F4-70DC-E741-94E9-4BBC958BB828}" srcOrd="1" destOrd="0" presId="urn:microsoft.com/office/officeart/2005/8/layout/hierarchy2"/>
+    <dgm:cxn modelId="{A4106658-D4A6-0349-BC5B-E7A3FF80D8B8}" type="presOf" srcId="{42320E32-4776-544B-A03A-CE7768B04F56}" destId="{81D0B23E-622B-FE43-B2C0-292A3288C7A8}" srcOrd="0" destOrd="0" presId="urn:microsoft.com/office/officeart/2005/8/layout/hierarchy2"/>
+    <dgm:cxn modelId="{CB053F5C-DFFB-5D49-AD25-703930B46063}" srcId="{B5A6A716-F664-1E4A-81A6-526540B29E7A}" destId="{3C2AA46A-97AC-614F-833C-46D946D6767F}" srcOrd="0" destOrd="0" parTransId="{FB9C798C-6C7B-C24E-B03A-61105CE8CCE0}" sibTransId="{6D09A748-C0D4-4742-896A-34D4AFE27B81}"/>
+    <dgm:cxn modelId="{6D244E5C-AABC-8C45-8904-C1706C031325}" type="presOf" srcId="{B33AD2CD-5DDA-B041-8869-D62446A8DE57}" destId="{69C38DC7-245C-444C-81D3-852CAE104FB2}" srcOrd="0" destOrd="0" presId="urn:microsoft.com/office/officeart/2005/8/layout/hierarchy2"/>
+    <dgm:cxn modelId="{CBE7D661-C4FF-4B4A-A1A1-BF8AC43342C4}" type="presOf" srcId="{F67802FC-47C9-7B46-877E-F08ADDB58FDD}" destId="{9E2C427F-FD12-4A40-8B3E-9C91108BEFB8}" srcOrd="0" destOrd="0" presId="urn:microsoft.com/office/officeart/2005/8/layout/hierarchy2"/>
+    <dgm:cxn modelId="{434BAA68-5F28-9047-841B-6E91FF5BCBFE}" type="presOf" srcId="{CE8A4C78-D0CD-774B-AD42-94211BFE1697}" destId="{3AF9998B-E082-9647-9293-6DF74D6E5B5A}" srcOrd="1" destOrd="0" presId="urn:microsoft.com/office/officeart/2005/8/layout/hierarchy2"/>
+    <dgm:cxn modelId="{F323F46A-2004-5D4F-AB51-848950C2704A}" type="presOf" srcId="{54B11E91-2C41-1A46-845E-E5A5FEC05BA3}" destId="{D13B8E1B-4822-664C-8BBE-92ADCF5B1C59}" srcOrd="1" destOrd="0" presId="urn:microsoft.com/office/officeart/2005/8/layout/hierarchy2"/>
+    <dgm:cxn modelId="{08DF3F6B-C5EC-DF4E-81E0-42B3AAE75DC3}" type="presOf" srcId="{177EAC3B-64E7-6D42-83F3-1B1374769B91}" destId="{3306D5D7-9252-514C-A798-8C5C8C912A78}" srcOrd="0" destOrd="0" presId="urn:microsoft.com/office/officeart/2005/8/layout/hierarchy2"/>
+    <dgm:cxn modelId="{660F8572-6E29-BE4F-84E8-C8A1FF8F31F6}" type="presOf" srcId="{C15694AC-0D35-B241-9FA7-1C65F5F40DD9}" destId="{D3A6EB0A-7782-FB49-878F-0368211434A4}" srcOrd="1" destOrd="0" presId="urn:microsoft.com/office/officeart/2005/8/layout/hierarchy2"/>
+    <dgm:cxn modelId="{2089FA73-B5A1-924D-8E3F-4D88B8C56782}" type="presOf" srcId="{DEAD6330-6EE0-A54B-B0C0-3DAEFFC36868}" destId="{45C93A22-0C0B-3C4F-9E27-9F93F70EC336}" srcOrd="0" destOrd="0" presId="urn:microsoft.com/office/officeart/2005/8/layout/hierarchy2"/>
+    <dgm:cxn modelId="{DC497A76-97C1-8240-BD5E-60B9FF686404}" srcId="{B5A6A716-F664-1E4A-81A6-526540B29E7A}" destId="{DA3E177C-1BB0-534E-8346-EF42EE894979}" srcOrd="1" destOrd="0" parTransId="{CCAB70E7-71D0-9B41-B397-9B23EF865CCD}" sibTransId="{C4C56646-7069-0840-B44D-9ED36598EE5E}"/>
+    <dgm:cxn modelId="{B434917A-4B6A-0943-B13F-6DBC09FEE1D4}" type="presOf" srcId="{3C2AA46A-97AC-614F-833C-46D946D6767F}" destId="{5098BB29-9B77-9043-97E7-8CB46AED8BB1}" srcOrd="0" destOrd="0" presId="urn:microsoft.com/office/officeart/2005/8/layout/hierarchy2"/>
+    <dgm:cxn modelId="{A432007B-30F9-0347-8D3B-72FD578AA846}" srcId="{EB69628D-3F0A-F54E-BC83-5DB4ED0542F1}" destId="{B33AD2CD-5DDA-B041-8869-D62446A8DE57}" srcOrd="0" destOrd="0" parTransId="{271C338A-6CF2-D348-8346-6C1A5A3C43A1}" sibTransId="{2AFF4599-6619-A943-9983-B73889FE1162}"/>
+    <dgm:cxn modelId="{66325B7B-ABD9-DC43-B63A-8A4D2B0CE587}" type="presOf" srcId="{04C3E5C8-A903-2845-8B34-3CDAE334D1F7}" destId="{3CB8A72D-1EC2-1C4A-9762-613AB2CED595}" srcOrd="1" destOrd="0" presId="urn:microsoft.com/office/officeart/2005/8/layout/hierarchy2"/>
+    <dgm:cxn modelId="{39E09C84-BC01-E342-9B69-492724822629}" type="presOf" srcId="{A2748441-85A5-BE42-A437-EE6CC8B4D801}" destId="{ECB91306-2CE2-074E-BF46-9AD00B600AA9}" srcOrd="0" destOrd="0" presId="urn:microsoft.com/office/officeart/2005/8/layout/hierarchy2"/>
+    <dgm:cxn modelId="{A7810085-0CEF-464C-A61F-A15B7777AE9F}" type="presOf" srcId="{CE8A4C78-D0CD-774B-AD42-94211BFE1697}" destId="{EE8B56F5-CFBB-A649-9052-7E47F19003D2}" srcOrd="0" destOrd="0" presId="urn:microsoft.com/office/officeart/2005/8/layout/hierarchy2"/>
+    <dgm:cxn modelId="{AC9ED68B-24F3-BC41-BA70-FE5AA9B39396}" srcId="{A371EF00-D67B-854D-9B10-8CAE3B03F3DF}" destId="{62A759AA-C911-C448-8A07-A265D957C4A7}" srcOrd="1" destOrd="0" parTransId="{F8B4F46D-5214-6745-86E7-6D2FBCB7C268}" sibTransId="{27A54757-C6AA-114F-8D4B-EA8FB44817AB}"/>
     <dgm:cxn modelId="{45ACCA90-EDBD-DB47-955B-909A35D126F7}" type="presOf" srcId="{F8B4F46D-5214-6745-86E7-6D2FBCB7C268}" destId="{E41B4DE1-0DCC-A44C-AC21-E49F44142753}" srcOrd="0" destOrd="0" presId="urn:microsoft.com/office/officeart/2005/8/layout/hierarchy2"/>
-    <dgm:cxn modelId="{A7810085-0CEF-464C-A61F-A15B7777AE9F}" type="presOf" srcId="{CE8A4C78-D0CD-774B-AD42-94211BFE1697}" destId="{EE8B56F5-CFBB-A649-9052-7E47F19003D2}" srcOrd="0" destOrd="0" presId="urn:microsoft.com/office/officeart/2005/8/layout/hierarchy2"/>
-    <dgm:cxn modelId="{08DF3F6B-C5EC-DF4E-81E0-42B3AAE75DC3}" type="presOf" srcId="{177EAC3B-64E7-6D42-83F3-1B1374769B91}" destId="{3306D5D7-9252-514C-A798-8C5C8C912A78}" srcOrd="0" destOrd="0" presId="urn:microsoft.com/office/officeart/2005/8/layout/hierarchy2"/>
-    <dgm:cxn modelId="{9E7B0657-598A-1842-A2A2-D0E4562BE7A1}" type="presOf" srcId="{F089DCF5-9936-5A49-ADFA-EC24EFE4B1C5}" destId="{EB8580F4-70DC-E741-94E9-4BBC958BB828}" srcOrd="1" destOrd="0" presId="urn:microsoft.com/office/officeart/2005/8/layout/hierarchy2"/>
-    <dgm:cxn modelId="{E3DC5E2A-4F77-5745-A1DE-0CFD002CE5A7}" type="presOf" srcId="{E53F960A-A032-D946-9B8D-CE1A82176CD6}" destId="{DCD1D183-5E1D-294E-A03E-629574FCAE0F}" srcOrd="0" destOrd="0" presId="urn:microsoft.com/office/officeart/2005/8/layout/hierarchy2"/>
-    <dgm:cxn modelId="{434BAA68-5F28-9047-841B-6E91FF5BCBFE}" type="presOf" srcId="{CE8A4C78-D0CD-774B-AD42-94211BFE1697}" destId="{3AF9998B-E082-9647-9293-6DF74D6E5B5A}" srcOrd="1" destOrd="0" presId="urn:microsoft.com/office/officeart/2005/8/layout/hierarchy2"/>
-    <dgm:cxn modelId="{AC9ED68B-24F3-BC41-BA70-FE5AA9B39396}" srcId="{A371EF00-D67B-854D-9B10-8CAE3B03F3DF}" destId="{62A759AA-C911-C448-8A07-A265D957C4A7}" srcOrd="1" destOrd="0" parTransId="{F8B4F46D-5214-6745-86E7-6D2FBCB7C268}" sibTransId="{27A54757-C6AA-114F-8D4B-EA8FB44817AB}"/>
-    <dgm:cxn modelId="{CB053F5C-DFFB-5D49-AD25-703930B46063}" srcId="{B5A6A716-F664-1E4A-81A6-526540B29E7A}" destId="{3C2AA46A-97AC-614F-833C-46D946D6767F}" srcOrd="0" destOrd="0" parTransId="{FB9C798C-6C7B-C24E-B03A-61105CE8CCE0}" sibTransId="{6D09A748-C0D4-4742-896A-34D4AFE27B81}"/>
-    <dgm:cxn modelId="{CD12790B-4D7D-9643-BB31-09D8EFBF40B3}" type="presOf" srcId="{1D6E0679-0ACE-6E48-842C-7DC629BCA2D3}" destId="{90E88C97-0490-4A41-9084-BFD7F311D3BD}" srcOrd="0" destOrd="0" presId="urn:microsoft.com/office/officeart/2005/8/layout/hierarchy2"/>
-    <dgm:cxn modelId="{CBE7D661-C4FF-4B4A-A1A1-BF8AC43342C4}" type="presOf" srcId="{F67802FC-47C9-7B46-877E-F08ADDB58FDD}" destId="{9E2C427F-FD12-4A40-8B3E-9C91108BEFB8}" srcOrd="0" destOrd="0" presId="urn:microsoft.com/office/officeart/2005/8/layout/hierarchy2"/>
+    <dgm:cxn modelId="{08301692-0AC6-9F48-98D5-93D0595BB9BF}" type="presOf" srcId="{A371EF00-D67B-854D-9B10-8CAE3B03F3DF}" destId="{DA1BABDF-BBAC-AB4B-A2B7-434E2A05EAE3}" srcOrd="0" destOrd="0" presId="urn:microsoft.com/office/officeart/2005/8/layout/hierarchy2"/>
     <dgm:cxn modelId="{7CB7CA95-44E9-7E49-9786-A3E2395DE3EF}" type="presOf" srcId="{62A759AA-C911-C448-8A07-A265D957C4A7}" destId="{BC043E7A-B9C3-1E4C-8C23-F1A20C9855A4}" srcOrd="0" destOrd="0" presId="urn:microsoft.com/office/officeart/2005/8/layout/hierarchy2"/>
+    <dgm:cxn modelId="{27ED359B-A01E-9049-8E83-E8150CA86879}" type="presOf" srcId="{132767A0-D7F4-3E4E-928F-8AA979F6EA6A}" destId="{0337385F-CD84-BC45-BFCB-9CA210880138}" srcOrd="1" destOrd="0" presId="urn:microsoft.com/office/officeart/2005/8/layout/hierarchy2"/>
     <dgm:cxn modelId="{32CFF39E-E54C-A149-B9D5-1979E2FAAE07}" type="presOf" srcId="{271C338A-6CF2-D348-8346-6C1A5A3C43A1}" destId="{40AC619A-E02A-7B40-9E53-079FA80A6A7D}" srcOrd="1" destOrd="0" presId="urn:microsoft.com/office/officeart/2005/8/layout/hierarchy2"/>
+    <dgm:cxn modelId="{4F4678A1-ED52-0A45-885E-6CC576A5B75A}" srcId="{367DEEE2-F49B-7D47-9597-DB8EF23256CE}" destId="{A371EF00-D67B-854D-9B10-8CAE3B03F3DF}" srcOrd="2" destOrd="0" parTransId="{146D356C-61A0-BA4B-86B3-CB4CB3B01338}" sibTransId="{1722E129-A45A-824D-8294-754A7F3AB393}"/>
+    <dgm:cxn modelId="{DF857AA4-3502-E14C-8CA2-0D0EFE2F89FF}" type="presOf" srcId="{94572469-9D3A-7F40-AA8A-2B80D7279D99}" destId="{F60BB724-0988-AC4B-9AEE-34263CDF2CB4}" srcOrd="0" destOrd="0" presId="urn:microsoft.com/office/officeart/2005/8/layout/hierarchy2"/>
+    <dgm:cxn modelId="{A6C250A7-78AE-E34C-A635-865781569218}" type="presOf" srcId="{EB69628D-3F0A-F54E-BC83-5DB4ED0542F1}" destId="{73A2B267-4E45-7F4B-B13C-16C03D0A81C7}" srcOrd="0" destOrd="0" presId="urn:microsoft.com/office/officeart/2005/8/layout/hierarchy2"/>
+    <dgm:cxn modelId="{9E58FBAA-2BAC-BC42-A0CF-CD5B9495B175}" srcId="{367DEEE2-F49B-7D47-9597-DB8EF23256CE}" destId="{B5A6A716-F664-1E4A-81A6-526540B29E7A}" srcOrd="0" destOrd="0" parTransId="{132767A0-D7F4-3E4E-928F-8AA979F6EA6A}" sibTransId="{1AF730B8-1FD0-6147-90E7-2B9BC20CA77A}"/>
+    <dgm:cxn modelId="{F590A1AE-A2BC-1C41-BC0E-8D58CCF88F42}" type="presOf" srcId="{B5A6A716-F664-1E4A-81A6-526540B29E7A}" destId="{1981B657-D9DD-9C42-B88F-12BE2B38F2DC}" srcOrd="0" destOrd="0" presId="urn:microsoft.com/office/officeart/2005/8/layout/hierarchy2"/>
+    <dgm:cxn modelId="{7A4118AF-0A51-0846-8ED8-E6713BB2C949}" type="presOf" srcId="{F67802FC-47C9-7B46-877E-F08ADDB58FDD}" destId="{2CCD02CF-D62E-8844-80B7-53F6D7F5E279}" srcOrd="1" destOrd="0" presId="urn:microsoft.com/office/officeart/2005/8/layout/hierarchy2"/>
+    <dgm:cxn modelId="{8B6F10B2-F55A-6A43-A346-F278B1631B4D}" type="presOf" srcId="{FB9C798C-6C7B-C24E-B03A-61105CE8CCE0}" destId="{094CF964-E528-934E-A3D0-C8B6CB29EEE2}" srcOrd="0" destOrd="0" presId="urn:microsoft.com/office/officeart/2005/8/layout/hierarchy2"/>
+    <dgm:cxn modelId="{94CB9CB3-8CDE-8D43-B585-6DF4C73C5F43}" srcId="{3C2AA46A-97AC-614F-833C-46D946D6767F}" destId="{DEAD6330-6EE0-A54B-B0C0-3DAEFFC36868}" srcOrd="0" destOrd="0" parTransId="{60F16C97-57E4-3A47-B61C-EC799EA6533F}" sibTransId="{BBCCE9F8-70EC-6A45-94D9-4C0A1D18D192}"/>
+    <dgm:cxn modelId="{6E74E3B6-437C-AA41-A39F-A14FD4DCF616}" type="presOf" srcId="{DA3E177C-1BB0-534E-8346-EF42EE894979}" destId="{EEB5957B-7F3E-474A-9F85-429E844B9A91}" srcOrd="0" destOrd="0" presId="urn:microsoft.com/office/officeart/2005/8/layout/hierarchy2"/>
+    <dgm:cxn modelId="{3F8122BB-A60B-9C4F-9219-B955AB9A6F92}" type="presOf" srcId="{60F16C97-57E4-3A47-B61C-EC799EA6533F}" destId="{560E530A-6C18-3940-A599-BE0A264C426D}" srcOrd="1" destOrd="0" presId="urn:microsoft.com/office/officeart/2005/8/layout/hierarchy2"/>
+    <dgm:cxn modelId="{80047FC9-0024-804D-B10C-AA612D6C2440}" srcId="{3C2AA46A-97AC-614F-833C-46D946D6767F}" destId="{DB045898-157E-6148-8C77-A2CB0B5A3FA6}" srcOrd="1" destOrd="0" parTransId="{677C6A3B-3482-1B4E-B445-FB7EB4647933}" sibTransId="{B8CE1ABD-A9C8-B043-B6B1-B6125B4C0CD6}"/>
     <dgm:cxn modelId="{7ED326CE-B27A-7C4D-9AA4-AE0713BA7F8B}" srcId="{94572469-9D3A-7F40-AA8A-2B80D7279D99}" destId="{177EAC3B-64E7-6D42-83F3-1B1374769B91}" srcOrd="1" destOrd="0" parTransId="{C4D99EC8-D968-3D4D-8375-38AE5D907049}" sibTransId="{EB3EDF63-F6D9-D847-A0F6-557A0B0FE47C}"/>
+    <dgm:cxn modelId="{A91F89CF-FE2A-C546-BE24-755D385017E7}" type="presOf" srcId="{677C6A3B-3482-1B4E-B445-FB7EB4647933}" destId="{361CDB76-BE91-074C-930A-9E30CECDFAE1}" srcOrd="1" destOrd="0" presId="urn:microsoft.com/office/officeart/2005/8/layout/hierarchy2"/>
+    <dgm:cxn modelId="{3C1571D6-E4E0-1A49-9F34-612BAF50D231}" type="presOf" srcId="{8DE0AE3D-8243-5744-AE82-88669811FD6B}" destId="{03D9C166-6104-FB4C-AE9D-C52106225537}" srcOrd="0" destOrd="0" presId="urn:microsoft.com/office/officeart/2005/8/layout/hierarchy2"/>
+    <dgm:cxn modelId="{4A6232DB-FF4E-6A43-A84B-CBE53A32568A}" srcId="{94572469-9D3A-7F40-AA8A-2B80D7279D99}" destId="{EB69628D-3F0A-F54E-BC83-5DB4ED0542F1}" srcOrd="2" destOrd="0" parTransId="{F089DCF5-9936-5A49-ADFA-EC24EFE4B1C5}" sibTransId="{FAD03A92-4355-8A45-97DE-1D15E16F5D50}"/>
+    <dgm:cxn modelId="{63D178DD-3E88-754A-A71E-C87E760D6C98}" type="presOf" srcId="{CCAB70E7-71D0-9B41-B397-9B23EF865CCD}" destId="{3F211AF8-076B-7642-8F08-9CAD0D51C892}" srcOrd="1" destOrd="0" presId="urn:microsoft.com/office/officeart/2005/8/layout/hierarchy2"/>
+    <dgm:cxn modelId="{86BA84E0-B87B-2C43-BF2C-F9C851E99BA2}" type="presOf" srcId="{C4D99EC8-D968-3D4D-8375-38AE5D907049}" destId="{F33D8ED5-F64F-D244-916F-7D3D3FEFB1FB}" srcOrd="0" destOrd="0" presId="urn:microsoft.com/office/officeart/2005/8/layout/hierarchy2"/>
     <dgm:cxn modelId="{5ABA4BE5-DC5B-CC4F-A381-DDA1E7B6FC64}" srcId="{94572469-9D3A-7F40-AA8A-2B80D7279D99}" destId="{367DEEE2-F49B-7D47-9597-DB8EF23256CE}" srcOrd="0" destOrd="0" parTransId="{E53F960A-A032-D946-9B8D-CE1A82176CD6}" sibTransId="{9B2CE371-2EE7-BC40-9519-F163CA5A8BB2}"/>
-    <dgm:cxn modelId="{6CE6E82A-C99E-0A4A-80E4-CB3B01A93678}" srcId="{367DEEE2-F49B-7D47-9597-DB8EF23256CE}" destId="{1D6E0679-0ACE-6E48-842C-7DC629BCA2D3}" srcOrd="1" destOrd="0" parTransId="{CE8A4C78-D0CD-774B-AD42-94211BFE1697}" sibTransId="{E465D077-190E-7847-8193-DE402515C8FE}"/>
-    <dgm:cxn modelId="{F590A1AE-A2BC-1C41-BC0E-8D58CCF88F42}" type="presOf" srcId="{B5A6A716-F664-1E4A-81A6-526540B29E7A}" destId="{1981B657-D9DD-9C42-B88F-12BE2B38F2DC}" srcOrd="0" destOrd="0" presId="urn:microsoft.com/office/officeart/2005/8/layout/hierarchy2"/>
+    <dgm:cxn modelId="{2D8193E5-12F2-A343-9930-048EEACDA45C}" type="presOf" srcId="{60F16C97-57E4-3A47-B61C-EC799EA6533F}" destId="{0FB571A8-B3E0-3B41-897E-C852E5380E55}" srcOrd="0" destOrd="0" presId="urn:microsoft.com/office/officeart/2005/8/layout/hierarchy2"/>
+    <dgm:cxn modelId="{B55351E6-6A8F-F64F-9F94-A34AB77673CC}" srcId="{177EAC3B-64E7-6D42-83F3-1B1374769B91}" destId="{9CC1495C-F1C1-BD40-8CE9-78EF841E6F42}" srcOrd="0" destOrd="0" parTransId="{54B11E91-2C41-1A46-845E-E5A5FEC05BA3}" sibTransId="{01383374-5F94-F44B-A87A-7CB717F771F9}"/>
+    <dgm:cxn modelId="{299DB5EB-F69E-C647-871B-4D7675C792C1}" type="presOf" srcId="{8B9CC013-18D8-3D4E-970A-7498A0CE0898}" destId="{5CED880F-D973-D443-ACA7-4C7417A7AEB3}" srcOrd="0" destOrd="0" presId="urn:microsoft.com/office/officeart/2005/8/layout/hierarchy2"/>
     <dgm:cxn modelId="{B46EBAEC-5492-604F-BC00-D386EFD7A700}" type="presOf" srcId="{9CC1495C-F1C1-BD40-8CE9-78EF841E6F42}" destId="{201CC0F5-EB43-A041-A9DD-5F3AFACE7532}" srcOrd="0" destOrd="0" presId="urn:microsoft.com/office/officeart/2005/8/layout/hierarchy2"/>
-    <dgm:cxn modelId="{4A6232DB-FF4E-6A43-A84B-CBE53A32568A}" srcId="{94572469-9D3A-7F40-AA8A-2B80D7279D99}" destId="{EB69628D-3F0A-F54E-BC83-5DB4ED0542F1}" srcOrd="2" destOrd="0" parTransId="{F089DCF5-9936-5A49-ADFA-EC24EFE4B1C5}" sibTransId="{FAD03A92-4355-8A45-97DE-1D15E16F5D50}"/>
-    <dgm:cxn modelId="{01F11C0B-48EF-F145-87C7-D603819E07D5}" type="presOf" srcId="{CCAB70E7-71D0-9B41-B397-9B23EF865CCD}" destId="{A809822E-D22C-0A45-B5E5-EF8E58935CD1}" srcOrd="0" destOrd="0" presId="urn:microsoft.com/office/officeart/2005/8/layout/hierarchy2"/>
-    <dgm:cxn modelId="{39E09C84-BC01-E342-9B69-492724822629}" type="presOf" srcId="{A2748441-85A5-BE42-A437-EE6CC8B4D801}" destId="{ECB91306-2CE2-074E-BF46-9AD00B600AA9}" srcOrd="0" destOrd="0" presId="urn:microsoft.com/office/officeart/2005/8/layout/hierarchy2"/>
-    <dgm:cxn modelId="{A6C250A7-78AE-E34C-A635-865781569218}" type="presOf" srcId="{EB69628D-3F0A-F54E-BC83-5DB4ED0542F1}" destId="{73A2B267-4E45-7F4B-B13C-16C03D0A81C7}" srcOrd="0" destOrd="0" presId="urn:microsoft.com/office/officeart/2005/8/layout/hierarchy2"/>
-    <dgm:cxn modelId="{86BA84E0-B87B-2C43-BF2C-F9C851E99BA2}" type="presOf" srcId="{C4D99EC8-D968-3D4D-8375-38AE5D907049}" destId="{F33D8ED5-F64F-D244-916F-7D3D3FEFB1FB}" srcOrd="0" destOrd="0" presId="urn:microsoft.com/office/officeart/2005/8/layout/hierarchy2"/>
-    <dgm:cxn modelId="{DF857AA4-3502-E14C-8CA2-0D0EFE2F89FF}" type="presOf" srcId="{94572469-9D3A-7F40-AA8A-2B80D7279D99}" destId="{F60BB724-0988-AC4B-9AEE-34263CDF2CB4}" srcOrd="0" destOrd="0" presId="urn:microsoft.com/office/officeart/2005/8/layout/hierarchy2"/>
-    <dgm:cxn modelId="{9150A438-5252-5C4D-8BFC-2F9B7B16CE49}" type="presOf" srcId="{DB045898-157E-6148-8C77-A2CB0B5A3FA6}" destId="{03A5239D-DC99-2D40-99F6-863189C54B30}" srcOrd="0" destOrd="0" presId="urn:microsoft.com/office/officeart/2005/8/layout/hierarchy2"/>
-    <dgm:cxn modelId="{E7FC8A09-6C23-1142-A5EC-053E764FB3C0}" type="presOf" srcId="{F089DCF5-9936-5A49-ADFA-EC24EFE4B1C5}" destId="{FB23DF6C-6602-3F41-833B-CFB868BA9498}" srcOrd="0" destOrd="0" presId="urn:microsoft.com/office/officeart/2005/8/layout/hierarchy2"/>
-    <dgm:cxn modelId="{75D27911-DF93-4C4D-8FE7-03B65A35518E}" type="presOf" srcId="{132767A0-D7F4-3E4E-928F-8AA979F6EA6A}" destId="{FC177C59-7E0C-854B-80E5-55EC49A55BCB}" srcOrd="0" destOrd="0" presId="urn:microsoft.com/office/officeart/2005/8/layout/hierarchy2"/>
+    <dgm:cxn modelId="{1418F6EC-421F-1442-8888-83D365B64F97}" type="presOf" srcId="{C4D99EC8-D968-3D4D-8375-38AE5D907049}" destId="{46B13049-5C41-7147-8E2C-0E48A974E4C7}" srcOrd="1" destOrd="0" presId="urn:microsoft.com/office/officeart/2005/8/layout/hierarchy2"/>
+    <dgm:cxn modelId="{1E39EBEF-C4D4-EA42-AF22-45866F7B89EA}" type="presOf" srcId="{C15694AC-0D35-B241-9FA7-1C65F5F40DD9}" destId="{9DE56F1D-D716-9542-8349-F358305F98B6}" srcOrd="0" destOrd="0" presId="urn:microsoft.com/office/officeart/2005/8/layout/hierarchy2"/>
+    <dgm:cxn modelId="{808996F4-AB52-234A-9AD3-81621B39F064}" srcId="{8DE0AE3D-8243-5744-AE82-88669811FD6B}" destId="{94572469-9D3A-7F40-AA8A-2B80D7279D99}" srcOrd="0" destOrd="0" parTransId="{D22CDDC5-297C-BC41-975C-1906D75E8694}" sibTransId="{340653C5-3182-DE4E-A0D0-3F0A65F5AFCE}"/>
     <dgm:cxn modelId="{5035B8F6-2702-D544-9697-3611B1649007}" srcId="{A371EF00-D67B-854D-9B10-8CAE3B03F3DF}" destId="{8B9CC013-18D8-3D4E-970A-7498A0CE0898}" srcOrd="0" destOrd="0" parTransId="{C15694AC-0D35-B241-9FA7-1C65F5F40DD9}" sibTransId="{86FE2B50-CE6B-7F4D-886C-6F725EE3861F}"/>
-    <dgm:cxn modelId="{A91F89CF-FE2A-C546-BE24-755D385017E7}" type="presOf" srcId="{677C6A3B-3482-1B4E-B445-FB7EB4647933}" destId="{361CDB76-BE91-074C-930A-9E30CECDFAE1}" srcOrd="1" destOrd="0" presId="urn:microsoft.com/office/officeart/2005/8/layout/hierarchy2"/>
-    <dgm:cxn modelId="{7A4118AF-0A51-0846-8ED8-E6713BB2C949}" type="presOf" srcId="{F67802FC-47C9-7B46-877E-F08ADDB58FDD}" destId="{2CCD02CF-D62E-8844-80B7-53F6D7F5E279}" srcOrd="1" destOrd="0" presId="urn:microsoft.com/office/officeart/2005/8/layout/hierarchy2"/>
-    <dgm:cxn modelId="{4F4678A1-ED52-0A45-885E-6CC576A5B75A}" srcId="{367DEEE2-F49B-7D47-9597-DB8EF23256CE}" destId="{A371EF00-D67B-854D-9B10-8CAE3B03F3DF}" srcOrd="2" destOrd="0" parTransId="{146D356C-61A0-BA4B-86B3-CB4CB3B01338}" sibTransId="{1722E129-A45A-824D-8294-754A7F3AB393}"/>
-    <dgm:cxn modelId="{6D244E5C-AABC-8C45-8904-C1706C031325}" type="presOf" srcId="{B33AD2CD-5DDA-B041-8869-D62446A8DE57}" destId="{69C38DC7-245C-444C-81D3-852CAE104FB2}" srcOrd="0" destOrd="0" presId="urn:microsoft.com/office/officeart/2005/8/layout/hierarchy2"/>
-    <dgm:cxn modelId="{3C1571D6-E4E0-1A49-9F34-612BAF50D231}" type="presOf" srcId="{8DE0AE3D-8243-5744-AE82-88669811FD6B}" destId="{03D9C166-6104-FB4C-AE9D-C52106225537}" srcOrd="0" destOrd="0" presId="urn:microsoft.com/office/officeart/2005/8/layout/hierarchy2"/>
-    <dgm:cxn modelId="{B434917A-4B6A-0943-B13F-6DBC09FEE1D4}" type="presOf" srcId="{3C2AA46A-97AC-614F-833C-46D946D6767F}" destId="{5098BB29-9B77-9043-97E7-8CB46AED8BB1}" srcOrd="0" destOrd="0" presId="urn:microsoft.com/office/officeart/2005/8/layout/hierarchy2"/>
-    <dgm:cxn modelId="{8B6F10B2-F55A-6A43-A346-F278B1631B4D}" type="presOf" srcId="{FB9C798C-6C7B-C24E-B03A-61105CE8CCE0}" destId="{094CF964-E528-934E-A3D0-C8B6CB29EEE2}" srcOrd="0" destOrd="0" presId="urn:microsoft.com/office/officeart/2005/8/layout/hierarchy2"/>
-    <dgm:cxn modelId="{2089FA73-B5A1-924D-8E3F-4D88B8C56782}" type="presOf" srcId="{DEAD6330-6EE0-A54B-B0C0-3DAEFFC36868}" destId="{45C93A22-0C0B-3C4F-9E27-9F93F70EC336}" srcOrd="0" destOrd="0" presId="urn:microsoft.com/office/officeart/2005/8/layout/hierarchy2"/>
-    <dgm:cxn modelId="{3F8122BB-A60B-9C4F-9219-B955AB9A6F92}" type="presOf" srcId="{60F16C97-57E4-3A47-B61C-EC799EA6533F}" destId="{560E530A-6C18-3940-A599-BE0A264C426D}" srcOrd="1" destOrd="0" presId="urn:microsoft.com/office/officeart/2005/8/layout/hierarchy2"/>
-    <dgm:cxn modelId="{63D178DD-3E88-754A-A71E-C87E760D6C98}" type="presOf" srcId="{CCAB70E7-71D0-9B41-B397-9B23EF865CCD}" destId="{3F211AF8-076B-7642-8F08-9CAD0D51C892}" srcOrd="1" destOrd="0" presId="urn:microsoft.com/office/officeart/2005/8/layout/hierarchy2"/>
     <dgm:cxn modelId="{1717F7F9-926A-C347-B120-FAB9272CF612}" type="presOf" srcId="{F8B4F46D-5214-6745-86E7-6D2FBCB7C268}" destId="{64746CA8-381E-3744-810B-9515A4AE78AF}" srcOrd="1" destOrd="0" presId="urn:microsoft.com/office/officeart/2005/8/layout/hierarchy2"/>
-    <dgm:cxn modelId="{08301692-0AC6-9F48-98D5-93D0595BB9BF}" type="presOf" srcId="{A371EF00-D67B-854D-9B10-8CAE3B03F3DF}" destId="{DA1BABDF-BBAC-AB4B-A2B7-434E2A05EAE3}" srcOrd="0" destOrd="0" presId="urn:microsoft.com/office/officeart/2005/8/layout/hierarchy2"/>
-    <dgm:cxn modelId="{F323F46A-2004-5D4F-AB51-848950C2704A}" type="presOf" srcId="{54B11E91-2C41-1A46-845E-E5A5FEC05BA3}" destId="{D13B8E1B-4822-664C-8BBE-92ADCF5B1C59}" srcOrd="1" destOrd="0" presId="urn:microsoft.com/office/officeart/2005/8/layout/hierarchy2"/>
-    <dgm:cxn modelId="{2A58FD03-640D-C44E-A9F7-9FE07B644E0E}" type="presOf" srcId="{E53F960A-A032-D946-9B8D-CE1A82176CD6}" destId="{E40B0977-229D-DB44-9A03-DAF7CE4084D3}" srcOrd="1" destOrd="0" presId="urn:microsoft.com/office/officeart/2005/8/layout/hierarchy2"/>
-    <dgm:cxn modelId="{2D8193E5-12F2-A343-9930-048EEACDA45C}" type="presOf" srcId="{60F16C97-57E4-3A47-B61C-EC799EA6533F}" destId="{0FB571A8-B3E0-3B41-897E-C852E5380E55}" srcOrd="0" destOrd="0" presId="urn:microsoft.com/office/officeart/2005/8/layout/hierarchy2"/>
-    <dgm:cxn modelId="{E387684F-0CAF-5C40-B03F-294C3F01ED02}" type="presOf" srcId="{677C6A3B-3482-1B4E-B445-FB7EB4647933}" destId="{19316004-00E0-9841-898D-0E26E9338C81}" srcOrd="0" destOrd="0" presId="urn:microsoft.com/office/officeart/2005/8/layout/hierarchy2"/>
-    <dgm:cxn modelId="{DC497A76-97C1-8240-BD5E-60B9FF686404}" srcId="{B5A6A716-F664-1E4A-81A6-526540B29E7A}" destId="{DA3E177C-1BB0-534E-8346-EF42EE894979}" srcOrd="1" destOrd="0" parTransId="{CCAB70E7-71D0-9B41-B397-9B23EF865CCD}" sibTransId="{C4C56646-7069-0840-B44D-9ED36598EE5E}"/>
-    <dgm:cxn modelId="{CADD2C11-FF1E-2848-9C67-92502A9D786D}" type="presOf" srcId="{FB9C798C-6C7B-C24E-B03A-61105CE8CCE0}" destId="{0AE45D4F-265E-A042-8F39-13E850E29CCF}" srcOrd="1" destOrd="0" presId="urn:microsoft.com/office/officeart/2005/8/layout/hierarchy2"/>
-    <dgm:cxn modelId="{A4106658-D4A6-0349-BC5B-E7A3FF80D8B8}" type="presOf" srcId="{42320E32-4776-544B-A03A-CE7768B04F56}" destId="{81D0B23E-622B-FE43-B2C0-292A3288C7A8}" srcOrd="0" destOrd="0" presId="urn:microsoft.com/office/officeart/2005/8/layout/hierarchy2"/>
-    <dgm:cxn modelId="{925F3825-83D1-DA43-BC2F-96F2642FC6BB}" type="presOf" srcId="{04C3E5C8-A903-2845-8B34-3CDAE334D1F7}" destId="{E24E6B14-0C47-EA49-B447-C1A9CDDC4AAF}" srcOrd="0" destOrd="0" presId="urn:microsoft.com/office/officeart/2005/8/layout/hierarchy2"/>
-    <dgm:cxn modelId="{70640F00-6717-F443-B79C-29A557B1CC01}" srcId="{1D6E0679-0ACE-6E48-842C-7DC629BCA2D3}" destId="{42320E32-4776-544B-A03A-CE7768B04F56}" srcOrd="0" destOrd="0" parTransId="{F67802FC-47C9-7B46-877E-F08ADDB58FDD}" sibTransId="{45B6E255-CD59-6B4E-8981-89D84A82D9B3}"/>
-    <dgm:cxn modelId="{6E74E3B6-437C-AA41-A39F-A14FD4DCF616}" type="presOf" srcId="{DA3E177C-1BB0-534E-8346-EF42EE894979}" destId="{EEB5957B-7F3E-474A-9F85-429E844B9A91}" srcOrd="0" destOrd="0" presId="urn:microsoft.com/office/officeart/2005/8/layout/hierarchy2"/>
-    <dgm:cxn modelId="{43CA9951-BF41-7E4E-8006-57E7216AF655}" type="presOf" srcId="{271C338A-6CF2-D348-8346-6C1A5A3C43A1}" destId="{2F1B9A1C-26EB-9B43-82FC-4543CBDC8A2B}" srcOrd="0" destOrd="0" presId="urn:microsoft.com/office/officeart/2005/8/layout/hierarchy2"/>
-    <dgm:cxn modelId="{F4CE461F-E75C-0D4F-813B-A4067246089B}" type="presOf" srcId="{146D356C-61A0-BA4B-86B3-CB4CB3B01338}" destId="{97EEADB9-2E14-3840-8B99-C18EF396B3A3}" srcOrd="0" destOrd="0" presId="urn:microsoft.com/office/officeart/2005/8/layout/hierarchy2"/>
-    <dgm:cxn modelId="{1418F6EC-421F-1442-8888-83D365B64F97}" type="presOf" srcId="{C4D99EC8-D968-3D4D-8375-38AE5D907049}" destId="{46B13049-5C41-7147-8E2C-0E48A974E4C7}" srcOrd="1" destOrd="0" presId="urn:microsoft.com/office/officeart/2005/8/layout/hierarchy2"/>
-    <dgm:cxn modelId="{1F445C45-B7A7-584C-82CB-2401864CECB6}" srcId="{1D6E0679-0ACE-6E48-842C-7DC629BCA2D3}" destId="{A2748441-85A5-BE42-A437-EE6CC8B4D801}" srcOrd="1" destOrd="0" parTransId="{04C3E5C8-A903-2845-8B34-3CDAE334D1F7}" sibTransId="{F7107D70-FCF4-6E42-BBA6-076AAAE3F25F}"/>
-    <dgm:cxn modelId="{A432007B-30F9-0347-8D3B-72FD578AA846}" srcId="{EB69628D-3F0A-F54E-BC83-5DB4ED0542F1}" destId="{B33AD2CD-5DDA-B041-8869-D62446A8DE57}" srcOrd="0" destOrd="0" parTransId="{271C338A-6CF2-D348-8346-6C1A5A3C43A1}" sibTransId="{2AFF4599-6619-A943-9983-B73889FE1162}"/>
-    <dgm:cxn modelId="{9E58FBAA-2BAC-BC42-A0CF-CD5B9495B175}" srcId="{367DEEE2-F49B-7D47-9597-DB8EF23256CE}" destId="{B5A6A716-F664-1E4A-81A6-526540B29E7A}" srcOrd="0" destOrd="0" parTransId="{132767A0-D7F4-3E4E-928F-8AA979F6EA6A}" sibTransId="{1AF730B8-1FD0-6147-90E7-2B9BC20CA77A}"/>
-    <dgm:cxn modelId="{66325B7B-ABD9-DC43-B63A-8A4D2B0CE587}" type="presOf" srcId="{04C3E5C8-A903-2845-8B34-3CDAE334D1F7}" destId="{3CB8A72D-1EC2-1C4A-9762-613AB2CED595}" srcOrd="1" destOrd="0" presId="urn:microsoft.com/office/officeart/2005/8/layout/hierarchy2"/>
-    <dgm:cxn modelId="{80047FC9-0024-804D-B10C-AA612D6C2440}" srcId="{3C2AA46A-97AC-614F-833C-46D946D6767F}" destId="{DB045898-157E-6148-8C77-A2CB0B5A3FA6}" srcOrd="1" destOrd="0" parTransId="{677C6A3B-3482-1B4E-B445-FB7EB4647933}" sibTransId="{B8CE1ABD-A9C8-B043-B6B1-B6125B4C0CD6}"/>
-    <dgm:cxn modelId="{1E39EBEF-C4D4-EA42-AF22-45866F7B89EA}" type="presOf" srcId="{C15694AC-0D35-B241-9FA7-1C65F5F40DD9}" destId="{9DE56F1D-D716-9542-8349-F358305F98B6}" srcOrd="0" destOrd="0" presId="urn:microsoft.com/office/officeart/2005/8/layout/hierarchy2"/>
-    <dgm:cxn modelId="{9B6E1403-411A-254E-BC82-4E3130B7E497}" type="presOf" srcId="{54B11E91-2C41-1A46-845E-E5A5FEC05BA3}" destId="{AD973028-A7EF-8A44-9540-D9427C30BFC7}" srcOrd="0" destOrd="0" presId="urn:microsoft.com/office/officeart/2005/8/layout/hierarchy2"/>
-    <dgm:cxn modelId="{94CB9CB3-8CDE-8D43-B585-6DF4C73C5F43}" srcId="{3C2AA46A-97AC-614F-833C-46D946D6767F}" destId="{DEAD6330-6EE0-A54B-B0C0-3DAEFFC36868}" srcOrd="0" destOrd="0" parTransId="{60F16C97-57E4-3A47-B61C-EC799EA6533F}" sibTransId="{BBCCE9F8-70EC-6A45-94D9-4C0A1D18D192}"/>
-    <dgm:cxn modelId="{299DB5EB-F69E-C647-871B-4D7675C792C1}" type="presOf" srcId="{8B9CC013-18D8-3D4E-970A-7498A0CE0898}" destId="{5CED880F-D973-D443-ACA7-4C7417A7AEB3}" srcOrd="0" destOrd="0" presId="urn:microsoft.com/office/officeart/2005/8/layout/hierarchy2"/>
-    <dgm:cxn modelId="{1E5C994C-5086-CD4A-B9B6-70419F36D397}" type="presOf" srcId="{146D356C-61A0-BA4B-86B3-CB4CB3B01338}" destId="{B03B620C-8C6E-3E43-B63D-1BA0F2DF0F06}" srcOrd="1" destOrd="0" presId="urn:microsoft.com/office/officeart/2005/8/layout/hierarchy2"/>
-    <dgm:cxn modelId="{808996F4-AB52-234A-9AD3-81621B39F064}" srcId="{8DE0AE3D-8243-5744-AE82-88669811FD6B}" destId="{94572469-9D3A-7F40-AA8A-2B80D7279D99}" srcOrd="0" destOrd="0" parTransId="{D22CDDC5-297C-BC41-975C-1906D75E8694}" sibTransId="{340653C5-3182-DE4E-A0D0-3F0A65F5AFCE}"/>
-    <dgm:cxn modelId="{27ED359B-A01E-9049-8E83-E8150CA86879}" type="presOf" srcId="{132767A0-D7F4-3E4E-928F-8AA979F6EA6A}" destId="{0337385F-CD84-BC45-BFCB-9CA210880138}" srcOrd="1" destOrd="0" presId="urn:microsoft.com/office/officeart/2005/8/layout/hierarchy2"/>
-    <dgm:cxn modelId="{B55351E6-6A8F-F64F-9F94-A34AB77673CC}" srcId="{177EAC3B-64E7-6D42-83F3-1B1374769B91}" destId="{9CC1495C-F1C1-BD40-8CE9-78EF841E6F42}" srcOrd="0" destOrd="0" parTransId="{54B11E91-2C41-1A46-845E-E5A5FEC05BA3}" sibTransId="{01383374-5F94-F44B-A87A-7CB717F771F9}"/>
-    <dgm:cxn modelId="{71123422-C8F7-E34D-A2B6-AF025DCFA6D0}" type="presOf" srcId="{367DEEE2-F49B-7D47-9597-DB8EF23256CE}" destId="{F4B55808-66D9-314C-ADDB-4D262A421E59}" srcOrd="0" destOrd="0" presId="urn:microsoft.com/office/officeart/2005/8/layout/hierarchy2"/>
-    <dgm:cxn modelId="{660F8572-6E29-BE4F-84E8-C8A1FF8F31F6}" type="presOf" srcId="{C15694AC-0D35-B241-9FA7-1C65F5F40DD9}" destId="{D3A6EB0A-7782-FB49-878F-0368211434A4}" srcOrd="1" destOrd="0" presId="urn:microsoft.com/office/officeart/2005/8/layout/hierarchy2"/>
     <dgm:cxn modelId="{B1E86DAA-5B94-F348-91F1-3B9BF8D27587}" type="presParOf" srcId="{03D9C166-6104-FB4C-AE9D-C52106225537}" destId="{0C294CBD-12E3-D64F-A2FE-70AB6872C2BE}" srcOrd="0" destOrd="0" presId="urn:microsoft.com/office/officeart/2005/8/layout/hierarchy2"/>
     <dgm:cxn modelId="{88D2FAD9-1CF9-7849-85A8-9B973E4766EA}" type="presParOf" srcId="{0C294CBD-12E3-D64F-A2FE-70AB6872C2BE}" destId="{F60BB724-0988-AC4B-9AEE-34263CDF2CB4}" srcOrd="0" destOrd="0" presId="urn:microsoft.com/office/officeart/2005/8/layout/hierarchy2"/>
     <dgm:cxn modelId="{0B1D0108-20E9-FB4D-9737-EEC67738411C}" type="presParOf" srcId="{0C294CBD-12E3-D64F-A2FE-70AB6872C2BE}" destId="{9C380DE9-774D-0F45-92F0-4E229F46E1A5}" srcOrd="1" destOrd="0" presId="urn:microsoft.com/office/officeart/2005/8/layout/hierarchy2"/>
@@ -2328,7 +2218,7 @@
         </a:bodyPr>
         <a:lstStyle/>
         <a:p>
-          <a:pPr lvl="0" algn="ctr" defTabSz="355600">
+          <a:pPr marL="0" lvl="0" indent="0" algn="ctr" defTabSz="355600">
             <a:lnSpc>
               <a:spcPct val="90000"/>
             </a:lnSpc>
@@ -2338,12 +2228,12 @@
             <a:spcAft>
               <a:spcPct val="35000"/>
             </a:spcAft>
+            <a:buNone/>
           </a:pPr>
           <a:r>
-            <a:rPr lang="en-US" sz="800" kern="1200" dirty="0" smtClean="0"/>
+            <a:rPr lang="en-US" sz="800" kern="1200" dirty="0"/>
             <a:t>I have my model. Now how do I test my hypothesis? </a:t>
           </a:r>
-          <a:endParaRPr lang="en-US" sz="800" kern="1200" dirty="0"/>
         </a:p>
       </dsp:txBody>
       <dsp:txXfrm>
@@ -2411,7 +2301,7 @@
         </a:bodyPr>
         <a:lstStyle/>
         <a:p>
-          <a:pPr lvl="0" algn="ctr" defTabSz="222250">
+          <a:pPr marL="0" lvl="0" indent="0" algn="ctr" defTabSz="222250">
             <a:lnSpc>
               <a:spcPct val="90000"/>
             </a:lnSpc>
@@ -2421,6 +2311,7 @@
             <a:spcAft>
               <a:spcPct val="35000"/>
             </a:spcAft>
+            <a:buNone/>
           </a:pPr>
           <a:endParaRPr lang="en-US" sz="500" kern="1200"/>
         </a:p>
@@ -2503,7 +2394,7 @@
         </a:bodyPr>
         <a:lstStyle/>
         <a:p>
-          <a:pPr lvl="0" algn="ctr" defTabSz="355600">
+          <a:pPr marL="0" lvl="0" indent="0" algn="ctr" defTabSz="355600">
             <a:lnSpc>
               <a:spcPct val="90000"/>
             </a:lnSpc>
@@ -2513,12 +2404,12 @@
             <a:spcAft>
               <a:spcPct val="35000"/>
             </a:spcAft>
+            <a:buNone/>
           </a:pPr>
           <a:r>
-            <a:rPr lang="en-US" sz="800" kern="1200" dirty="0" smtClean="0"/>
+            <a:rPr lang="en-US" sz="800" kern="1200" dirty="0"/>
             <a:t>I designed &amp; executed an experiment, perhaps in multiple contexts. </a:t>
           </a:r>
-          <a:endParaRPr lang="en-US" sz="800" kern="1200" dirty="0"/>
         </a:p>
       </dsp:txBody>
       <dsp:txXfrm>
@@ -2586,7 +2477,7 @@
         </a:bodyPr>
         <a:lstStyle/>
         <a:p>
-          <a:pPr lvl="0" algn="ctr" defTabSz="266700">
+          <a:pPr marL="0" lvl="0" indent="0" algn="ctr" defTabSz="266700">
             <a:lnSpc>
               <a:spcPct val="90000"/>
             </a:lnSpc>
@@ -2596,6 +2487,7 @@
             <a:spcAft>
               <a:spcPct val="35000"/>
             </a:spcAft>
+            <a:buNone/>
           </a:pPr>
           <a:endParaRPr lang="en-US" sz="600" kern="1200"/>
         </a:p>
@@ -2678,7 +2570,7 @@
         </a:bodyPr>
         <a:lstStyle/>
         <a:p>
-          <a:pPr lvl="0" algn="ctr" defTabSz="355600">
+          <a:pPr marL="0" lvl="0" indent="0" algn="ctr" defTabSz="355600">
             <a:lnSpc>
               <a:spcPct val="90000"/>
             </a:lnSpc>
@@ -2688,12 +2580,12 @@
             <a:spcAft>
               <a:spcPct val="35000"/>
             </a:spcAft>
+            <a:buNone/>
           </a:pPr>
           <a:r>
-            <a:rPr lang="en-US" sz="800" kern="1200" dirty="0" smtClean="0"/>
+            <a:rPr lang="en-US" sz="800" kern="1200" dirty="0"/>
             <a:t>Fit full model. No model selection. (Philip’s preference)</a:t>
           </a:r>
-          <a:endParaRPr lang="en-US" sz="800" kern="1200" dirty="0"/>
         </a:p>
       </dsp:txBody>
       <dsp:txXfrm>
@@ -2761,7 +2653,7 @@
         </a:bodyPr>
         <a:lstStyle/>
         <a:p>
-          <a:pPr lvl="0" algn="ctr" defTabSz="222250">
+          <a:pPr marL="0" lvl="0" indent="0" algn="ctr" defTabSz="222250">
             <a:lnSpc>
               <a:spcPct val="90000"/>
             </a:lnSpc>
@@ -2771,6 +2663,7 @@
             <a:spcAft>
               <a:spcPct val="35000"/>
             </a:spcAft>
+            <a:buNone/>
           </a:pPr>
           <a:endParaRPr lang="en-US" sz="500" kern="1200"/>
         </a:p>
@@ -2853,7 +2746,7 @@
         </a:bodyPr>
         <a:lstStyle/>
         <a:p>
-          <a:pPr lvl="0" algn="ctr" defTabSz="355600">
+          <a:pPr marL="0" lvl="0" indent="0" algn="ctr" defTabSz="355600">
             <a:lnSpc>
               <a:spcPct val="90000"/>
             </a:lnSpc>
@@ -2863,12 +2756,12 @@
             <a:spcAft>
               <a:spcPct val="35000"/>
             </a:spcAft>
+            <a:buNone/>
           </a:pPr>
           <a:r>
-            <a:rPr lang="en-US" sz="800" kern="1200" dirty="0" smtClean="0"/>
+            <a:rPr lang="en-US" sz="800" kern="1200" dirty="0"/>
             <a:t>Interpret main effects, interactions, and simple effects when necessary. </a:t>
           </a:r>
-          <a:endParaRPr lang="en-US" sz="800" kern="1200" dirty="0"/>
         </a:p>
       </dsp:txBody>
       <dsp:txXfrm>
@@ -2936,7 +2829,7 @@
         </a:bodyPr>
         <a:lstStyle/>
         <a:p>
-          <a:pPr lvl="0" algn="ctr" defTabSz="222250">
+          <a:pPr marL="0" lvl="0" indent="0" algn="ctr" defTabSz="222250">
             <a:lnSpc>
               <a:spcPct val="90000"/>
             </a:lnSpc>
@@ -2946,6 +2839,7 @@
             <a:spcAft>
               <a:spcPct val="35000"/>
             </a:spcAft>
+            <a:buNone/>
           </a:pPr>
           <a:endParaRPr lang="en-US" sz="500" kern="1200"/>
         </a:p>
@@ -3028,7 +2922,7 @@
         </a:bodyPr>
         <a:lstStyle/>
         <a:p>
-          <a:pPr lvl="0" algn="ctr" defTabSz="355600">
+          <a:pPr marL="0" lvl="0" indent="0" algn="ctr" defTabSz="355600">
             <a:lnSpc>
               <a:spcPct val="90000"/>
             </a:lnSpc>
@@ -3038,28 +2932,28 @@
             <a:spcAft>
               <a:spcPct val="35000"/>
             </a:spcAft>
+            <a:buNone/>
           </a:pPr>
           <a:r>
-            <a:rPr lang="en-US" sz="800" kern="1200" dirty="0" smtClean="0"/>
+            <a:rPr lang="en-US" sz="800" kern="1200" dirty="0"/>
             <a:t>Use </a:t>
           </a:r>
           <a:r>
-            <a:rPr lang="en-US" sz="800" kern="1200" dirty="0" err="1" smtClean="0"/>
+            <a:rPr lang="en-US" sz="800" kern="1200" dirty="0" err="1"/>
             <a:t>lsmeans</a:t>
           </a:r>
           <a:r>
-            <a:rPr lang="en-US" sz="800" kern="1200" dirty="0" smtClean="0"/>
+            <a:rPr lang="en-US" sz="800" kern="1200" dirty="0"/>
             <a:t> or </a:t>
           </a:r>
           <a:r>
-            <a:rPr lang="en-US" sz="800" kern="1200" dirty="0" err="1" smtClean="0"/>
+            <a:rPr lang="en-US" sz="800" kern="1200" dirty="0" err="1"/>
             <a:t>glht</a:t>
           </a:r>
           <a:r>
-            <a:rPr lang="en-US" sz="800" kern="1200" dirty="0" smtClean="0"/>
+            <a:rPr lang="en-US" sz="800" kern="1200" dirty="0"/>
             <a:t> to determine significance between levels and get a p-value. </a:t>
           </a:r>
-          <a:endParaRPr lang="en-US" sz="800" kern="1200" dirty="0"/>
         </a:p>
       </dsp:txBody>
       <dsp:txXfrm>
@@ -3127,7 +3021,7 @@
         </a:bodyPr>
         <a:lstStyle/>
         <a:p>
-          <a:pPr lvl="0" algn="ctr" defTabSz="222250">
+          <a:pPr marL="0" lvl="0" indent="0" algn="ctr" defTabSz="222250">
             <a:lnSpc>
               <a:spcPct val="90000"/>
             </a:lnSpc>
@@ -3137,6 +3031,7 @@
             <a:spcAft>
               <a:spcPct val="35000"/>
             </a:spcAft>
+            <a:buNone/>
           </a:pPr>
           <a:endParaRPr lang="en-US" sz="500" kern="1200"/>
         </a:p>
@@ -3219,7 +3114,7 @@
         </a:bodyPr>
         <a:lstStyle/>
         <a:p>
-          <a:pPr lvl="0" algn="ctr" defTabSz="355600">
+          <a:pPr marL="0" lvl="0" indent="0" algn="ctr" defTabSz="355600">
             <a:lnSpc>
               <a:spcPct val="90000"/>
             </a:lnSpc>
@@ -3229,12 +3124,12 @@
             <a:spcAft>
               <a:spcPct val="35000"/>
             </a:spcAft>
+            <a:buNone/>
           </a:pPr>
           <a:r>
-            <a:rPr lang="en-US" sz="800" kern="1200" dirty="0" smtClean="0"/>
+            <a:rPr lang="en-US" sz="800" kern="1200" dirty="0"/>
             <a:t>Use confidence intervals to determine which coefficients are important predictors. </a:t>
           </a:r>
-          <a:endParaRPr lang="en-US" sz="800" kern="1200" dirty="0"/>
         </a:p>
       </dsp:txBody>
       <dsp:txXfrm>
@@ -3302,7 +3197,7 @@
         </a:bodyPr>
         <a:lstStyle/>
         <a:p>
-          <a:pPr lvl="0" algn="ctr" defTabSz="222250">
+          <a:pPr marL="0" lvl="0" indent="0" algn="ctr" defTabSz="222250">
             <a:lnSpc>
               <a:spcPct val="90000"/>
             </a:lnSpc>
@@ -3312,6 +3207,7 @@
             <a:spcAft>
               <a:spcPct val="35000"/>
             </a:spcAft>
+            <a:buNone/>
           </a:pPr>
           <a:endParaRPr lang="en-US" sz="500" kern="1200"/>
         </a:p>
@@ -3394,7 +3290,7 @@
         </a:bodyPr>
         <a:lstStyle/>
         <a:p>
-          <a:pPr lvl="0" algn="ctr" defTabSz="355600">
+          <a:pPr marL="0" lvl="0" indent="0" algn="ctr" defTabSz="355600">
             <a:lnSpc>
               <a:spcPct val="90000"/>
             </a:lnSpc>
@@ -3404,12 +3300,12 @@
             <a:spcAft>
               <a:spcPct val="35000"/>
             </a:spcAft>
+            <a:buNone/>
           </a:pPr>
           <a:r>
-            <a:rPr lang="en-US" sz="800" kern="1200" dirty="0" smtClean="0"/>
+            <a:rPr lang="en-US" sz="800" kern="1200" dirty="0"/>
             <a:t>Use model comparison to decide which interactions to include. Then interpret as above.</a:t>
           </a:r>
-          <a:endParaRPr lang="en-US" sz="800" kern="1200" dirty="0"/>
         </a:p>
       </dsp:txBody>
       <dsp:txXfrm>
@@ -3477,7 +3373,7 @@
         </a:bodyPr>
         <a:lstStyle/>
         <a:p>
-          <a:pPr lvl="0" algn="ctr" defTabSz="222250">
+          <a:pPr marL="0" lvl="0" indent="0" algn="ctr" defTabSz="222250">
             <a:lnSpc>
               <a:spcPct val="90000"/>
             </a:lnSpc>
@@ -3487,6 +3383,7 @@
             <a:spcAft>
               <a:spcPct val="35000"/>
             </a:spcAft>
+            <a:buNone/>
           </a:pPr>
           <a:endParaRPr lang="en-US" sz="500" kern="1200"/>
         </a:p>
@@ -3569,7 +3466,7 @@
         </a:bodyPr>
         <a:lstStyle/>
         <a:p>
-          <a:pPr lvl="0" algn="ctr" defTabSz="355600">
+          <a:pPr marL="0" lvl="0" indent="0" algn="ctr" defTabSz="355600">
             <a:lnSpc>
               <a:spcPct val="90000"/>
             </a:lnSpc>
@@ -3579,20 +3476,20 @@
             <a:spcAft>
               <a:spcPct val="35000"/>
             </a:spcAft>
+            <a:buNone/>
           </a:pPr>
           <a:r>
-            <a:rPr lang="en-US" sz="800" kern="1200" dirty="0" smtClean="0"/>
+            <a:rPr lang="en-US" sz="800" kern="1200" dirty="0"/>
             <a:t>Fill full model and appropriate </a:t>
           </a:r>
           <a:r>
-            <a:rPr lang="en-US" sz="800" kern="1200" dirty="0" err="1" smtClean="0"/>
+            <a:rPr lang="en-US" sz="800" kern="1200" dirty="0" err="1"/>
             <a:t>submodels</a:t>
           </a:r>
           <a:r>
-            <a:rPr lang="en-US" sz="800" kern="1200" dirty="0" smtClean="0"/>
+            <a:rPr lang="en-US" sz="800" kern="1200" dirty="0"/>
             <a:t>. Use Likelihood Ratio Tests to identify best-fitting model. </a:t>
           </a:r>
-          <a:endParaRPr lang="en-US" sz="800" kern="1200" dirty="0"/>
         </a:p>
       </dsp:txBody>
       <dsp:txXfrm>
@@ -3660,7 +3557,7 @@
         </a:bodyPr>
         <a:lstStyle/>
         <a:p>
-          <a:pPr lvl="0" algn="ctr" defTabSz="222250">
+          <a:pPr marL="0" lvl="0" indent="0" algn="ctr" defTabSz="222250">
             <a:lnSpc>
               <a:spcPct val="90000"/>
             </a:lnSpc>
@@ -3670,6 +3567,7 @@
             <a:spcAft>
               <a:spcPct val="35000"/>
             </a:spcAft>
+            <a:buNone/>
           </a:pPr>
           <a:endParaRPr lang="en-US" sz="500" kern="1200"/>
         </a:p>
@@ -3752,7 +3650,7 @@
         </a:bodyPr>
         <a:lstStyle/>
         <a:p>
-          <a:pPr lvl="0" algn="ctr" defTabSz="355600">
+          <a:pPr marL="0" lvl="0" indent="0" algn="ctr" defTabSz="355600">
             <a:lnSpc>
               <a:spcPct val="90000"/>
             </a:lnSpc>
@@ -3762,20 +3660,20 @@
             <a:spcAft>
               <a:spcPct val="35000"/>
             </a:spcAft>
+            <a:buNone/>
           </a:pPr>
           <a:r>
-            <a:rPr lang="en-US" sz="800" kern="1200" dirty="0" smtClean="0"/>
+            <a:rPr lang="en-US" sz="800" kern="1200" dirty="0"/>
             <a:t>Note </a:t>
           </a:r>
           <a:r>
-            <a:rPr lang="mr-IN" sz="800" kern="1200" dirty="0" smtClean="0"/>
+            <a:rPr lang="mr-IN" sz="800" kern="1200" dirty="0"/>
             <a:t>–</a:t>
           </a:r>
           <a:r>
-            <a:rPr lang="en-US" sz="800" kern="1200" dirty="0" smtClean="0"/>
+            <a:rPr lang="en-US" sz="800" kern="1200" dirty="0"/>
             <a:t> not appropriate for most GLMM’s. </a:t>
           </a:r>
-          <a:endParaRPr lang="en-US" sz="800" kern="1200" dirty="0"/>
         </a:p>
       </dsp:txBody>
       <dsp:txXfrm>
@@ -3843,7 +3741,7 @@
         </a:bodyPr>
         <a:lstStyle/>
         <a:p>
-          <a:pPr lvl="0" algn="ctr" defTabSz="222250">
+          <a:pPr marL="0" lvl="0" indent="0" algn="ctr" defTabSz="222250">
             <a:lnSpc>
               <a:spcPct val="90000"/>
             </a:lnSpc>
@@ -3853,6 +3751,7 @@
             <a:spcAft>
               <a:spcPct val="35000"/>
             </a:spcAft>
+            <a:buNone/>
           </a:pPr>
           <a:endParaRPr lang="en-US" sz="500" kern="1200"/>
         </a:p>
@@ -3935,7 +3834,7 @@
         </a:bodyPr>
         <a:lstStyle/>
         <a:p>
-          <a:pPr lvl="0" algn="ctr" defTabSz="355600">
+          <a:pPr marL="0" lvl="0" indent="0" algn="ctr" defTabSz="355600">
             <a:lnSpc>
               <a:spcPct val="90000"/>
             </a:lnSpc>
@@ -3945,12 +3844,12 @@
             <a:spcAft>
               <a:spcPct val="35000"/>
             </a:spcAft>
+            <a:buNone/>
           </a:pPr>
           <a:r>
-            <a:rPr lang="en-US" sz="800" kern="1200" dirty="0" smtClean="0"/>
+            <a:rPr lang="en-US" sz="800" kern="1200" dirty="0"/>
             <a:t>Get a p-value describing which model fits best. </a:t>
           </a:r>
-          <a:endParaRPr lang="en-US" sz="800" kern="1200" dirty="0"/>
         </a:p>
       </dsp:txBody>
       <dsp:txXfrm>
@@ -4018,7 +3917,7 @@
         </a:bodyPr>
         <a:lstStyle/>
         <a:p>
-          <a:pPr lvl="0" algn="ctr" defTabSz="266700">
+          <a:pPr marL="0" lvl="0" indent="0" algn="ctr" defTabSz="266700">
             <a:lnSpc>
               <a:spcPct val="90000"/>
             </a:lnSpc>
@@ -4028,6 +3927,7 @@
             <a:spcAft>
               <a:spcPct val="35000"/>
             </a:spcAft>
+            <a:buNone/>
           </a:pPr>
           <a:endParaRPr lang="en-US" sz="600" kern="1200"/>
         </a:p>
@@ -4110,7 +4010,7 @@
         </a:bodyPr>
         <a:lstStyle/>
         <a:p>
-          <a:pPr lvl="0" algn="ctr" defTabSz="355600">
+          <a:pPr marL="0" lvl="0" indent="0" algn="ctr" defTabSz="355600">
             <a:lnSpc>
               <a:spcPct val="90000"/>
             </a:lnSpc>
@@ -4120,12 +4020,12 @@
             <a:spcAft>
               <a:spcPct val="35000"/>
             </a:spcAft>
+            <a:buNone/>
           </a:pPr>
           <a:r>
-            <a:rPr lang="en-US" sz="800" kern="1200" dirty="0" smtClean="0"/>
+            <a:rPr lang="en-US" sz="800" kern="1200" dirty="0"/>
             <a:t>Use model selection based on AIC/BIC to choose best-fitting model. Burnham and Anderson approach. </a:t>
           </a:r>
-          <a:endParaRPr lang="en-US" sz="800" kern="1200" dirty="0"/>
         </a:p>
       </dsp:txBody>
       <dsp:txXfrm>
@@ -4193,7 +4093,7 @@
         </a:bodyPr>
         <a:lstStyle/>
         <a:p>
-          <a:pPr lvl="0" algn="ctr" defTabSz="222250">
+          <a:pPr marL="0" lvl="0" indent="0" algn="ctr" defTabSz="222250">
             <a:lnSpc>
               <a:spcPct val="90000"/>
             </a:lnSpc>
@@ -4203,6 +4103,7 @@
             <a:spcAft>
               <a:spcPct val="35000"/>
             </a:spcAft>
+            <a:buNone/>
           </a:pPr>
           <a:endParaRPr lang="en-US" sz="500" kern="1200"/>
         </a:p>
@@ -4285,7 +4186,7 @@
         </a:bodyPr>
         <a:lstStyle/>
         <a:p>
-          <a:pPr lvl="0" algn="ctr" defTabSz="355600">
+          <a:pPr marL="0" lvl="0" indent="0" algn="ctr" defTabSz="355600">
             <a:lnSpc>
               <a:spcPct val="90000"/>
             </a:lnSpc>
@@ -4295,12 +4196,12 @@
             <a:spcAft>
               <a:spcPct val="35000"/>
             </a:spcAft>
+            <a:buNone/>
           </a:pPr>
           <a:r>
-            <a:rPr lang="en-US" sz="800" kern="1200" dirty="0" smtClean="0"/>
+            <a:rPr lang="en-US" sz="800" kern="1200" dirty="0"/>
             <a:t>Note- it’s difficult to identify differences between levels of a factor using this approach. </a:t>
           </a:r>
-          <a:endParaRPr lang="en-US" sz="800" kern="1200" dirty="0"/>
         </a:p>
       </dsp:txBody>
       <dsp:txXfrm>
@@ -4368,7 +4269,7 @@
         </a:bodyPr>
         <a:lstStyle/>
         <a:p>
-          <a:pPr lvl="0" algn="ctr" defTabSz="222250">
+          <a:pPr marL="0" lvl="0" indent="0" algn="ctr" defTabSz="222250">
             <a:lnSpc>
               <a:spcPct val="90000"/>
             </a:lnSpc>
@@ -4378,6 +4279,7 @@
             <a:spcAft>
               <a:spcPct val="35000"/>
             </a:spcAft>
+            <a:buNone/>
           </a:pPr>
           <a:endParaRPr lang="en-US" sz="500" kern="1200"/>
         </a:p>
@@ -4460,7 +4362,7 @@
         </a:bodyPr>
         <a:lstStyle/>
         <a:p>
-          <a:pPr lvl="0" algn="ctr" defTabSz="355600">
+          <a:pPr marL="0" lvl="0" indent="0" algn="ctr" defTabSz="355600">
             <a:lnSpc>
               <a:spcPct val="90000"/>
             </a:lnSpc>
@@ -4470,12 +4372,12 @@
             <a:spcAft>
               <a:spcPct val="35000"/>
             </a:spcAft>
+            <a:buNone/>
           </a:pPr>
           <a:r>
-            <a:rPr lang="en-US" sz="800" kern="1200" dirty="0" smtClean="0"/>
+            <a:rPr lang="en-US" sz="800" kern="1200" dirty="0"/>
             <a:t>You do not get a p-value as output. </a:t>
           </a:r>
-          <a:endParaRPr lang="en-US" sz="800" kern="1200" dirty="0"/>
         </a:p>
       </dsp:txBody>
       <dsp:txXfrm>
@@ -4543,7 +4445,7 @@
         </a:bodyPr>
         <a:lstStyle/>
         <a:p>
-          <a:pPr lvl="0" algn="ctr" defTabSz="222250">
+          <a:pPr marL="0" lvl="0" indent="0" algn="ctr" defTabSz="266700">
             <a:lnSpc>
               <a:spcPct val="90000"/>
             </a:lnSpc>
@@ -4553,8 +4455,9 @@
             <a:spcAft>
               <a:spcPct val="35000"/>
             </a:spcAft>
+            <a:buNone/>
           </a:pPr>
-          <a:endParaRPr lang="en-US" sz="500" kern="1200"/>
+          <a:endParaRPr lang="en-US" sz="600" kern="1200"/>
         </a:p>
       </dsp:txBody>
       <dsp:txXfrm>
@@ -4635,7 +4538,7 @@
         </a:bodyPr>
         <a:lstStyle/>
         <a:p>
-          <a:pPr lvl="0" algn="ctr" defTabSz="355600">
+          <a:pPr marL="0" lvl="0" indent="0" algn="ctr" defTabSz="355600">
             <a:lnSpc>
               <a:spcPct val="90000"/>
             </a:lnSpc>
@@ -4645,12 +4548,12 @@
             <a:spcAft>
               <a:spcPct val="35000"/>
             </a:spcAft>
+            <a:buNone/>
           </a:pPr>
           <a:r>
-            <a:rPr lang="en-US" sz="800" kern="1200" dirty="0" smtClean="0"/>
+            <a:rPr lang="en-US" sz="800" kern="1200" dirty="0"/>
             <a:t>I did an observational study, where I was testing a primary variable, but need to figure out which confounding variables to include. </a:t>
           </a:r>
-          <a:endParaRPr lang="en-US" sz="800" kern="1200" dirty="0"/>
         </a:p>
       </dsp:txBody>
       <dsp:txXfrm>
@@ -4718,7 +4621,7 @@
         </a:bodyPr>
         <a:lstStyle/>
         <a:p>
-          <a:pPr lvl="0" algn="ctr" defTabSz="222250">
+          <a:pPr marL="0" lvl="0" indent="0" algn="ctr" defTabSz="222250">
             <a:lnSpc>
               <a:spcPct val="90000"/>
             </a:lnSpc>
@@ -4728,6 +4631,7 @@
             <a:spcAft>
               <a:spcPct val="35000"/>
             </a:spcAft>
+            <a:buNone/>
           </a:pPr>
           <a:endParaRPr lang="en-US" sz="500" kern="1200"/>
         </a:p>
@@ -4810,7 +4714,7 @@
         </a:bodyPr>
         <a:lstStyle/>
         <a:p>
-          <a:pPr lvl="0" algn="ctr" defTabSz="355600">
+          <a:pPr marL="0" lvl="0" indent="0" algn="ctr" defTabSz="355600">
             <a:lnSpc>
               <a:spcPct val="90000"/>
             </a:lnSpc>
@@ -4820,12 +4724,12 @@
             <a:spcAft>
               <a:spcPct val="35000"/>
             </a:spcAft>
+            <a:buNone/>
           </a:pPr>
           <a:r>
-            <a:rPr lang="en-US" sz="800" kern="1200" dirty="0" smtClean="0"/>
+            <a:rPr lang="en-US" sz="800" kern="1200" dirty="0"/>
             <a:t>Use model selection on possible confounding variables based on AIC/BIC, then add primary variable.</a:t>
           </a:r>
-          <a:endParaRPr lang="en-US" sz="800" kern="1200" dirty="0"/>
         </a:p>
       </dsp:txBody>
       <dsp:txXfrm>
@@ -4893,7 +4797,7 @@
         </a:bodyPr>
         <a:lstStyle/>
         <a:p>
-          <a:pPr lvl="0" algn="ctr" defTabSz="266700">
+          <a:pPr marL="0" lvl="0" indent="0" algn="ctr" defTabSz="266700">
             <a:lnSpc>
               <a:spcPct val="90000"/>
             </a:lnSpc>
@@ -4903,6 +4807,7 @@
             <a:spcAft>
               <a:spcPct val="35000"/>
             </a:spcAft>
+            <a:buNone/>
           </a:pPr>
           <a:endParaRPr lang="en-US" sz="600" kern="1200"/>
         </a:p>
@@ -4985,7 +4890,7 @@
         </a:bodyPr>
         <a:lstStyle/>
         <a:p>
-          <a:pPr lvl="0" algn="ctr" defTabSz="355600">
+          <a:pPr marL="0" lvl="0" indent="0" algn="ctr" defTabSz="355600">
             <a:lnSpc>
               <a:spcPct val="90000"/>
             </a:lnSpc>
@@ -4995,12 +4900,12 @@
             <a:spcAft>
               <a:spcPct val="35000"/>
             </a:spcAft>
+            <a:buNone/>
           </a:pPr>
           <a:r>
-            <a:rPr lang="en-US" sz="800" kern="1200" dirty="0" smtClean="0"/>
+            <a:rPr lang="en-US" sz="800" kern="1200" dirty="0"/>
             <a:t>I did an observational study, and I am trying to figure out which variables predict Y. </a:t>
           </a:r>
-          <a:endParaRPr lang="en-US" sz="800" kern="1200" dirty="0"/>
         </a:p>
       </dsp:txBody>
       <dsp:txXfrm>
@@ -5068,7 +4973,7 @@
         </a:bodyPr>
         <a:lstStyle/>
         <a:p>
-          <a:pPr lvl="0" algn="ctr" defTabSz="222250">
+          <a:pPr marL="0" lvl="0" indent="0" algn="ctr" defTabSz="222250">
             <a:lnSpc>
               <a:spcPct val="90000"/>
             </a:lnSpc>
@@ -5078,6 +4983,7 @@
             <a:spcAft>
               <a:spcPct val="35000"/>
             </a:spcAft>
+            <a:buNone/>
           </a:pPr>
           <a:endParaRPr lang="en-US" sz="500" kern="1200"/>
         </a:p>
@@ -5160,7 +5066,7 @@
         </a:bodyPr>
         <a:lstStyle/>
         <a:p>
-          <a:pPr lvl="0" algn="ctr" defTabSz="355600">
+          <a:pPr marL="0" lvl="0" indent="0" algn="ctr" defTabSz="355600">
             <a:lnSpc>
               <a:spcPct val="90000"/>
             </a:lnSpc>
@@ -5170,12 +5076,12 @@
             <a:spcAft>
               <a:spcPct val="35000"/>
             </a:spcAft>
+            <a:buNone/>
           </a:pPr>
           <a:r>
-            <a:rPr lang="en-US" sz="800" kern="1200" dirty="0" smtClean="0"/>
+            <a:rPr lang="en-US" sz="800" kern="1200" dirty="0"/>
             <a:t>Use model selection on an a priori chosen list of models or all subsets and evaluate using AIC/BIC. </a:t>
           </a:r>
-          <a:endParaRPr lang="en-US" sz="800" kern="1200" dirty="0"/>
         </a:p>
       </dsp:txBody>
       <dsp:txXfrm>
@@ -6579,10 +6485,9 @@
           <a:lstStyle/>
           <a:p>
             <a:r>
-              <a:rPr lang="en-US" smtClean="0"/>
+              <a:rPr lang="en-US"/>
               <a:t>Click to edit Master title style</a:t>
             </a:r>
-            <a:endParaRPr lang="en-US"/>
           </a:p>
         </p:txBody>
       </p:sp>
@@ -6644,10 +6549,9 @@
           </a:lstStyle>
           <a:p>
             <a:r>
-              <a:rPr lang="en-US" smtClean="0"/>
+              <a:rPr lang="en-US"/>
               <a:t>Click to edit Master subtitle style</a:t>
             </a:r>
-            <a:endParaRPr lang="en-US"/>
           </a:p>
         </p:txBody>
       </p:sp>
@@ -6788,10 +6692,9 @@
           <a:lstStyle/>
           <a:p>
             <a:r>
-              <a:rPr lang="en-US" smtClean="0"/>
+              <a:rPr lang="en-US"/>
               <a:t>Click to edit Master title style</a:t>
             </a:r>
-            <a:endParaRPr lang="en-US"/>
           </a:p>
         </p:txBody>
       </p:sp>
@@ -6812,38 +6715,37 @@
           <a:p>
             <a:pPr lvl="0"/>
             <a:r>
-              <a:rPr lang="en-US" smtClean="0"/>
+              <a:rPr lang="en-US"/>
               <a:t>Click to edit Master text styles</a:t>
             </a:r>
           </a:p>
           <a:p>
             <a:pPr lvl="1"/>
             <a:r>
-              <a:rPr lang="en-US" smtClean="0"/>
+              <a:rPr lang="en-US"/>
               <a:t>Second level</a:t>
             </a:r>
           </a:p>
           <a:p>
             <a:pPr lvl="2"/>
             <a:r>
-              <a:rPr lang="en-US" smtClean="0"/>
+              <a:rPr lang="en-US"/>
               <a:t>Third level</a:t>
             </a:r>
           </a:p>
           <a:p>
             <a:pPr lvl="3"/>
             <a:r>
-              <a:rPr lang="en-US" smtClean="0"/>
+              <a:rPr lang="en-US"/>
               <a:t>Fourth level</a:t>
             </a:r>
           </a:p>
           <a:p>
             <a:pPr lvl="4"/>
             <a:r>
-              <a:rPr lang="en-US" smtClean="0"/>
+              <a:rPr lang="en-US"/>
               <a:t>Fifth level</a:t>
             </a:r>
-            <a:endParaRPr lang="en-US"/>
           </a:p>
         </p:txBody>
       </p:sp>
@@ -6989,10 +6891,9 @@
           <a:lstStyle/>
           <a:p>
             <a:r>
-              <a:rPr lang="en-US" smtClean="0"/>
+              <a:rPr lang="en-US"/>
               <a:t>Click to edit Master title style</a:t>
             </a:r>
-            <a:endParaRPr lang="en-US"/>
           </a:p>
         </p:txBody>
       </p:sp>
@@ -7018,38 +6919,37 @@
           <a:p>
             <a:pPr lvl="0"/>
             <a:r>
-              <a:rPr lang="en-US" smtClean="0"/>
+              <a:rPr lang="en-US"/>
               <a:t>Click to edit Master text styles</a:t>
             </a:r>
           </a:p>
           <a:p>
             <a:pPr lvl="1"/>
             <a:r>
-              <a:rPr lang="en-US" smtClean="0"/>
+              <a:rPr lang="en-US"/>
               <a:t>Second level</a:t>
             </a:r>
           </a:p>
           <a:p>
             <a:pPr lvl="2"/>
             <a:r>
-              <a:rPr lang="en-US" smtClean="0"/>
+              <a:rPr lang="en-US"/>
               <a:t>Third level</a:t>
             </a:r>
           </a:p>
           <a:p>
             <a:pPr lvl="3"/>
             <a:r>
-              <a:rPr lang="en-US" smtClean="0"/>
+              <a:rPr lang="en-US"/>
               <a:t>Fourth level</a:t>
             </a:r>
           </a:p>
           <a:p>
             <a:pPr lvl="4"/>
             <a:r>
-              <a:rPr lang="en-US" smtClean="0"/>
+              <a:rPr lang="en-US"/>
               <a:t>Fifth level</a:t>
             </a:r>
-            <a:endParaRPr lang="en-US"/>
           </a:p>
         </p:txBody>
       </p:sp>
@@ -7157,1035 +7057,7 @@
 </p:sldLayout>
 </file>
 
-<file path=ppt/slideLayouts/slideLayout12.xml><?xml version="1.0" encoding="utf-8"?>
-<p:sldLayout xmlns:a="http://schemas.openxmlformats.org/drawingml/2006/main" xmlns:r="http://schemas.openxmlformats.org/officeDocument/2006/relationships" xmlns:p="http://schemas.openxmlformats.org/presentationml/2006/main" showMasterSp="0" preserve="1" userDrawn="1">
-  <p:cSld name="Title Slide">
-    <p:spTree>
-      <p:nvGrpSpPr>
-        <p:cNvPr id="1" name=""/>
-        <p:cNvGrpSpPr/>
-        <p:nvPr/>
-      </p:nvGrpSpPr>
-      <p:grpSpPr>
-        <a:xfrm>
-          <a:off x="0" y="0"/>
-          <a:ext cx="0" cy="0"/>
-          <a:chOff x="0" y="0"/>
-          <a:chExt cx="0" cy="0"/>
-        </a:xfrm>
-      </p:grpSpPr>
-      <p:sp>
-        <p:nvSpPr>
-          <p:cNvPr id="3" name="Rectangle 10"/>
-          <p:cNvSpPr>
-            <a:spLocks noChangeArrowheads="1"/>
-          </p:cNvSpPr>
-          <p:nvPr userDrawn="1"/>
-        </p:nvSpPr>
-        <p:spPr bwMode="auto">
-          <a:xfrm>
-            <a:off x="0" y="6546850"/>
-            <a:ext cx="9148763" cy="311150"/>
-          </a:xfrm>
-          <a:prstGeom prst="rect">
-            <a:avLst/>
-          </a:prstGeom>
-          <a:gradFill rotWithShape="0">
-            <a:gsLst>
-              <a:gs pos="0">
-                <a:srgbClr val="6CAA3C">
-                  <a:alpha val="39998"/>
-                </a:srgbClr>
-              </a:gs>
-              <a:gs pos="100000">
-                <a:srgbClr val="5EBDBE"/>
-              </a:gs>
-            </a:gsLst>
-            <a:lin ang="0" scaled="1"/>
-          </a:gradFill>
-          <a:ln>
-            <a:noFill/>
-          </a:ln>
-          <a:extLst>
-            <a:ext uri="{91240B29-F687-4f45-9708-019B960494DF}">
-              <a14:hiddenLine xmlns:a14="http://schemas.microsoft.com/office/drawing/2010/main" w="9525">
-                <a:solidFill>
-                  <a:srgbClr val="000000"/>
-                </a:solidFill>
-                <a:miter lim="800000"/>
-                <a:headEnd/>
-                <a:tailEnd/>
-              </a14:hiddenLine>
-            </a:ext>
-          </a:extLst>
-        </p:spPr>
-        <p:txBody>
-          <a:bodyPr wrap="none" anchor="ctr"/>
-          <a:lstStyle/>
-          <a:p>
-            <a:pPr algn="r"/>
-            <a:endParaRPr lang="en-US">
-              <a:solidFill>
-                <a:srgbClr val="000000"/>
-              </a:solidFill>
-              <a:cs typeface="Arial" charset="0"/>
-            </a:endParaRPr>
-          </a:p>
-        </p:txBody>
-      </p:sp>
-      <p:sp>
-        <p:nvSpPr>
-          <p:cNvPr id="4" name="Rectangle 10"/>
-          <p:cNvSpPr>
-            <a:spLocks noChangeArrowheads="1"/>
-          </p:cNvSpPr>
-          <p:nvPr userDrawn="1"/>
-        </p:nvSpPr>
-        <p:spPr bwMode="auto">
-          <a:xfrm>
-            <a:off x="-7938" y="-7938"/>
-            <a:ext cx="9151938" cy="919163"/>
-          </a:xfrm>
-          <a:prstGeom prst="rect">
-            <a:avLst/>
-          </a:prstGeom>
-          <a:gradFill rotWithShape="0">
-            <a:gsLst>
-              <a:gs pos="0">
-                <a:srgbClr val="6CAA3C">
-                  <a:alpha val="39998"/>
-                </a:srgbClr>
-              </a:gs>
-              <a:gs pos="100000">
-                <a:srgbClr val="5EBDBE"/>
-              </a:gs>
-            </a:gsLst>
-            <a:lin ang="0" scaled="1"/>
-          </a:gradFill>
-          <a:ln>
-            <a:noFill/>
-          </a:ln>
-          <a:extLst>
-            <a:ext uri="{91240B29-F687-4f45-9708-019B960494DF}">
-              <a14:hiddenLine xmlns:a14="http://schemas.microsoft.com/office/drawing/2010/main" w="9525">
-                <a:solidFill>
-                  <a:srgbClr val="000000"/>
-                </a:solidFill>
-                <a:miter lim="800000"/>
-                <a:headEnd/>
-                <a:tailEnd/>
-              </a14:hiddenLine>
-            </a:ext>
-          </a:extLst>
-        </p:spPr>
-        <p:txBody>
-          <a:bodyPr wrap="none" anchor="ctr"/>
-          <a:lstStyle/>
-          <a:p>
-            <a:pPr algn="r"/>
-            <a:endParaRPr lang="en-US">
-              <a:solidFill>
-                <a:srgbClr val="000000"/>
-              </a:solidFill>
-              <a:cs typeface="Arial" charset="0"/>
-            </a:endParaRPr>
-          </a:p>
-        </p:txBody>
-      </p:sp>
-      <p:sp>
-        <p:nvSpPr>
-          <p:cNvPr id="5" name="Text Box 31"/>
-          <p:cNvSpPr txBox="1">
-            <a:spLocks noChangeArrowheads="1"/>
-          </p:cNvSpPr>
-          <p:nvPr userDrawn="1"/>
-        </p:nvSpPr>
-        <p:spPr bwMode="auto">
-          <a:xfrm>
-            <a:off x="0" y="544513"/>
-            <a:ext cx="9144000" cy="422275"/>
-          </a:xfrm>
-          <a:prstGeom prst="rect">
-            <a:avLst/>
-          </a:prstGeom>
-          <a:noFill/>
-          <a:ln>
-            <a:noFill/>
-          </a:ln>
-          <a:effectLst/>
-          <a:extLst>
-            <a:ext uri="{909E8E84-426E-40dd-AFC4-6F175D3DCCD1}">
-              <a14:hiddenFill xmlns:a14="http://schemas.microsoft.com/office/drawing/2010/main">
-                <a:gradFill rotWithShape="0">
-                  <a:gsLst>
-                    <a:gs pos="0">
-                      <a:srgbClr val="629F39"/>
-                    </a:gs>
-                    <a:gs pos="100000">
-                      <a:srgbClr val="58B5B2"/>
-                    </a:gs>
-                  </a:gsLst>
-                  <a:lin ang="0" scaled="1"/>
-                </a:gradFill>
-              </a14:hiddenFill>
-            </a:ext>
-            <a:ext uri="{91240B29-F687-4f45-9708-019B960494DF}">
-              <a14:hiddenLine xmlns:a14="http://schemas.microsoft.com/office/drawing/2010/main" w="9525">
-                <a:solidFill>
-                  <a:schemeClr val="tx1"/>
-                </a:solidFill>
-                <a:miter lim="800000"/>
-                <a:headEnd/>
-                <a:tailEnd/>
-              </a14:hiddenLine>
-            </a:ext>
-            <a:ext uri="{AF507438-7753-43e0-B8FC-AC1667EBCBE1}">
-              <a14:hiddenEffects xmlns:a14="http://schemas.microsoft.com/office/drawing/2010/main">
-                <a:effectLst>
-                  <a:outerShdw blurRad="63500" dist="38099" dir="2700000" algn="ctr" rotWithShape="0">
-                    <a:schemeClr val="bg2">
-                      <a:alpha val="74998"/>
-                    </a:schemeClr>
-                  </a:outerShdw>
-                </a:effectLst>
-              </a14:hiddenEffects>
-            </a:ext>
-          </a:extLst>
-        </p:spPr>
-        <p:txBody>
-          <a:bodyPr>
-            <a:spAutoFit/>
-          </a:bodyPr>
-          <a:lstStyle>
-            <a:lvl1pPr eaLnBrk="0" hangingPunct="0">
-              <a:defRPr sz="2400">
-                <a:solidFill>
-                  <a:schemeClr val="tx1"/>
-                </a:solidFill>
-                <a:latin typeface="Arial" charset="0"/>
-                <a:ea typeface="ＭＳ Ｐゴシック" charset="0"/>
-                <a:cs typeface="Arial" charset="0"/>
-              </a:defRPr>
-            </a:lvl1pPr>
-            <a:lvl2pPr marL="742950" indent="-285750" eaLnBrk="0" hangingPunct="0">
-              <a:defRPr sz="2400">
-                <a:solidFill>
-                  <a:schemeClr val="tx1"/>
-                </a:solidFill>
-                <a:latin typeface="Arial" charset="0"/>
-                <a:ea typeface="Arial" charset="0"/>
-                <a:cs typeface="Arial" charset="0"/>
-              </a:defRPr>
-            </a:lvl2pPr>
-            <a:lvl3pPr marL="1143000" indent="-228600" eaLnBrk="0" hangingPunct="0">
-              <a:defRPr sz="2400">
-                <a:solidFill>
-                  <a:schemeClr val="tx1"/>
-                </a:solidFill>
-                <a:latin typeface="Arial" charset="0"/>
-                <a:ea typeface="Arial" charset="0"/>
-                <a:cs typeface="Arial" charset="0"/>
-              </a:defRPr>
-            </a:lvl3pPr>
-            <a:lvl4pPr marL="1600200" indent="-228600" eaLnBrk="0" hangingPunct="0">
-              <a:defRPr sz="2400">
-                <a:solidFill>
-                  <a:schemeClr val="tx1"/>
-                </a:solidFill>
-                <a:latin typeface="Arial" charset="0"/>
-                <a:ea typeface="Arial" charset="0"/>
-                <a:cs typeface="Arial" charset="0"/>
-              </a:defRPr>
-            </a:lvl4pPr>
-            <a:lvl5pPr marL="2057400" indent="-228600" eaLnBrk="0" hangingPunct="0">
-              <a:defRPr sz="2400">
-                <a:solidFill>
-                  <a:schemeClr val="tx1"/>
-                </a:solidFill>
-                <a:latin typeface="Arial" charset="0"/>
-                <a:ea typeface="Arial" charset="0"/>
-                <a:cs typeface="Arial" charset="0"/>
-              </a:defRPr>
-            </a:lvl5pPr>
-            <a:lvl6pPr marL="2514600" indent="-228600" eaLnBrk="0" fontAlgn="base" hangingPunct="0">
-              <a:spcBef>
-                <a:spcPct val="0"/>
-              </a:spcBef>
-              <a:spcAft>
-                <a:spcPct val="0"/>
-              </a:spcAft>
-              <a:defRPr sz="2400">
-                <a:solidFill>
-                  <a:schemeClr val="tx1"/>
-                </a:solidFill>
-                <a:latin typeface="Arial" charset="0"/>
-                <a:ea typeface="Arial" charset="0"/>
-                <a:cs typeface="Arial" charset="0"/>
-              </a:defRPr>
-            </a:lvl6pPr>
-            <a:lvl7pPr marL="2971800" indent="-228600" eaLnBrk="0" fontAlgn="base" hangingPunct="0">
-              <a:spcBef>
-                <a:spcPct val="0"/>
-              </a:spcBef>
-              <a:spcAft>
-                <a:spcPct val="0"/>
-              </a:spcAft>
-              <a:defRPr sz="2400">
-                <a:solidFill>
-                  <a:schemeClr val="tx1"/>
-                </a:solidFill>
-                <a:latin typeface="Arial" charset="0"/>
-                <a:ea typeface="Arial" charset="0"/>
-                <a:cs typeface="Arial" charset="0"/>
-              </a:defRPr>
-            </a:lvl7pPr>
-            <a:lvl8pPr marL="3429000" indent="-228600" eaLnBrk="0" fontAlgn="base" hangingPunct="0">
-              <a:spcBef>
-                <a:spcPct val="0"/>
-              </a:spcBef>
-              <a:spcAft>
-                <a:spcPct val="0"/>
-              </a:spcAft>
-              <a:defRPr sz="2400">
-                <a:solidFill>
-                  <a:schemeClr val="tx1"/>
-                </a:solidFill>
-                <a:latin typeface="Arial" charset="0"/>
-                <a:ea typeface="Arial" charset="0"/>
-                <a:cs typeface="Arial" charset="0"/>
-              </a:defRPr>
-            </a:lvl8pPr>
-            <a:lvl9pPr marL="3886200" indent="-228600" eaLnBrk="0" fontAlgn="base" hangingPunct="0">
-              <a:spcBef>
-                <a:spcPct val="0"/>
-              </a:spcBef>
-              <a:spcAft>
-                <a:spcPct val="0"/>
-              </a:spcAft>
-              <a:defRPr sz="2400">
-                <a:solidFill>
-                  <a:schemeClr val="tx1"/>
-                </a:solidFill>
-                <a:latin typeface="Arial" charset="0"/>
-                <a:ea typeface="Arial" charset="0"/>
-                <a:cs typeface="Arial" charset="0"/>
-              </a:defRPr>
-            </a:lvl9pPr>
-          </a:lstStyle>
-          <a:p>
-            <a:pPr algn="ctr" eaLnBrk="1" hangingPunct="1">
-              <a:spcBef>
-                <a:spcPct val="20000"/>
-              </a:spcBef>
-              <a:spcAft>
-                <a:spcPct val="20000"/>
-              </a:spcAft>
-            </a:pPr>
-            <a:r>
-              <a:rPr lang="en-US" sz="1800">
-                <a:solidFill>
-                  <a:srgbClr val="000000"/>
-                </a:solidFill>
-                <a:latin typeface="Times New Roman" charset="0"/>
-                <a:cs typeface="Times New Roman" charset="0"/>
-              </a:rPr>
-              <a:t>Freeman   Quillin   Allison        </a:t>
-            </a:r>
-            <a:endParaRPr lang="en-US" sz="2000">
-              <a:solidFill>
-                <a:srgbClr val="000000"/>
-              </a:solidFill>
-              <a:latin typeface="Times New Roman" charset="0"/>
-              <a:cs typeface="Times New Roman" charset="0"/>
-            </a:endParaRPr>
-          </a:p>
-        </p:txBody>
-      </p:sp>
-      <p:sp>
-        <p:nvSpPr>
-          <p:cNvPr id="6" name="Text Box 14"/>
-          <p:cNvSpPr txBox="1">
-            <a:spLocks noChangeArrowheads="1"/>
-          </p:cNvSpPr>
-          <p:nvPr userDrawn="1"/>
-        </p:nvSpPr>
-        <p:spPr bwMode="auto">
-          <a:xfrm>
-            <a:off x="0" y="6592888"/>
-            <a:ext cx="6880225" cy="200025"/>
-          </a:xfrm>
-          <a:prstGeom prst="rect">
-            <a:avLst/>
-          </a:prstGeom>
-          <a:noFill/>
-          <a:ln>
-            <a:noFill/>
-          </a:ln>
-          <a:extLst>
-            <a:ext uri="{909E8E84-426E-40dd-AFC4-6F175D3DCCD1}">
-              <a14:hiddenFill xmlns:a14="http://schemas.microsoft.com/office/drawing/2010/main">
-                <a:gradFill rotWithShape="0">
-                  <a:gsLst>
-                    <a:gs pos="0">
-                      <a:srgbClr val="6CAA3C"/>
-                    </a:gs>
-                    <a:gs pos="100000">
-                      <a:srgbClr val="5EBDBE"/>
-                    </a:gs>
-                  </a:gsLst>
-                  <a:lin ang="0" scaled="1"/>
-                </a:gradFill>
-              </a14:hiddenFill>
-            </a:ext>
-            <a:ext uri="{91240B29-F687-4f45-9708-019B960494DF}">
-              <a14:hiddenLine xmlns:a14="http://schemas.microsoft.com/office/drawing/2010/main" w="9525">
-                <a:solidFill>
-                  <a:srgbClr val="000000"/>
-                </a:solidFill>
-                <a:miter lim="800000"/>
-                <a:headEnd/>
-                <a:tailEnd/>
-              </a14:hiddenLine>
-            </a:ext>
-          </a:extLst>
-        </p:spPr>
-        <p:txBody>
-          <a:bodyPr lIns="0" tIns="0" rIns="0" bIns="0" anchor="ctr"/>
-          <a:lstStyle>
-            <a:lvl1pPr eaLnBrk="0" hangingPunct="0">
-              <a:defRPr sz="2400">
-                <a:solidFill>
-                  <a:schemeClr val="tx1"/>
-                </a:solidFill>
-                <a:latin typeface="Arial" charset="0"/>
-                <a:ea typeface="ＭＳ Ｐゴシック" charset="0"/>
-                <a:cs typeface="Arial" charset="0"/>
-              </a:defRPr>
-            </a:lvl1pPr>
-            <a:lvl2pPr marL="742950" indent="-285750" eaLnBrk="0" hangingPunct="0">
-              <a:defRPr sz="2400">
-                <a:solidFill>
-                  <a:schemeClr val="tx1"/>
-                </a:solidFill>
-                <a:latin typeface="Arial" charset="0"/>
-                <a:ea typeface="Arial" charset="0"/>
-                <a:cs typeface="Arial" charset="0"/>
-              </a:defRPr>
-            </a:lvl2pPr>
-            <a:lvl3pPr marL="1143000" indent="-228600" eaLnBrk="0" hangingPunct="0">
-              <a:defRPr sz="2400">
-                <a:solidFill>
-                  <a:schemeClr val="tx1"/>
-                </a:solidFill>
-                <a:latin typeface="Arial" charset="0"/>
-                <a:ea typeface="Arial" charset="0"/>
-                <a:cs typeface="Arial" charset="0"/>
-              </a:defRPr>
-            </a:lvl3pPr>
-            <a:lvl4pPr marL="1600200" indent="-228600" eaLnBrk="0" hangingPunct="0">
-              <a:defRPr sz="2400">
-                <a:solidFill>
-                  <a:schemeClr val="tx1"/>
-                </a:solidFill>
-                <a:latin typeface="Arial" charset="0"/>
-                <a:ea typeface="Arial" charset="0"/>
-                <a:cs typeface="Arial" charset="0"/>
-              </a:defRPr>
-            </a:lvl4pPr>
-            <a:lvl5pPr marL="2057400" indent="-228600" eaLnBrk="0" hangingPunct="0">
-              <a:defRPr sz="2400">
-                <a:solidFill>
-                  <a:schemeClr val="tx1"/>
-                </a:solidFill>
-                <a:latin typeface="Arial" charset="0"/>
-                <a:ea typeface="Arial" charset="0"/>
-                <a:cs typeface="Arial" charset="0"/>
-              </a:defRPr>
-            </a:lvl5pPr>
-            <a:lvl6pPr marL="2514600" indent="-228600" eaLnBrk="0" fontAlgn="base" hangingPunct="0">
-              <a:spcBef>
-                <a:spcPct val="0"/>
-              </a:spcBef>
-              <a:spcAft>
-                <a:spcPct val="0"/>
-              </a:spcAft>
-              <a:defRPr sz="2400">
-                <a:solidFill>
-                  <a:schemeClr val="tx1"/>
-                </a:solidFill>
-                <a:latin typeface="Arial" charset="0"/>
-                <a:ea typeface="Arial" charset="0"/>
-                <a:cs typeface="Arial" charset="0"/>
-              </a:defRPr>
-            </a:lvl6pPr>
-            <a:lvl7pPr marL="2971800" indent="-228600" eaLnBrk="0" fontAlgn="base" hangingPunct="0">
-              <a:spcBef>
-                <a:spcPct val="0"/>
-              </a:spcBef>
-              <a:spcAft>
-                <a:spcPct val="0"/>
-              </a:spcAft>
-              <a:defRPr sz="2400">
-                <a:solidFill>
-                  <a:schemeClr val="tx1"/>
-                </a:solidFill>
-                <a:latin typeface="Arial" charset="0"/>
-                <a:ea typeface="Arial" charset="0"/>
-                <a:cs typeface="Arial" charset="0"/>
-              </a:defRPr>
-            </a:lvl7pPr>
-            <a:lvl8pPr marL="3429000" indent="-228600" eaLnBrk="0" fontAlgn="base" hangingPunct="0">
-              <a:spcBef>
-                <a:spcPct val="0"/>
-              </a:spcBef>
-              <a:spcAft>
-                <a:spcPct val="0"/>
-              </a:spcAft>
-              <a:defRPr sz="2400">
-                <a:solidFill>
-                  <a:schemeClr val="tx1"/>
-                </a:solidFill>
-                <a:latin typeface="Arial" charset="0"/>
-                <a:ea typeface="Arial" charset="0"/>
-                <a:cs typeface="Arial" charset="0"/>
-              </a:defRPr>
-            </a:lvl8pPr>
-            <a:lvl9pPr marL="3886200" indent="-228600" eaLnBrk="0" fontAlgn="base" hangingPunct="0">
-              <a:spcBef>
-                <a:spcPct val="0"/>
-              </a:spcBef>
-              <a:spcAft>
-                <a:spcPct val="0"/>
-              </a:spcAft>
-              <a:defRPr sz="2400">
-                <a:solidFill>
-                  <a:schemeClr val="tx1"/>
-                </a:solidFill>
-                <a:latin typeface="Arial" charset="0"/>
-                <a:ea typeface="Arial" charset="0"/>
-                <a:cs typeface="Arial" charset="0"/>
-              </a:defRPr>
-            </a:lvl9pPr>
-          </a:lstStyle>
-          <a:p>
-            <a:pPr>
-              <a:spcBef>
-                <a:spcPct val="50000"/>
-              </a:spcBef>
-            </a:pPr>
-            <a:r>
-              <a:rPr lang="en-US" sz="900">
-                <a:solidFill>
-                  <a:srgbClr val="000000"/>
-                </a:solidFill>
-              </a:rPr>
-              <a:t>     © 2014 Pearson Education, Inc.</a:t>
-            </a:r>
-            <a:endParaRPr lang="en-US">
-              <a:solidFill>
-                <a:srgbClr val="000000"/>
-              </a:solidFill>
-            </a:endParaRPr>
-          </a:p>
-        </p:txBody>
-      </p:sp>
-      <p:sp>
-        <p:nvSpPr>
-          <p:cNvPr id="7" name="TextBox 6"/>
-          <p:cNvSpPr txBox="1">
-            <a:spLocks noChangeArrowheads="1"/>
-          </p:cNvSpPr>
-          <p:nvPr userDrawn="1"/>
-        </p:nvSpPr>
-        <p:spPr bwMode="auto">
-          <a:xfrm>
-            <a:off x="7938" y="-6350"/>
-            <a:ext cx="9144000" cy="730250"/>
-          </a:xfrm>
-          <a:prstGeom prst="rect">
-            <a:avLst/>
-          </a:prstGeom>
-          <a:noFill/>
-          <a:ln>
-            <a:noFill/>
-          </a:ln>
-          <a:extLst>
-            <a:ext uri="{909E8E84-426E-40dd-AFC4-6F175D3DCCD1}">
-              <a14:hiddenFill xmlns:a14="http://schemas.microsoft.com/office/drawing/2010/main">
-                <a:gradFill rotWithShape="0">
-                  <a:gsLst>
-                    <a:gs pos="0">
-                      <a:srgbClr val="629F39"/>
-                    </a:gs>
-                    <a:gs pos="100000">
-                      <a:srgbClr val="58B5B2"/>
-                    </a:gs>
-                  </a:gsLst>
-                  <a:lin ang="0" scaled="1"/>
-                </a:gradFill>
-              </a14:hiddenFill>
-            </a:ext>
-            <a:ext uri="{91240B29-F687-4f45-9708-019B960494DF}">
-              <a14:hiddenLine xmlns:a14="http://schemas.microsoft.com/office/drawing/2010/main" w="9525">
-                <a:solidFill>
-                  <a:srgbClr val="F6C932"/>
-                </a:solidFill>
-                <a:miter lim="800000"/>
-                <a:headEnd/>
-                <a:tailEnd/>
-              </a14:hiddenLine>
-            </a:ext>
-          </a:extLst>
-        </p:spPr>
-        <p:txBody>
-          <a:bodyPr>
-            <a:spAutoFit/>
-          </a:bodyPr>
-          <a:lstStyle>
-            <a:lvl1pPr algn="r" eaLnBrk="0" hangingPunct="0">
-              <a:defRPr sz="2400">
-                <a:solidFill>
-                  <a:schemeClr val="tx1"/>
-                </a:solidFill>
-                <a:latin typeface="Arial" charset="0"/>
-                <a:cs typeface="Arial" charset="0"/>
-              </a:defRPr>
-            </a:lvl1pPr>
-            <a:lvl2pPr marL="742950" indent="-285750" algn="r" eaLnBrk="0" hangingPunct="0">
-              <a:defRPr sz="2400">
-                <a:solidFill>
-                  <a:schemeClr val="tx1"/>
-                </a:solidFill>
-                <a:latin typeface="Arial" charset="0"/>
-                <a:cs typeface="Arial" charset="0"/>
-              </a:defRPr>
-            </a:lvl2pPr>
-            <a:lvl3pPr marL="1143000" indent="-228600" algn="r" eaLnBrk="0" hangingPunct="0">
-              <a:defRPr sz="2400">
-                <a:solidFill>
-                  <a:schemeClr val="tx1"/>
-                </a:solidFill>
-                <a:latin typeface="Arial" charset="0"/>
-                <a:cs typeface="Arial" charset="0"/>
-              </a:defRPr>
-            </a:lvl3pPr>
-            <a:lvl4pPr marL="1600200" indent="-228600" algn="r" eaLnBrk="0" hangingPunct="0">
-              <a:defRPr sz="2400">
-                <a:solidFill>
-                  <a:schemeClr val="tx1"/>
-                </a:solidFill>
-                <a:latin typeface="Arial" charset="0"/>
-                <a:cs typeface="Arial" charset="0"/>
-              </a:defRPr>
-            </a:lvl4pPr>
-            <a:lvl5pPr marL="2057400" indent="-228600" algn="r" eaLnBrk="0" hangingPunct="0">
-              <a:defRPr sz="2400">
-                <a:solidFill>
-                  <a:schemeClr val="tx1"/>
-                </a:solidFill>
-                <a:latin typeface="Arial" charset="0"/>
-                <a:cs typeface="Arial" charset="0"/>
-              </a:defRPr>
-            </a:lvl5pPr>
-            <a:lvl6pPr marL="2514600" indent="-228600" algn="r" eaLnBrk="0" fontAlgn="base" hangingPunct="0">
-              <a:spcBef>
-                <a:spcPct val="0"/>
-              </a:spcBef>
-              <a:spcAft>
-                <a:spcPct val="0"/>
-              </a:spcAft>
-              <a:defRPr sz="2400">
-                <a:solidFill>
-                  <a:schemeClr val="tx1"/>
-                </a:solidFill>
-                <a:latin typeface="Arial" charset="0"/>
-                <a:cs typeface="Arial" charset="0"/>
-              </a:defRPr>
-            </a:lvl6pPr>
-            <a:lvl7pPr marL="2971800" indent="-228600" algn="r" eaLnBrk="0" fontAlgn="base" hangingPunct="0">
-              <a:spcBef>
-                <a:spcPct val="0"/>
-              </a:spcBef>
-              <a:spcAft>
-                <a:spcPct val="0"/>
-              </a:spcAft>
-              <a:defRPr sz="2400">
-                <a:solidFill>
-                  <a:schemeClr val="tx1"/>
-                </a:solidFill>
-                <a:latin typeface="Arial" charset="0"/>
-                <a:cs typeface="Arial" charset="0"/>
-              </a:defRPr>
-            </a:lvl7pPr>
-            <a:lvl8pPr marL="3429000" indent="-228600" algn="r" eaLnBrk="0" fontAlgn="base" hangingPunct="0">
-              <a:spcBef>
-                <a:spcPct val="0"/>
-              </a:spcBef>
-              <a:spcAft>
-                <a:spcPct val="0"/>
-              </a:spcAft>
-              <a:defRPr sz="2400">
-                <a:solidFill>
-                  <a:schemeClr val="tx1"/>
-                </a:solidFill>
-                <a:latin typeface="Arial" charset="0"/>
-                <a:cs typeface="Arial" charset="0"/>
-              </a:defRPr>
-            </a:lvl8pPr>
-            <a:lvl9pPr marL="3886200" indent="-228600" algn="r" eaLnBrk="0" fontAlgn="base" hangingPunct="0">
-              <a:spcBef>
-                <a:spcPct val="0"/>
-              </a:spcBef>
-              <a:spcAft>
-                <a:spcPct val="0"/>
-              </a:spcAft>
-              <a:defRPr sz="2400">
-                <a:solidFill>
-                  <a:schemeClr val="tx1"/>
-                </a:solidFill>
-                <a:latin typeface="Arial" charset="0"/>
-                <a:cs typeface="Arial" charset="0"/>
-              </a:defRPr>
-            </a:lvl9pPr>
-          </a:lstStyle>
-          <a:p>
-            <a:pPr algn="ctr" eaLnBrk="1" hangingPunct="1">
-              <a:lnSpc>
-                <a:spcPct val="90000"/>
-              </a:lnSpc>
-              <a:spcBef>
-                <a:spcPct val="20000"/>
-              </a:spcBef>
-              <a:spcAft>
-                <a:spcPct val="20000"/>
-              </a:spcAft>
-              <a:defRPr/>
-            </a:pPr>
-            <a:r>
-              <a:rPr lang="en-US" sz="3800" smtClean="0">
-                <a:solidFill>
-                  <a:srgbClr val="000000"/>
-                </a:solidFill>
-                <a:ea typeface="Arial"/>
-                <a:cs typeface="Times New Roman" pitchFamily="84" charset="0"/>
-              </a:rPr>
-              <a:t>BIOLOGICAL SCIENCE</a:t>
-            </a:r>
-          </a:p>
-        </p:txBody>
-      </p:sp>
-      <p:pic>
-        <p:nvPicPr>
-          <p:cNvPr id="8" name="Picture 40" descr="FREE3671_05"/>
-          <p:cNvPicPr>
-            <a:picLocks noChangeAspect="1" noChangeArrowheads="1"/>
-          </p:cNvPicPr>
-          <p:nvPr userDrawn="1"/>
-        </p:nvPicPr>
-        <p:blipFill>
-          <a:blip r:embed="rId2">
-            <a:extLst>
-              <a:ext uri="{28A0092B-C50C-407E-A947-70E740481C1C}">
-                <a14:useLocalDpi xmlns:a14="http://schemas.microsoft.com/office/drawing/2010/main" val="0"/>
-              </a:ext>
-            </a:extLst>
-          </a:blip>
-          <a:srcRect t="11435" r="7724" b="6168"/>
-          <a:stretch>
-            <a:fillRect/>
-          </a:stretch>
-        </p:blipFill>
-        <p:spPr bwMode="auto">
-          <a:xfrm>
-            <a:off x="4244975" y="781050"/>
-            <a:ext cx="4895850" cy="6076950"/>
-          </a:xfrm>
-          <a:prstGeom prst="rect">
-            <a:avLst/>
-          </a:prstGeom>
-          <a:noFill/>
-          <a:ln>
-            <a:noFill/>
-          </a:ln>
-          <a:extLst>
-            <a:ext uri="{909E8E84-426E-40dd-AFC4-6F175D3DCCD1}">
-              <a14:hiddenFill xmlns:a14="http://schemas.microsoft.com/office/drawing/2010/main">
-                <a:solidFill>
-                  <a:srgbClr val="FFFFFF"/>
-                </a:solidFill>
-              </a14:hiddenFill>
-            </a:ext>
-            <a:ext uri="{91240B29-F687-4f45-9708-019B960494DF}">
-              <a14:hiddenLine xmlns:a14="http://schemas.microsoft.com/office/drawing/2010/main" w="9525">
-                <a:solidFill>
-                  <a:srgbClr val="000000"/>
-                </a:solidFill>
-                <a:miter lim="800000"/>
-                <a:headEnd/>
-                <a:tailEnd/>
-              </a14:hiddenLine>
-            </a:ext>
-          </a:extLst>
-        </p:spPr>
-      </p:pic>
-      <p:sp>
-        <p:nvSpPr>
-          <p:cNvPr id="9" name="Text Box 50"/>
-          <p:cNvSpPr txBox="1">
-            <a:spLocks noChangeArrowheads="1"/>
-          </p:cNvSpPr>
-          <p:nvPr userDrawn="1"/>
-        </p:nvSpPr>
-        <p:spPr bwMode="auto">
-          <a:xfrm>
-            <a:off x="-1588" y="430213"/>
-            <a:ext cx="9144001" cy="274637"/>
-          </a:xfrm>
-          <a:prstGeom prst="rect">
-            <a:avLst/>
-          </a:prstGeom>
-          <a:noFill/>
-          <a:ln>
-            <a:noFill/>
-          </a:ln>
-          <a:effectLst/>
-          <a:extLst>
-            <a:ext uri="{909E8E84-426E-40dd-AFC4-6F175D3DCCD1}">
-              <a14:hiddenFill xmlns:a14="http://schemas.microsoft.com/office/drawing/2010/main">
-                <a:gradFill rotWithShape="0">
-                  <a:gsLst>
-                    <a:gs pos="0">
-                      <a:srgbClr val="629F39"/>
-                    </a:gs>
-                    <a:gs pos="100000">
-                      <a:srgbClr val="58B5B2"/>
-                    </a:gs>
-                  </a:gsLst>
-                  <a:lin ang="0" scaled="1"/>
-                </a:gradFill>
-              </a14:hiddenFill>
-            </a:ext>
-            <a:ext uri="{91240B29-F687-4f45-9708-019B960494DF}">
-              <a14:hiddenLine xmlns:a14="http://schemas.microsoft.com/office/drawing/2010/main" w="9525">
-                <a:solidFill>
-                  <a:schemeClr val="tx1"/>
-                </a:solidFill>
-                <a:miter lim="800000"/>
-                <a:headEnd/>
-                <a:tailEnd/>
-              </a14:hiddenLine>
-            </a:ext>
-            <a:ext uri="{AF507438-7753-43e0-B8FC-AC1667EBCBE1}">
-              <a14:hiddenEffects xmlns:a14="http://schemas.microsoft.com/office/drawing/2010/main">
-                <a:effectLst>
-                  <a:outerShdw blurRad="63500" dist="38099" dir="2700000" algn="ctr" rotWithShape="0">
-                    <a:schemeClr val="bg2">
-                      <a:alpha val="74998"/>
-                    </a:schemeClr>
-                  </a:outerShdw>
-                </a:effectLst>
-              </a14:hiddenEffects>
-            </a:ext>
-          </a:extLst>
-        </p:spPr>
-        <p:txBody>
-          <a:bodyPr>
-            <a:spAutoFit/>
-          </a:bodyPr>
-          <a:lstStyle>
-            <a:lvl1pPr eaLnBrk="0" hangingPunct="0">
-              <a:defRPr sz="2400">
-                <a:solidFill>
-                  <a:schemeClr val="tx1"/>
-                </a:solidFill>
-                <a:latin typeface="Arial" charset="0"/>
-                <a:ea typeface="ＭＳ Ｐゴシック" charset="0"/>
-                <a:cs typeface="Arial" charset="0"/>
-              </a:defRPr>
-            </a:lvl1pPr>
-            <a:lvl2pPr marL="742950" indent="-285750" eaLnBrk="0" hangingPunct="0">
-              <a:defRPr sz="2400">
-                <a:solidFill>
-                  <a:schemeClr val="tx1"/>
-                </a:solidFill>
-                <a:latin typeface="Arial" charset="0"/>
-                <a:ea typeface="Arial" charset="0"/>
-                <a:cs typeface="Arial" charset="0"/>
-              </a:defRPr>
-            </a:lvl2pPr>
-            <a:lvl3pPr marL="1143000" indent="-228600" eaLnBrk="0" hangingPunct="0">
-              <a:defRPr sz="2400">
-                <a:solidFill>
-                  <a:schemeClr val="tx1"/>
-                </a:solidFill>
-                <a:latin typeface="Arial" charset="0"/>
-                <a:ea typeface="Arial" charset="0"/>
-                <a:cs typeface="Arial" charset="0"/>
-              </a:defRPr>
-            </a:lvl3pPr>
-            <a:lvl4pPr marL="1600200" indent="-228600" eaLnBrk="0" hangingPunct="0">
-              <a:defRPr sz="2400">
-                <a:solidFill>
-                  <a:schemeClr val="tx1"/>
-                </a:solidFill>
-                <a:latin typeface="Arial" charset="0"/>
-                <a:ea typeface="Arial" charset="0"/>
-                <a:cs typeface="Arial" charset="0"/>
-              </a:defRPr>
-            </a:lvl4pPr>
-            <a:lvl5pPr marL="2057400" indent="-228600" eaLnBrk="0" hangingPunct="0">
-              <a:defRPr sz="2400">
-                <a:solidFill>
-                  <a:schemeClr val="tx1"/>
-                </a:solidFill>
-                <a:latin typeface="Arial" charset="0"/>
-                <a:ea typeface="Arial" charset="0"/>
-                <a:cs typeface="Arial" charset="0"/>
-              </a:defRPr>
-            </a:lvl5pPr>
-            <a:lvl6pPr marL="2514600" indent="-228600" eaLnBrk="0" fontAlgn="base" hangingPunct="0">
-              <a:spcBef>
-                <a:spcPct val="0"/>
-              </a:spcBef>
-              <a:spcAft>
-                <a:spcPct val="0"/>
-              </a:spcAft>
-              <a:defRPr sz="2400">
-                <a:solidFill>
-                  <a:schemeClr val="tx1"/>
-                </a:solidFill>
-                <a:latin typeface="Arial" charset="0"/>
-                <a:ea typeface="Arial" charset="0"/>
-                <a:cs typeface="Arial" charset="0"/>
-              </a:defRPr>
-            </a:lvl6pPr>
-            <a:lvl7pPr marL="2971800" indent="-228600" eaLnBrk="0" fontAlgn="base" hangingPunct="0">
-              <a:spcBef>
-                <a:spcPct val="0"/>
-              </a:spcBef>
-              <a:spcAft>
-                <a:spcPct val="0"/>
-              </a:spcAft>
-              <a:defRPr sz="2400">
-                <a:solidFill>
-                  <a:schemeClr val="tx1"/>
-                </a:solidFill>
-                <a:latin typeface="Arial" charset="0"/>
-                <a:ea typeface="Arial" charset="0"/>
-                <a:cs typeface="Arial" charset="0"/>
-              </a:defRPr>
-            </a:lvl7pPr>
-            <a:lvl8pPr marL="3429000" indent="-228600" eaLnBrk="0" fontAlgn="base" hangingPunct="0">
-              <a:spcBef>
-                <a:spcPct val="0"/>
-              </a:spcBef>
-              <a:spcAft>
-                <a:spcPct val="0"/>
-              </a:spcAft>
-              <a:defRPr sz="2400">
-                <a:solidFill>
-                  <a:schemeClr val="tx1"/>
-                </a:solidFill>
-                <a:latin typeface="Arial" charset="0"/>
-                <a:ea typeface="Arial" charset="0"/>
-                <a:cs typeface="Arial" charset="0"/>
-              </a:defRPr>
-            </a:lvl8pPr>
-            <a:lvl9pPr marL="3886200" indent="-228600" eaLnBrk="0" fontAlgn="base" hangingPunct="0">
-              <a:spcBef>
-                <a:spcPct val="0"/>
-              </a:spcBef>
-              <a:spcAft>
-                <a:spcPct val="0"/>
-              </a:spcAft>
-              <a:defRPr sz="2400">
-                <a:solidFill>
-                  <a:schemeClr val="tx1"/>
-                </a:solidFill>
-                <a:latin typeface="Arial" charset="0"/>
-                <a:ea typeface="Arial" charset="0"/>
-                <a:cs typeface="Arial" charset="0"/>
-              </a:defRPr>
-            </a:lvl9pPr>
-          </a:lstStyle>
-          <a:p>
-            <a:pPr eaLnBrk="1" hangingPunct="1">
-              <a:spcBef>
-                <a:spcPct val="20000"/>
-              </a:spcBef>
-              <a:spcAft>
-                <a:spcPct val="20000"/>
-              </a:spcAft>
-            </a:pPr>
-            <a:r>
-              <a:rPr lang="en-US" sz="800">
-                <a:solidFill>
-                  <a:srgbClr val="000000"/>
-                </a:solidFill>
-              </a:rPr>
-              <a:t>                                                                                                                                                                                                                          </a:t>
-            </a:r>
-            <a:r>
-              <a:rPr lang="en-US" sz="1000">
-                <a:solidFill>
-                  <a:srgbClr val="000000"/>
-                </a:solidFill>
-              </a:rPr>
-              <a:t>FIFTH EDITION</a:t>
-            </a:r>
-          </a:p>
-        </p:txBody>
-      </p:sp>
-      <p:sp>
-        <p:nvSpPr>
-          <p:cNvPr id="508945" name="Rectangle 17"/>
-          <p:cNvSpPr>
-            <a:spLocks noGrp="1" noChangeArrowheads="1"/>
-          </p:cNvSpPr>
-          <p:nvPr>
-            <p:ph type="ctrTitle" sz="quarter"/>
-          </p:nvPr>
-        </p:nvSpPr>
-        <p:spPr>
-          <a:xfrm>
-            <a:off x="182563" y="190500"/>
-            <a:ext cx="3089275" cy="1096963"/>
-          </a:xfrm>
-        </p:spPr>
-        <p:txBody>
-          <a:bodyPr anchor="ctr"/>
-          <a:lstStyle>
-            <a:lvl1pPr marL="0" indent="0">
-              <a:defRPr sz="5000">
-                <a:solidFill>
-                  <a:schemeClr val="bg1"/>
-                </a:solidFill>
-                <a:latin typeface="Arial" charset="0"/>
-              </a:defRPr>
-            </a:lvl1pPr>
-          </a:lstStyle>
-          <a:p>
-            <a:r>
-              <a:rPr lang="en-US"/>
-              <a:t>Click to edit Master title style</a:t>
-            </a:r>
-          </a:p>
-        </p:txBody>
-      </p:sp>
-    </p:spTree>
-    <p:extLst>
-      <p:ext uri="{BB962C8B-B14F-4D97-AF65-F5344CB8AC3E}">
-        <p14:creationId xmlns:p14="http://schemas.microsoft.com/office/powerpoint/2010/main" val="1226725917"/>
-      </p:ext>
-    </p:extLst>
-  </p:cSld>
-  <p:clrMapOvr>
-    <a:masterClrMapping/>
-  </p:clrMapOvr>
-</p:sldLayout>
-</file>
-
-<file path=ppt/slideLayouts/slideLayout13.xml><?xml version="1.0" encoding="utf-8"?>
+<file path=ppt/slideLayouts/slideLayout2.xml><?xml version="1.0" encoding="utf-8"?>
 <p:sldLayout xmlns:a="http://schemas.openxmlformats.org/drawingml/2006/main" xmlns:r="http://schemas.openxmlformats.org/officeDocument/2006/relationships" xmlns:p="http://schemas.openxmlformats.org/presentationml/2006/main" type="obj" preserve="1">
   <p:cSld name="Title and Content">
     <p:spTree>
@@ -8218,10 +7090,9 @@
           <a:lstStyle/>
           <a:p>
             <a:r>
-              <a:rPr lang="en-US" smtClean="0"/>
+              <a:rPr lang="en-US"/>
               <a:t>Click to edit Master title style</a:t>
             </a:r>
-            <a:endParaRPr lang="en-US"/>
           </a:p>
         </p:txBody>
       </p:sp>
@@ -8242,37 +7113,127 @@
           <a:p>
             <a:pPr lvl="0"/>
             <a:r>
-              <a:rPr lang="en-US" smtClean="0"/>
+              <a:rPr lang="en-US"/>
               <a:t>Click to edit Master text styles</a:t>
             </a:r>
           </a:p>
           <a:p>
             <a:pPr lvl="1"/>
             <a:r>
-              <a:rPr lang="en-US" smtClean="0"/>
+              <a:rPr lang="en-US"/>
               <a:t>Second level</a:t>
             </a:r>
           </a:p>
           <a:p>
             <a:pPr lvl="2"/>
             <a:r>
-              <a:rPr lang="en-US" smtClean="0"/>
+              <a:rPr lang="en-US"/>
               <a:t>Third level</a:t>
             </a:r>
           </a:p>
           <a:p>
             <a:pPr lvl="3"/>
             <a:r>
-              <a:rPr lang="en-US" smtClean="0"/>
+              <a:rPr lang="en-US"/>
               <a:t>Fourth level</a:t>
             </a:r>
           </a:p>
           <a:p>
             <a:pPr lvl="4"/>
             <a:r>
-              <a:rPr lang="en-US" smtClean="0"/>
+              <a:rPr lang="en-US"/>
               <a:t>Fifth level</a:t>
             </a:r>
+          </a:p>
+        </p:txBody>
+      </p:sp>
+      <p:sp>
+        <p:nvSpPr>
+          <p:cNvPr id="4" name="Rectangle 4"/>
+          <p:cNvSpPr>
+            <a:spLocks noGrp="1" noChangeArrowheads="1"/>
+          </p:cNvSpPr>
+          <p:nvPr>
+            <p:ph type="dt" sz="half" idx="10"/>
+          </p:nvPr>
+        </p:nvSpPr>
+        <p:spPr>
+          <a:ln/>
+        </p:spPr>
+        <p:txBody>
+          <a:bodyPr/>
+          <a:lstStyle>
+            <a:lvl1pPr>
+              <a:defRPr/>
+            </a:lvl1pPr>
+          </a:lstStyle>
+          <a:p>
+            <a:pPr>
+              <a:defRPr/>
+            </a:pPr>
+            <a:endParaRPr lang="en-US"/>
+          </a:p>
+        </p:txBody>
+      </p:sp>
+      <p:sp>
+        <p:nvSpPr>
+          <p:cNvPr id="5" name="Rectangle 5"/>
+          <p:cNvSpPr>
+            <a:spLocks noGrp="1" noChangeArrowheads="1"/>
+          </p:cNvSpPr>
+          <p:nvPr>
+            <p:ph type="ftr" sz="quarter" idx="11"/>
+          </p:nvPr>
+        </p:nvSpPr>
+        <p:spPr>
+          <a:ln/>
+        </p:spPr>
+        <p:txBody>
+          <a:bodyPr/>
+          <a:lstStyle>
+            <a:lvl1pPr>
+              <a:defRPr/>
+            </a:lvl1pPr>
+          </a:lstStyle>
+          <a:p>
+            <a:pPr>
+              <a:defRPr/>
+            </a:pPr>
+            <a:endParaRPr lang="en-US"/>
+          </a:p>
+        </p:txBody>
+      </p:sp>
+      <p:sp>
+        <p:nvSpPr>
+          <p:cNvPr id="6" name="Rectangle 6"/>
+          <p:cNvSpPr>
+            <a:spLocks noGrp="1" noChangeArrowheads="1"/>
+          </p:cNvSpPr>
+          <p:nvPr>
+            <p:ph type="sldNum" sz="quarter" idx="12"/>
+          </p:nvPr>
+        </p:nvSpPr>
+        <p:spPr>
+          <a:ln/>
+        </p:spPr>
+        <p:txBody>
+          <a:bodyPr/>
+          <a:lstStyle>
+            <a:lvl1pPr>
+              <a:defRPr/>
+            </a:lvl1pPr>
+          </a:lstStyle>
+          <a:p>
+            <a:pPr>
+              <a:defRPr/>
+            </a:pPr>
+            <a:fld id="{BA970036-26C5-8D48-BD13-587B11956560}" type="slidenum">
+              <a:rPr lang="en-US"/>
+              <a:pPr>
+                <a:defRPr/>
+              </a:pPr>
+              <a:t>‹#›</a:t>
+            </a:fld>
             <a:endParaRPr lang="en-US"/>
           </a:p>
         </p:txBody>
@@ -8280,7 +7241,7 @@
     </p:spTree>
     <p:extLst>
       <p:ext uri="{BB962C8B-B14F-4D97-AF65-F5344CB8AC3E}">
-        <p14:creationId xmlns:p14="http://schemas.microsoft.com/office/powerpoint/2010/main" val="3263162686"/>
+        <p14:creationId xmlns:p14="http://schemas.microsoft.com/office/powerpoint/2010/main" val="1820918980"/>
       </p:ext>
     </p:extLst>
   </p:cSld>
@@ -8290,7 +7251,7 @@
 </p:sldLayout>
 </file>
 
-<file path=ppt/slideLayouts/slideLayout14.xml><?xml version="1.0" encoding="utf-8"?>
+<file path=ppt/slideLayouts/slideLayout3.xml><?xml version="1.0" encoding="utf-8"?>
 <p:sldLayout xmlns:a="http://schemas.openxmlformats.org/drawingml/2006/main" xmlns:r="http://schemas.openxmlformats.org/officeDocument/2006/relationships" xmlns:p="http://schemas.openxmlformats.org/presentationml/2006/main" type="secHead" preserve="1">
   <p:cSld name="Section Header">
     <p:spTree>
@@ -8324,7 +7285,7 @@
           </a:xfrm>
         </p:spPr>
         <p:txBody>
-          <a:bodyPr/>
+          <a:bodyPr anchor="t"/>
           <a:lstStyle>
             <a:lvl1pPr algn="l">
               <a:defRPr sz="4000" b="1" cap="all"/>
@@ -8332,10 +7293,9 @@
           </a:lstStyle>
           <a:p>
             <a:r>
-              <a:rPr lang="en-US" smtClean="0"/>
+              <a:rPr lang="en-US"/>
               <a:t>Click to edit Master title style</a:t>
             </a:r>
-            <a:endParaRPr lang="en-US"/>
           </a:p>
         </p:txBody>
       </p:sp>
@@ -8398,16 +7358,107 @@
           <a:p>
             <a:pPr lvl="0"/>
             <a:r>
-              <a:rPr lang="en-US" smtClean="0"/>
+              <a:rPr lang="en-US"/>
               <a:t>Click to edit Master text styles</a:t>
             </a:r>
+          </a:p>
+        </p:txBody>
+      </p:sp>
+      <p:sp>
+        <p:nvSpPr>
+          <p:cNvPr id="4" name="Rectangle 4"/>
+          <p:cNvSpPr>
+            <a:spLocks noGrp="1" noChangeArrowheads="1"/>
+          </p:cNvSpPr>
+          <p:nvPr>
+            <p:ph type="dt" sz="half" idx="10"/>
+          </p:nvPr>
+        </p:nvSpPr>
+        <p:spPr>
+          <a:ln/>
+        </p:spPr>
+        <p:txBody>
+          <a:bodyPr/>
+          <a:lstStyle>
+            <a:lvl1pPr>
+              <a:defRPr/>
+            </a:lvl1pPr>
+          </a:lstStyle>
+          <a:p>
+            <a:pPr>
+              <a:defRPr/>
+            </a:pPr>
+            <a:endParaRPr lang="en-US"/>
+          </a:p>
+        </p:txBody>
+      </p:sp>
+      <p:sp>
+        <p:nvSpPr>
+          <p:cNvPr id="5" name="Rectangle 5"/>
+          <p:cNvSpPr>
+            <a:spLocks noGrp="1" noChangeArrowheads="1"/>
+          </p:cNvSpPr>
+          <p:nvPr>
+            <p:ph type="ftr" sz="quarter" idx="11"/>
+          </p:nvPr>
+        </p:nvSpPr>
+        <p:spPr>
+          <a:ln/>
+        </p:spPr>
+        <p:txBody>
+          <a:bodyPr/>
+          <a:lstStyle>
+            <a:lvl1pPr>
+              <a:defRPr/>
+            </a:lvl1pPr>
+          </a:lstStyle>
+          <a:p>
+            <a:pPr>
+              <a:defRPr/>
+            </a:pPr>
+            <a:endParaRPr lang="en-US"/>
+          </a:p>
+        </p:txBody>
+      </p:sp>
+      <p:sp>
+        <p:nvSpPr>
+          <p:cNvPr id="6" name="Rectangle 6"/>
+          <p:cNvSpPr>
+            <a:spLocks noGrp="1" noChangeArrowheads="1"/>
+          </p:cNvSpPr>
+          <p:nvPr>
+            <p:ph type="sldNum" sz="quarter" idx="12"/>
+          </p:nvPr>
+        </p:nvSpPr>
+        <p:spPr>
+          <a:ln/>
+        </p:spPr>
+        <p:txBody>
+          <a:bodyPr/>
+          <a:lstStyle>
+            <a:lvl1pPr>
+              <a:defRPr/>
+            </a:lvl1pPr>
+          </a:lstStyle>
+          <a:p>
+            <a:pPr>
+              <a:defRPr/>
+            </a:pPr>
+            <a:fld id="{B9C4B146-146E-124C-9BD2-800F4DB742E9}" type="slidenum">
+              <a:rPr lang="en-US"/>
+              <a:pPr>
+                <a:defRPr/>
+              </a:pPr>
+              <a:t>‹#›</a:t>
+            </a:fld>
+            <a:endParaRPr lang="en-US"/>
           </a:p>
         </p:txBody>
       </p:sp>
     </p:spTree>
     <p:extLst>
       <p:ext uri="{BB962C8B-B14F-4D97-AF65-F5344CB8AC3E}">
-        <p14:creationId xmlns:p14="http://schemas.microsoft.com/office/powerpoint/2010/main" val="3942453937"/>
+        <p14:creationId xmlns:p14="http://schemas.microsoft.com/office/powerpoint/2010/main" val="1837283348"/>
       </p:ext>
     </p:extLst>
   </p:cSld>
@@ -8417,7 +7468,7 @@
 </p:sldLayout>
 </file>
 
-<file path=ppt/slideLayouts/slideLayout15.xml><?xml version="1.0" encoding="utf-8"?>
+<file path=ppt/slideLayouts/slideLayout4.xml><?xml version="1.0" encoding="utf-8"?>
 <p:sldLayout xmlns:a="http://schemas.openxmlformats.org/drawingml/2006/main" xmlns:r="http://schemas.openxmlformats.org/officeDocument/2006/relationships" xmlns:p="http://schemas.openxmlformats.org/presentationml/2006/main" type="twoObj" preserve="1">
   <p:cSld name="Two Content">
     <p:spTree>
@@ -8450,10 +7501,9 @@
           <a:lstStyle/>
           <a:p>
             <a:r>
-              <a:rPr lang="en-US" smtClean="0"/>
+              <a:rPr lang="en-US"/>
               <a:t>Click to edit Master title style</a:t>
             </a:r>
-            <a:endParaRPr lang="en-US"/>
           </a:p>
         </p:txBody>
       </p:sp>
@@ -8469,8 +7519,8 @@
         </p:nvSpPr>
         <p:spPr>
           <a:xfrm>
-            <a:off x="144463" y="1279525"/>
-            <a:ext cx="4311650" cy="5073650"/>
+            <a:off x="685800" y="1981200"/>
+            <a:ext cx="3810000" cy="4114800"/>
           </a:xfrm>
         </p:spPr>
         <p:txBody>
@@ -8507,38 +7557,37 @@
           <a:p>
             <a:pPr lvl="0"/>
             <a:r>
-              <a:rPr lang="en-US" smtClean="0"/>
+              <a:rPr lang="en-US"/>
               <a:t>Click to edit Master text styles</a:t>
             </a:r>
           </a:p>
           <a:p>
             <a:pPr lvl="1"/>
             <a:r>
-              <a:rPr lang="en-US" smtClean="0"/>
+              <a:rPr lang="en-US"/>
               <a:t>Second level</a:t>
             </a:r>
           </a:p>
           <a:p>
             <a:pPr lvl="2"/>
             <a:r>
-              <a:rPr lang="en-US" smtClean="0"/>
+              <a:rPr lang="en-US"/>
               <a:t>Third level</a:t>
             </a:r>
           </a:p>
           <a:p>
             <a:pPr lvl="3"/>
             <a:r>
-              <a:rPr lang="en-US" smtClean="0"/>
+              <a:rPr lang="en-US"/>
               <a:t>Fourth level</a:t>
             </a:r>
           </a:p>
           <a:p>
             <a:pPr lvl="4"/>
             <a:r>
-              <a:rPr lang="en-US" smtClean="0"/>
+              <a:rPr lang="en-US"/>
               <a:t>Fifth level</a:t>
             </a:r>
-            <a:endParaRPr lang="en-US"/>
           </a:p>
         </p:txBody>
       </p:sp>
@@ -8554,8 +7603,8 @@
         </p:nvSpPr>
         <p:spPr>
           <a:xfrm>
-            <a:off x="4608513" y="1279525"/>
-            <a:ext cx="4311650" cy="5073650"/>
+            <a:off x="4648200" y="1981200"/>
+            <a:ext cx="3810000" cy="4114800"/>
           </a:xfrm>
         </p:spPr>
         <p:txBody>
@@ -8592,37 +7641,127 @@
           <a:p>
             <a:pPr lvl="0"/>
             <a:r>
-              <a:rPr lang="en-US" smtClean="0"/>
+              <a:rPr lang="en-US"/>
               <a:t>Click to edit Master text styles</a:t>
             </a:r>
           </a:p>
           <a:p>
             <a:pPr lvl="1"/>
             <a:r>
-              <a:rPr lang="en-US" smtClean="0"/>
+              <a:rPr lang="en-US"/>
               <a:t>Second level</a:t>
             </a:r>
           </a:p>
           <a:p>
             <a:pPr lvl="2"/>
             <a:r>
-              <a:rPr lang="en-US" smtClean="0"/>
+              <a:rPr lang="en-US"/>
               <a:t>Third level</a:t>
             </a:r>
           </a:p>
           <a:p>
             <a:pPr lvl="3"/>
             <a:r>
-              <a:rPr lang="en-US" smtClean="0"/>
+              <a:rPr lang="en-US"/>
               <a:t>Fourth level</a:t>
             </a:r>
           </a:p>
           <a:p>
             <a:pPr lvl="4"/>
             <a:r>
-              <a:rPr lang="en-US" smtClean="0"/>
+              <a:rPr lang="en-US"/>
               <a:t>Fifth level</a:t>
             </a:r>
+          </a:p>
+        </p:txBody>
+      </p:sp>
+      <p:sp>
+        <p:nvSpPr>
+          <p:cNvPr id="5" name="Rectangle 4"/>
+          <p:cNvSpPr>
+            <a:spLocks noGrp="1" noChangeArrowheads="1"/>
+          </p:cNvSpPr>
+          <p:nvPr>
+            <p:ph type="dt" sz="half" idx="10"/>
+          </p:nvPr>
+        </p:nvSpPr>
+        <p:spPr>
+          <a:ln/>
+        </p:spPr>
+        <p:txBody>
+          <a:bodyPr/>
+          <a:lstStyle>
+            <a:lvl1pPr>
+              <a:defRPr/>
+            </a:lvl1pPr>
+          </a:lstStyle>
+          <a:p>
+            <a:pPr>
+              <a:defRPr/>
+            </a:pPr>
+            <a:endParaRPr lang="en-US"/>
+          </a:p>
+        </p:txBody>
+      </p:sp>
+      <p:sp>
+        <p:nvSpPr>
+          <p:cNvPr id="6" name="Rectangle 5"/>
+          <p:cNvSpPr>
+            <a:spLocks noGrp="1" noChangeArrowheads="1"/>
+          </p:cNvSpPr>
+          <p:nvPr>
+            <p:ph type="ftr" sz="quarter" idx="11"/>
+          </p:nvPr>
+        </p:nvSpPr>
+        <p:spPr>
+          <a:ln/>
+        </p:spPr>
+        <p:txBody>
+          <a:bodyPr/>
+          <a:lstStyle>
+            <a:lvl1pPr>
+              <a:defRPr/>
+            </a:lvl1pPr>
+          </a:lstStyle>
+          <a:p>
+            <a:pPr>
+              <a:defRPr/>
+            </a:pPr>
+            <a:endParaRPr lang="en-US"/>
+          </a:p>
+        </p:txBody>
+      </p:sp>
+      <p:sp>
+        <p:nvSpPr>
+          <p:cNvPr id="7" name="Rectangle 6"/>
+          <p:cNvSpPr>
+            <a:spLocks noGrp="1" noChangeArrowheads="1"/>
+          </p:cNvSpPr>
+          <p:nvPr>
+            <p:ph type="sldNum" sz="quarter" idx="12"/>
+          </p:nvPr>
+        </p:nvSpPr>
+        <p:spPr>
+          <a:ln/>
+        </p:spPr>
+        <p:txBody>
+          <a:bodyPr/>
+          <a:lstStyle>
+            <a:lvl1pPr>
+              <a:defRPr/>
+            </a:lvl1pPr>
+          </a:lstStyle>
+          <a:p>
+            <a:pPr>
+              <a:defRPr/>
+            </a:pPr>
+            <a:fld id="{3A8CBD74-E48E-2D4A-956E-6E517A9D9BFA}" type="slidenum">
+              <a:rPr lang="en-US"/>
+              <a:pPr>
+                <a:defRPr/>
+              </a:pPr>
+              <a:t>‹#›</a:t>
+            </a:fld>
             <a:endParaRPr lang="en-US"/>
           </a:p>
         </p:txBody>
@@ -8630,7 +7769,7 @@
     </p:spTree>
     <p:extLst>
       <p:ext uri="{BB962C8B-B14F-4D97-AF65-F5344CB8AC3E}">
-        <p14:creationId xmlns:p14="http://schemas.microsoft.com/office/powerpoint/2010/main" val="2542780573"/>
+        <p14:creationId xmlns:p14="http://schemas.microsoft.com/office/powerpoint/2010/main" val="2281618226"/>
       </p:ext>
     </p:extLst>
   </p:cSld>
@@ -8640,7 +7779,7 @@
 </p:sldLayout>
 </file>
 
-<file path=ppt/slideLayouts/slideLayout16.xml><?xml version="1.0" encoding="utf-8"?>
+<file path=ppt/slideLayouts/slideLayout5.xml><?xml version="1.0" encoding="utf-8"?>
 <p:sldLayout xmlns:a="http://schemas.openxmlformats.org/drawingml/2006/main" xmlns:r="http://schemas.openxmlformats.org/officeDocument/2006/relationships" xmlns:p="http://schemas.openxmlformats.org/presentationml/2006/main" type="twoTxTwoObj" preserve="1">
   <p:cSld name="Comparison">
     <p:spTree>
@@ -8682,10 +7821,9 @@
           </a:lstStyle>
           <a:p>
             <a:r>
-              <a:rPr lang="en-US" smtClean="0"/>
+              <a:rPr lang="en-US"/>
               <a:t>Click to edit Master title style</a:t>
             </a:r>
-            <a:endParaRPr lang="en-US"/>
           </a:p>
         </p:txBody>
       </p:sp>
@@ -8748,7 +7886,7 @@
           <a:p>
             <a:pPr lvl="0"/>
             <a:r>
-              <a:rPr lang="en-US" smtClean="0"/>
+              <a:rPr lang="en-US"/>
               <a:t>Click to edit Master text styles</a:t>
             </a:r>
           </a:p>
@@ -8804,38 +7942,37 @@
           <a:p>
             <a:pPr lvl="0"/>
             <a:r>
-              <a:rPr lang="en-US" smtClean="0"/>
+              <a:rPr lang="en-US"/>
               <a:t>Click to edit Master text styles</a:t>
             </a:r>
           </a:p>
           <a:p>
             <a:pPr lvl="1"/>
             <a:r>
-              <a:rPr lang="en-US" smtClean="0"/>
+              <a:rPr lang="en-US"/>
               <a:t>Second level</a:t>
             </a:r>
           </a:p>
           <a:p>
             <a:pPr lvl="2"/>
             <a:r>
-              <a:rPr lang="en-US" smtClean="0"/>
+              <a:rPr lang="en-US"/>
               <a:t>Third level</a:t>
             </a:r>
           </a:p>
           <a:p>
             <a:pPr lvl="3"/>
             <a:r>
-              <a:rPr lang="en-US" smtClean="0"/>
+              <a:rPr lang="en-US"/>
               <a:t>Fourth level</a:t>
             </a:r>
           </a:p>
           <a:p>
             <a:pPr lvl="4"/>
             <a:r>
-              <a:rPr lang="en-US" smtClean="0"/>
+              <a:rPr lang="en-US"/>
               <a:t>Fifth level</a:t>
             </a:r>
-            <a:endParaRPr lang="en-US"/>
           </a:p>
         </p:txBody>
       </p:sp>
@@ -8898,7 +8035,7 @@
           <a:p>
             <a:pPr lvl="0"/>
             <a:r>
-              <a:rPr lang="en-US" smtClean="0"/>
+              <a:rPr lang="en-US"/>
               <a:t>Click to edit Master text styles</a:t>
             </a:r>
           </a:p>
@@ -8954,37 +8091,127 @@
           <a:p>
             <a:pPr lvl="0"/>
             <a:r>
-              <a:rPr lang="en-US" smtClean="0"/>
+              <a:rPr lang="en-US"/>
               <a:t>Click to edit Master text styles</a:t>
             </a:r>
           </a:p>
           <a:p>
             <a:pPr lvl="1"/>
             <a:r>
-              <a:rPr lang="en-US" smtClean="0"/>
+              <a:rPr lang="en-US"/>
               <a:t>Second level</a:t>
             </a:r>
           </a:p>
           <a:p>
             <a:pPr lvl="2"/>
             <a:r>
-              <a:rPr lang="en-US" smtClean="0"/>
+              <a:rPr lang="en-US"/>
               <a:t>Third level</a:t>
             </a:r>
           </a:p>
           <a:p>
             <a:pPr lvl="3"/>
             <a:r>
-              <a:rPr lang="en-US" smtClean="0"/>
+              <a:rPr lang="en-US"/>
               <a:t>Fourth level</a:t>
             </a:r>
           </a:p>
           <a:p>
             <a:pPr lvl="4"/>
             <a:r>
-              <a:rPr lang="en-US" smtClean="0"/>
+              <a:rPr lang="en-US"/>
               <a:t>Fifth level</a:t>
             </a:r>
+          </a:p>
+        </p:txBody>
+      </p:sp>
+      <p:sp>
+        <p:nvSpPr>
+          <p:cNvPr id="7" name="Rectangle 4"/>
+          <p:cNvSpPr>
+            <a:spLocks noGrp="1" noChangeArrowheads="1"/>
+          </p:cNvSpPr>
+          <p:nvPr>
+            <p:ph type="dt" sz="half" idx="10"/>
+          </p:nvPr>
+        </p:nvSpPr>
+        <p:spPr>
+          <a:ln/>
+        </p:spPr>
+        <p:txBody>
+          <a:bodyPr/>
+          <a:lstStyle>
+            <a:lvl1pPr>
+              <a:defRPr/>
+            </a:lvl1pPr>
+          </a:lstStyle>
+          <a:p>
+            <a:pPr>
+              <a:defRPr/>
+            </a:pPr>
+            <a:endParaRPr lang="en-US"/>
+          </a:p>
+        </p:txBody>
+      </p:sp>
+      <p:sp>
+        <p:nvSpPr>
+          <p:cNvPr id="8" name="Rectangle 5"/>
+          <p:cNvSpPr>
+            <a:spLocks noGrp="1" noChangeArrowheads="1"/>
+          </p:cNvSpPr>
+          <p:nvPr>
+            <p:ph type="ftr" sz="quarter" idx="11"/>
+          </p:nvPr>
+        </p:nvSpPr>
+        <p:spPr>
+          <a:ln/>
+        </p:spPr>
+        <p:txBody>
+          <a:bodyPr/>
+          <a:lstStyle>
+            <a:lvl1pPr>
+              <a:defRPr/>
+            </a:lvl1pPr>
+          </a:lstStyle>
+          <a:p>
+            <a:pPr>
+              <a:defRPr/>
+            </a:pPr>
+            <a:endParaRPr lang="en-US"/>
+          </a:p>
+        </p:txBody>
+      </p:sp>
+      <p:sp>
+        <p:nvSpPr>
+          <p:cNvPr id="9" name="Rectangle 6"/>
+          <p:cNvSpPr>
+            <a:spLocks noGrp="1" noChangeArrowheads="1"/>
+          </p:cNvSpPr>
+          <p:nvPr>
+            <p:ph type="sldNum" sz="quarter" idx="12"/>
+          </p:nvPr>
+        </p:nvSpPr>
+        <p:spPr>
+          <a:ln/>
+        </p:spPr>
+        <p:txBody>
+          <a:bodyPr/>
+          <a:lstStyle>
+            <a:lvl1pPr>
+              <a:defRPr/>
+            </a:lvl1pPr>
+          </a:lstStyle>
+          <a:p>
+            <a:pPr>
+              <a:defRPr/>
+            </a:pPr>
+            <a:fld id="{CAA0AD98-1756-B342-9639-9CB0855544A2}" type="slidenum">
+              <a:rPr lang="en-US"/>
+              <a:pPr>
+                <a:defRPr/>
+              </a:pPr>
+              <a:t>‹#›</a:t>
+            </a:fld>
             <a:endParaRPr lang="en-US"/>
           </a:p>
         </p:txBody>
@@ -8992,7 +8219,7 @@
     </p:spTree>
     <p:extLst>
       <p:ext uri="{BB962C8B-B14F-4D97-AF65-F5344CB8AC3E}">
-        <p14:creationId xmlns:p14="http://schemas.microsoft.com/office/powerpoint/2010/main" val="1663880106"/>
+        <p14:creationId xmlns:p14="http://schemas.microsoft.com/office/powerpoint/2010/main" val="3620714585"/>
       </p:ext>
     </p:extLst>
   </p:cSld>
@@ -9002,7 +8229,7 @@
 </p:sldLayout>
 </file>
 
-<file path=ppt/slideLayouts/slideLayout17.xml><?xml version="1.0" encoding="utf-8"?>
+<file path=ppt/slideLayouts/slideLayout6.xml><?xml version="1.0" encoding="utf-8"?>
 <p:sldLayout xmlns:a="http://schemas.openxmlformats.org/drawingml/2006/main" xmlns:r="http://schemas.openxmlformats.org/officeDocument/2006/relationships" xmlns:p="http://schemas.openxmlformats.org/presentationml/2006/main" type="titleOnly" preserve="1">
   <p:cSld name="Title Only">
     <p:spTree>
@@ -9035,9 +8262,99 @@
           <a:lstStyle/>
           <a:p>
             <a:r>
-              <a:rPr lang="en-US" smtClean="0"/>
+              <a:rPr lang="en-US"/>
               <a:t>Click to edit Master title style</a:t>
             </a:r>
+          </a:p>
+        </p:txBody>
+      </p:sp>
+      <p:sp>
+        <p:nvSpPr>
+          <p:cNvPr id="3" name="Rectangle 4"/>
+          <p:cNvSpPr>
+            <a:spLocks noGrp="1" noChangeArrowheads="1"/>
+          </p:cNvSpPr>
+          <p:nvPr>
+            <p:ph type="dt" sz="half" idx="10"/>
+          </p:nvPr>
+        </p:nvSpPr>
+        <p:spPr>
+          <a:ln/>
+        </p:spPr>
+        <p:txBody>
+          <a:bodyPr/>
+          <a:lstStyle>
+            <a:lvl1pPr>
+              <a:defRPr/>
+            </a:lvl1pPr>
+          </a:lstStyle>
+          <a:p>
+            <a:pPr>
+              <a:defRPr/>
+            </a:pPr>
+            <a:endParaRPr lang="en-US"/>
+          </a:p>
+        </p:txBody>
+      </p:sp>
+      <p:sp>
+        <p:nvSpPr>
+          <p:cNvPr id="4" name="Rectangle 5"/>
+          <p:cNvSpPr>
+            <a:spLocks noGrp="1" noChangeArrowheads="1"/>
+          </p:cNvSpPr>
+          <p:nvPr>
+            <p:ph type="ftr" sz="quarter" idx="11"/>
+          </p:nvPr>
+        </p:nvSpPr>
+        <p:spPr>
+          <a:ln/>
+        </p:spPr>
+        <p:txBody>
+          <a:bodyPr/>
+          <a:lstStyle>
+            <a:lvl1pPr>
+              <a:defRPr/>
+            </a:lvl1pPr>
+          </a:lstStyle>
+          <a:p>
+            <a:pPr>
+              <a:defRPr/>
+            </a:pPr>
+            <a:endParaRPr lang="en-US"/>
+          </a:p>
+        </p:txBody>
+      </p:sp>
+      <p:sp>
+        <p:nvSpPr>
+          <p:cNvPr id="5" name="Rectangle 6"/>
+          <p:cNvSpPr>
+            <a:spLocks noGrp="1" noChangeArrowheads="1"/>
+          </p:cNvSpPr>
+          <p:nvPr>
+            <p:ph type="sldNum" sz="quarter" idx="12"/>
+          </p:nvPr>
+        </p:nvSpPr>
+        <p:spPr>
+          <a:ln/>
+        </p:spPr>
+        <p:txBody>
+          <a:bodyPr/>
+          <a:lstStyle>
+            <a:lvl1pPr>
+              <a:defRPr/>
+            </a:lvl1pPr>
+          </a:lstStyle>
+          <a:p>
+            <a:pPr>
+              <a:defRPr/>
+            </a:pPr>
+            <a:fld id="{B987A290-4610-534B-94FA-7B90845098D7}" type="slidenum">
+              <a:rPr lang="en-US"/>
+              <a:pPr>
+                <a:defRPr/>
+              </a:pPr>
+              <a:t>‹#›</a:t>
+            </a:fld>
             <a:endParaRPr lang="en-US"/>
           </a:p>
         </p:txBody>
@@ -9045,7 +8362,7 @@
     </p:spTree>
     <p:extLst>
       <p:ext uri="{BB962C8B-B14F-4D97-AF65-F5344CB8AC3E}">
-        <p14:creationId xmlns:p14="http://schemas.microsoft.com/office/powerpoint/2010/main" val="4018095571"/>
+        <p14:creationId xmlns:p14="http://schemas.microsoft.com/office/powerpoint/2010/main" val="3905602319"/>
       </p:ext>
     </p:extLst>
   </p:cSld>
@@ -9055,7 +8372,7 @@
 </p:sldLayout>
 </file>
 
-<file path=ppt/slideLayouts/slideLayout18.xml><?xml version="1.0" encoding="utf-8"?>
+<file path=ppt/slideLayouts/slideLayout7.xml><?xml version="1.0" encoding="utf-8"?>
 <p:sldLayout xmlns:a="http://schemas.openxmlformats.org/drawingml/2006/main" xmlns:r="http://schemas.openxmlformats.org/officeDocument/2006/relationships" xmlns:p="http://schemas.openxmlformats.org/presentationml/2006/main" type="blank" preserve="1">
   <p:cSld name="Blank">
     <p:spTree>
@@ -9072,10 +8389,101 @@
           <a:chExt cx="0" cy="0"/>
         </a:xfrm>
       </p:grpSpPr>
+      <p:sp>
+        <p:nvSpPr>
+          <p:cNvPr id="2" name="Rectangle 4"/>
+          <p:cNvSpPr>
+            <a:spLocks noGrp="1" noChangeArrowheads="1"/>
+          </p:cNvSpPr>
+          <p:nvPr>
+            <p:ph type="dt" sz="half" idx="10"/>
+          </p:nvPr>
+        </p:nvSpPr>
+        <p:spPr>
+          <a:ln/>
+        </p:spPr>
+        <p:txBody>
+          <a:bodyPr/>
+          <a:lstStyle>
+            <a:lvl1pPr>
+              <a:defRPr/>
+            </a:lvl1pPr>
+          </a:lstStyle>
+          <a:p>
+            <a:pPr>
+              <a:defRPr/>
+            </a:pPr>
+            <a:endParaRPr lang="en-US"/>
+          </a:p>
+        </p:txBody>
+      </p:sp>
+      <p:sp>
+        <p:nvSpPr>
+          <p:cNvPr id="3" name="Rectangle 5"/>
+          <p:cNvSpPr>
+            <a:spLocks noGrp="1" noChangeArrowheads="1"/>
+          </p:cNvSpPr>
+          <p:nvPr>
+            <p:ph type="ftr" sz="quarter" idx="11"/>
+          </p:nvPr>
+        </p:nvSpPr>
+        <p:spPr>
+          <a:ln/>
+        </p:spPr>
+        <p:txBody>
+          <a:bodyPr/>
+          <a:lstStyle>
+            <a:lvl1pPr>
+              <a:defRPr/>
+            </a:lvl1pPr>
+          </a:lstStyle>
+          <a:p>
+            <a:pPr>
+              <a:defRPr/>
+            </a:pPr>
+            <a:endParaRPr lang="en-US"/>
+          </a:p>
+        </p:txBody>
+      </p:sp>
+      <p:sp>
+        <p:nvSpPr>
+          <p:cNvPr id="4" name="Rectangle 6"/>
+          <p:cNvSpPr>
+            <a:spLocks noGrp="1" noChangeArrowheads="1"/>
+          </p:cNvSpPr>
+          <p:nvPr>
+            <p:ph type="sldNum" sz="quarter" idx="12"/>
+          </p:nvPr>
+        </p:nvSpPr>
+        <p:spPr>
+          <a:ln/>
+        </p:spPr>
+        <p:txBody>
+          <a:bodyPr/>
+          <a:lstStyle>
+            <a:lvl1pPr>
+              <a:defRPr/>
+            </a:lvl1pPr>
+          </a:lstStyle>
+          <a:p>
+            <a:pPr>
+              <a:defRPr/>
+            </a:pPr>
+            <a:fld id="{BDA0A28A-9C98-0B44-95DC-43CBD0CD4044}" type="slidenum">
+              <a:rPr lang="en-US"/>
+              <a:pPr>
+                <a:defRPr/>
+              </a:pPr>
+              <a:t>‹#›</a:t>
+            </a:fld>
+            <a:endParaRPr lang="en-US"/>
+          </a:p>
+        </p:txBody>
+      </p:sp>
     </p:spTree>
     <p:extLst>
       <p:ext uri="{BB962C8B-B14F-4D97-AF65-F5344CB8AC3E}">
-        <p14:creationId xmlns:p14="http://schemas.microsoft.com/office/powerpoint/2010/main" val="1812170267"/>
+        <p14:creationId xmlns:p14="http://schemas.microsoft.com/office/powerpoint/2010/main" val="1713967543"/>
       </p:ext>
     </p:extLst>
   </p:cSld>
@@ -9085,7 +8493,7 @@
 </p:sldLayout>
 </file>
 
-<file path=ppt/slideLayouts/slideLayout19.xml><?xml version="1.0" encoding="utf-8"?>
+<file path=ppt/slideLayouts/slideLayout8.xml><?xml version="1.0" encoding="utf-8"?>
 <p:sldLayout xmlns:a="http://schemas.openxmlformats.org/drawingml/2006/main" xmlns:r="http://schemas.openxmlformats.org/officeDocument/2006/relationships" xmlns:p="http://schemas.openxmlformats.org/presentationml/2006/main" type="objTx" preserve="1">
   <p:cSld name="Content with Caption">
     <p:spTree>
@@ -9127,10 +8535,9 @@
           </a:lstStyle>
           <a:p>
             <a:r>
-              <a:rPr lang="en-US" smtClean="0"/>
+              <a:rPr lang="en-US"/>
               <a:t>Click to edit Master title style</a:t>
             </a:r>
-            <a:endParaRPr lang="en-US"/>
           </a:p>
         </p:txBody>
       </p:sp>
@@ -9184,38 +8591,37 @@
           <a:p>
             <a:pPr lvl="0"/>
             <a:r>
-              <a:rPr lang="en-US" smtClean="0"/>
+              <a:rPr lang="en-US"/>
               <a:t>Click to edit Master text styles</a:t>
             </a:r>
           </a:p>
           <a:p>
             <a:pPr lvl="1"/>
             <a:r>
-              <a:rPr lang="en-US" smtClean="0"/>
+              <a:rPr lang="en-US"/>
               <a:t>Second level</a:t>
             </a:r>
           </a:p>
           <a:p>
             <a:pPr lvl="2"/>
             <a:r>
-              <a:rPr lang="en-US" smtClean="0"/>
+              <a:rPr lang="en-US"/>
               <a:t>Third level</a:t>
             </a:r>
           </a:p>
           <a:p>
             <a:pPr lvl="3"/>
             <a:r>
-              <a:rPr lang="en-US" smtClean="0"/>
+              <a:rPr lang="en-US"/>
               <a:t>Fourth level</a:t>
             </a:r>
           </a:p>
           <a:p>
             <a:pPr lvl="4"/>
             <a:r>
-              <a:rPr lang="en-US" smtClean="0"/>
+              <a:rPr lang="en-US"/>
               <a:t>Fifth level</a:t>
             </a:r>
-            <a:endParaRPr lang="en-US"/>
           </a:p>
         </p:txBody>
       </p:sp>
@@ -9278,120 +8684,15 @@
           <a:p>
             <a:pPr lvl="0"/>
             <a:r>
-              <a:rPr lang="en-US" smtClean="0"/>
+              <a:rPr lang="en-US"/>
               <a:t>Click to edit Master text styles</a:t>
             </a:r>
-          </a:p>
-        </p:txBody>
-      </p:sp>
-    </p:spTree>
-    <p:extLst>
-      <p:ext uri="{BB962C8B-B14F-4D97-AF65-F5344CB8AC3E}">
-        <p14:creationId xmlns:p14="http://schemas.microsoft.com/office/powerpoint/2010/main" val="308393354"/>
-      </p:ext>
-    </p:extLst>
-  </p:cSld>
-  <p:clrMapOvr>
-    <a:masterClrMapping/>
-  </p:clrMapOvr>
-</p:sldLayout>
-</file>
-
-<file path=ppt/slideLayouts/slideLayout2.xml><?xml version="1.0" encoding="utf-8"?>
-<p:sldLayout xmlns:a="http://schemas.openxmlformats.org/drawingml/2006/main" xmlns:r="http://schemas.openxmlformats.org/officeDocument/2006/relationships" xmlns:p="http://schemas.openxmlformats.org/presentationml/2006/main" type="obj" preserve="1">
-  <p:cSld name="Title and Content">
-    <p:spTree>
-      <p:nvGrpSpPr>
-        <p:cNvPr id="1" name=""/>
-        <p:cNvGrpSpPr/>
-        <p:nvPr/>
-      </p:nvGrpSpPr>
-      <p:grpSpPr>
-        <a:xfrm>
-          <a:off x="0" y="0"/>
-          <a:ext cx="0" cy="0"/>
-          <a:chOff x="0" y="0"/>
-          <a:chExt cx="0" cy="0"/>
-        </a:xfrm>
-      </p:grpSpPr>
-      <p:sp>
-        <p:nvSpPr>
-          <p:cNvPr id="2" name="Title 1"/>
-          <p:cNvSpPr>
-            <a:spLocks noGrp="1"/>
-          </p:cNvSpPr>
-          <p:nvPr>
-            <p:ph type="title"/>
-          </p:nvPr>
-        </p:nvSpPr>
-        <p:spPr/>
-        <p:txBody>
-          <a:bodyPr/>
-          <a:lstStyle/>
-          <a:p>
-            <a:r>
-              <a:rPr lang="en-US" smtClean="0"/>
-              <a:t>Click to edit Master title style</a:t>
-            </a:r>
-            <a:endParaRPr lang="en-US"/>
           </a:p>
         </p:txBody>
       </p:sp>
       <p:sp>
         <p:nvSpPr>
-          <p:cNvPr id="3" name="Content Placeholder 2"/>
-          <p:cNvSpPr>
-            <a:spLocks noGrp="1"/>
-          </p:cNvSpPr>
-          <p:nvPr>
-            <p:ph idx="1"/>
-          </p:nvPr>
-        </p:nvSpPr>
-        <p:spPr/>
-        <p:txBody>
-          <a:bodyPr/>
-          <a:lstStyle/>
-          <a:p>
-            <a:pPr lvl="0"/>
-            <a:r>
-              <a:rPr lang="en-US" smtClean="0"/>
-              <a:t>Click to edit Master text styles</a:t>
-            </a:r>
-          </a:p>
-          <a:p>
-            <a:pPr lvl="1"/>
-            <a:r>
-              <a:rPr lang="en-US" smtClean="0"/>
-              <a:t>Second level</a:t>
-            </a:r>
-          </a:p>
-          <a:p>
-            <a:pPr lvl="2"/>
-            <a:r>
-              <a:rPr lang="en-US" smtClean="0"/>
-              <a:t>Third level</a:t>
-            </a:r>
-          </a:p>
-          <a:p>
-            <a:pPr lvl="3"/>
-            <a:r>
-              <a:rPr lang="en-US" smtClean="0"/>
-              <a:t>Fourth level</a:t>
-            </a:r>
-          </a:p>
-          <a:p>
-            <a:pPr lvl="4"/>
-            <a:r>
-              <a:rPr lang="en-US" smtClean="0"/>
-              <a:t>Fifth level</a:t>
-            </a:r>
-            <a:endParaRPr lang="en-US"/>
-          </a:p>
-        </p:txBody>
-      </p:sp>
-      <p:sp>
-        <p:nvSpPr>
-          <p:cNvPr id="4" name="Rectangle 4"/>
+          <p:cNvPr id="5" name="Rectangle 4"/>
           <p:cNvSpPr>
             <a:spLocks noGrp="1" noChangeArrowheads="1"/>
           </p:cNvSpPr>
@@ -9419,7 +8720,7 @@
       </p:sp>
       <p:sp>
         <p:nvSpPr>
-          <p:cNvPr id="5" name="Rectangle 5"/>
+          <p:cNvPr id="6" name="Rectangle 5"/>
           <p:cNvSpPr>
             <a:spLocks noGrp="1" noChangeArrowheads="1"/>
           </p:cNvSpPr>
@@ -9447,7 +8748,7 @@
       </p:sp>
       <p:sp>
         <p:nvSpPr>
-          <p:cNvPr id="6" name="Rectangle 6"/>
+          <p:cNvPr id="7" name="Rectangle 6"/>
           <p:cNvSpPr>
             <a:spLocks noGrp="1" noChangeArrowheads="1"/>
           </p:cNvSpPr>
@@ -9469,7 +8770,7 @@
             <a:pPr>
               <a:defRPr/>
             </a:pPr>
-            <a:fld id="{BA970036-26C5-8D48-BD13-587B11956560}" type="slidenum">
+            <a:fld id="{090A2D9C-555E-A641-8875-CF389D2D13B0}" type="slidenum">
               <a:rPr lang="en-US"/>
               <a:pPr>
                 <a:defRPr/>
@@ -9483,7 +8784,7 @@
     </p:spTree>
     <p:extLst>
       <p:ext uri="{BB962C8B-B14F-4D97-AF65-F5344CB8AC3E}">
-        <p14:creationId xmlns:p14="http://schemas.microsoft.com/office/powerpoint/2010/main" val="1820918980"/>
+        <p14:creationId xmlns:p14="http://schemas.microsoft.com/office/powerpoint/2010/main" val="3800724740"/>
       </p:ext>
     </p:extLst>
   </p:cSld>
@@ -9493,7 +8794,7 @@
 </p:sldLayout>
 </file>
 
-<file path=ppt/slideLayouts/slideLayout20.xml><?xml version="1.0" encoding="utf-8"?>
+<file path=ppt/slideLayouts/slideLayout9.xml><?xml version="1.0" encoding="utf-8"?>
 <p:sldLayout xmlns:a="http://schemas.openxmlformats.org/drawingml/2006/main" xmlns:r="http://schemas.openxmlformats.org/officeDocument/2006/relationships" xmlns:p="http://schemas.openxmlformats.org/presentationml/2006/main" type="picTx" preserve="1">
   <p:cSld name="Picture with Caption">
     <p:spTree>
@@ -9535,10 +8836,9 @@
           </a:lstStyle>
           <a:p>
             <a:r>
-              <a:rPr lang="en-US" smtClean="0"/>
+              <a:rPr lang="en-US"/>
               <a:t>Click to edit Master title style</a:t>
             </a:r>
-            <a:endParaRPr lang="en-US"/>
           </a:p>
         </p:txBody>
       </p:sp>
@@ -9600,7 +8900,10 @@
           </a:lstStyle>
           <a:p>
             <a:pPr lvl="0"/>
-            <a:endParaRPr lang="en-US" noProof="0" dirty="0" smtClean="0"/>
+            <a:r>
+              <a:rPr lang="en-US" noProof="0"/>
+              <a:t>Drag picture to placeholder or click icon to add</a:t>
+            </a:r>
           </a:p>
         </p:txBody>
       </p:sp>
@@ -9663,1973 +8966,7 @@
           <a:p>
             <a:pPr lvl="0"/>
             <a:r>
-              <a:rPr lang="en-US" smtClean="0"/>
-              <a:t>Click to edit Master text styles</a:t>
-            </a:r>
-          </a:p>
-        </p:txBody>
-      </p:sp>
-    </p:spTree>
-    <p:extLst>
-      <p:ext uri="{BB962C8B-B14F-4D97-AF65-F5344CB8AC3E}">
-        <p14:creationId xmlns:p14="http://schemas.microsoft.com/office/powerpoint/2010/main" val="563917802"/>
-      </p:ext>
-    </p:extLst>
-  </p:cSld>
-  <p:clrMapOvr>
-    <a:masterClrMapping/>
-  </p:clrMapOvr>
-</p:sldLayout>
-</file>
-
-<file path=ppt/slideLayouts/slideLayout21.xml><?xml version="1.0" encoding="utf-8"?>
-<p:sldLayout xmlns:a="http://schemas.openxmlformats.org/drawingml/2006/main" xmlns:r="http://schemas.openxmlformats.org/officeDocument/2006/relationships" xmlns:p="http://schemas.openxmlformats.org/presentationml/2006/main" type="vertTx" preserve="1">
-  <p:cSld name="Title and Vertical Text">
-    <p:spTree>
-      <p:nvGrpSpPr>
-        <p:cNvPr id="1" name=""/>
-        <p:cNvGrpSpPr/>
-        <p:nvPr/>
-      </p:nvGrpSpPr>
-      <p:grpSpPr>
-        <a:xfrm>
-          <a:off x="0" y="0"/>
-          <a:ext cx="0" cy="0"/>
-          <a:chOff x="0" y="0"/>
-          <a:chExt cx="0" cy="0"/>
-        </a:xfrm>
-      </p:grpSpPr>
-      <p:sp>
-        <p:nvSpPr>
-          <p:cNvPr id="2" name="Title 1"/>
-          <p:cNvSpPr>
-            <a:spLocks noGrp="1"/>
-          </p:cNvSpPr>
-          <p:nvPr>
-            <p:ph type="title"/>
-          </p:nvPr>
-        </p:nvSpPr>
-        <p:spPr/>
-        <p:txBody>
-          <a:bodyPr/>
-          <a:lstStyle/>
-          <a:p>
-            <a:r>
-              <a:rPr lang="en-US" smtClean="0"/>
-              <a:t>Click to edit Master title style</a:t>
-            </a:r>
-            <a:endParaRPr lang="en-US"/>
-          </a:p>
-        </p:txBody>
-      </p:sp>
-      <p:sp>
-        <p:nvSpPr>
-          <p:cNvPr id="3" name="Vertical Text Placeholder 2"/>
-          <p:cNvSpPr>
-            <a:spLocks noGrp="1"/>
-          </p:cNvSpPr>
-          <p:nvPr>
-            <p:ph type="body" orient="vert" idx="1"/>
-          </p:nvPr>
-        </p:nvSpPr>
-        <p:spPr/>
-        <p:txBody>
-          <a:bodyPr vert="eaVert"/>
-          <a:lstStyle/>
-          <a:p>
-            <a:pPr lvl="0"/>
-            <a:r>
-              <a:rPr lang="en-US" smtClean="0"/>
-              <a:t>Click to edit Master text styles</a:t>
-            </a:r>
-          </a:p>
-          <a:p>
-            <a:pPr lvl="1"/>
-            <a:r>
-              <a:rPr lang="en-US" smtClean="0"/>
-              <a:t>Second level</a:t>
-            </a:r>
-          </a:p>
-          <a:p>
-            <a:pPr lvl="2"/>
-            <a:r>
-              <a:rPr lang="en-US" smtClean="0"/>
-              <a:t>Third level</a:t>
-            </a:r>
-          </a:p>
-          <a:p>
-            <a:pPr lvl="3"/>
-            <a:r>
-              <a:rPr lang="en-US" smtClean="0"/>
-              <a:t>Fourth level</a:t>
-            </a:r>
-          </a:p>
-          <a:p>
-            <a:pPr lvl="4"/>
-            <a:r>
-              <a:rPr lang="en-US" smtClean="0"/>
-              <a:t>Fifth level</a:t>
-            </a:r>
-            <a:endParaRPr lang="en-US"/>
-          </a:p>
-        </p:txBody>
-      </p:sp>
-    </p:spTree>
-    <p:extLst>
-      <p:ext uri="{BB962C8B-B14F-4D97-AF65-F5344CB8AC3E}">
-        <p14:creationId xmlns:p14="http://schemas.microsoft.com/office/powerpoint/2010/main" val="4209828676"/>
-      </p:ext>
-    </p:extLst>
-  </p:cSld>
-  <p:clrMapOvr>
-    <a:masterClrMapping/>
-  </p:clrMapOvr>
-</p:sldLayout>
-</file>
-
-<file path=ppt/slideLayouts/slideLayout22.xml><?xml version="1.0" encoding="utf-8"?>
-<p:sldLayout xmlns:a="http://schemas.openxmlformats.org/drawingml/2006/main" xmlns:r="http://schemas.openxmlformats.org/officeDocument/2006/relationships" xmlns:p="http://schemas.openxmlformats.org/presentationml/2006/main" type="vertTitleAndTx" preserve="1">
-  <p:cSld name="Vertical Title and Text">
-    <p:spTree>
-      <p:nvGrpSpPr>
-        <p:cNvPr id="1" name=""/>
-        <p:cNvGrpSpPr/>
-        <p:nvPr/>
-      </p:nvGrpSpPr>
-      <p:grpSpPr>
-        <a:xfrm>
-          <a:off x="0" y="0"/>
-          <a:ext cx="0" cy="0"/>
-          <a:chOff x="0" y="0"/>
-          <a:chExt cx="0" cy="0"/>
-        </a:xfrm>
-      </p:grpSpPr>
-      <p:sp>
-        <p:nvSpPr>
-          <p:cNvPr id="2" name="Vertical Title 1"/>
-          <p:cNvSpPr>
-            <a:spLocks noGrp="1"/>
-          </p:cNvSpPr>
-          <p:nvPr>
-            <p:ph type="title" orient="vert"/>
-          </p:nvPr>
-        </p:nvSpPr>
-        <p:spPr>
-          <a:xfrm>
-            <a:off x="6754813" y="182563"/>
-            <a:ext cx="2203450" cy="6170612"/>
-          </a:xfrm>
-        </p:spPr>
-        <p:txBody>
-          <a:bodyPr vert="eaVert"/>
-          <a:lstStyle/>
-          <a:p>
-            <a:r>
-              <a:rPr lang="en-US" smtClean="0"/>
-              <a:t>Click to edit Master title style</a:t>
-            </a:r>
-            <a:endParaRPr lang="en-US"/>
-          </a:p>
-        </p:txBody>
-      </p:sp>
-      <p:sp>
-        <p:nvSpPr>
-          <p:cNvPr id="3" name="Vertical Text Placeholder 2"/>
-          <p:cNvSpPr>
-            <a:spLocks noGrp="1"/>
-          </p:cNvSpPr>
-          <p:nvPr>
-            <p:ph type="body" orient="vert" idx="1"/>
-          </p:nvPr>
-        </p:nvSpPr>
-        <p:spPr>
-          <a:xfrm>
-            <a:off x="144463" y="182563"/>
-            <a:ext cx="6457950" cy="6170612"/>
-          </a:xfrm>
-        </p:spPr>
-        <p:txBody>
-          <a:bodyPr vert="eaVert"/>
-          <a:lstStyle/>
-          <a:p>
-            <a:pPr lvl="0"/>
-            <a:r>
-              <a:rPr lang="en-US" smtClean="0"/>
-              <a:t>Click to edit Master text styles</a:t>
-            </a:r>
-          </a:p>
-          <a:p>
-            <a:pPr lvl="1"/>
-            <a:r>
-              <a:rPr lang="en-US" smtClean="0"/>
-              <a:t>Second level</a:t>
-            </a:r>
-          </a:p>
-          <a:p>
-            <a:pPr lvl="2"/>
-            <a:r>
-              <a:rPr lang="en-US" smtClean="0"/>
-              <a:t>Third level</a:t>
-            </a:r>
-          </a:p>
-          <a:p>
-            <a:pPr lvl="3"/>
-            <a:r>
-              <a:rPr lang="en-US" smtClean="0"/>
-              <a:t>Fourth level</a:t>
-            </a:r>
-          </a:p>
-          <a:p>
-            <a:pPr lvl="4"/>
-            <a:r>
-              <a:rPr lang="en-US" smtClean="0"/>
-              <a:t>Fifth level</a:t>
-            </a:r>
-            <a:endParaRPr lang="en-US"/>
-          </a:p>
-        </p:txBody>
-      </p:sp>
-    </p:spTree>
-    <p:extLst>
-      <p:ext uri="{BB962C8B-B14F-4D97-AF65-F5344CB8AC3E}">
-        <p14:creationId xmlns:p14="http://schemas.microsoft.com/office/powerpoint/2010/main" val="1777765495"/>
-      </p:ext>
-    </p:extLst>
-  </p:cSld>
-  <p:clrMapOvr>
-    <a:masterClrMapping/>
-  </p:clrMapOvr>
-</p:sldLayout>
-</file>
-
-<file path=ppt/slideLayouts/slideLayout3.xml><?xml version="1.0" encoding="utf-8"?>
-<p:sldLayout xmlns:a="http://schemas.openxmlformats.org/drawingml/2006/main" xmlns:r="http://schemas.openxmlformats.org/officeDocument/2006/relationships" xmlns:p="http://schemas.openxmlformats.org/presentationml/2006/main" type="secHead" preserve="1">
-  <p:cSld name="Section Header">
-    <p:spTree>
-      <p:nvGrpSpPr>
-        <p:cNvPr id="1" name=""/>
-        <p:cNvGrpSpPr/>
-        <p:nvPr/>
-      </p:nvGrpSpPr>
-      <p:grpSpPr>
-        <a:xfrm>
-          <a:off x="0" y="0"/>
-          <a:ext cx="0" cy="0"/>
-          <a:chOff x="0" y="0"/>
-          <a:chExt cx="0" cy="0"/>
-        </a:xfrm>
-      </p:grpSpPr>
-      <p:sp>
-        <p:nvSpPr>
-          <p:cNvPr id="2" name="Title 1"/>
-          <p:cNvSpPr>
-            <a:spLocks noGrp="1"/>
-          </p:cNvSpPr>
-          <p:nvPr>
-            <p:ph type="title"/>
-          </p:nvPr>
-        </p:nvSpPr>
-        <p:spPr>
-          <a:xfrm>
-            <a:off x="722313" y="4406900"/>
-            <a:ext cx="7772400" cy="1362075"/>
-          </a:xfrm>
-        </p:spPr>
-        <p:txBody>
-          <a:bodyPr anchor="t"/>
-          <a:lstStyle>
-            <a:lvl1pPr algn="l">
-              <a:defRPr sz="4000" b="1" cap="all"/>
-            </a:lvl1pPr>
-          </a:lstStyle>
-          <a:p>
-            <a:r>
-              <a:rPr lang="en-US" smtClean="0"/>
-              <a:t>Click to edit Master title style</a:t>
-            </a:r>
-            <a:endParaRPr lang="en-US"/>
-          </a:p>
-        </p:txBody>
-      </p:sp>
-      <p:sp>
-        <p:nvSpPr>
-          <p:cNvPr id="3" name="Text Placeholder 2"/>
-          <p:cNvSpPr>
-            <a:spLocks noGrp="1"/>
-          </p:cNvSpPr>
-          <p:nvPr>
-            <p:ph type="body" idx="1"/>
-          </p:nvPr>
-        </p:nvSpPr>
-        <p:spPr>
-          <a:xfrm>
-            <a:off x="722313" y="2906713"/>
-            <a:ext cx="7772400" cy="1500187"/>
-          </a:xfrm>
-        </p:spPr>
-        <p:txBody>
-          <a:bodyPr anchor="b"/>
-          <a:lstStyle>
-            <a:lvl1pPr marL="0" indent="0">
-              <a:buNone/>
-              <a:defRPr sz="2000"/>
-            </a:lvl1pPr>
-            <a:lvl2pPr marL="457200" indent="0">
-              <a:buNone/>
-              <a:defRPr sz="1800"/>
-            </a:lvl2pPr>
-            <a:lvl3pPr marL="914400" indent="0">
-              <a:buNone/>
-              <a:defRPr sz="1600"/>
-            </a:lvl3pPr>
-            <a:lvl4pPr marL="1371600" indent="0">
-              <a:buNone/>
-              <a:defRPr sz="1400"/>
-            </a:lvl4pPr>
-            <a:lvl5pPr marL="1828800" indent="0">
-              <a:buNone/>
-              <a:defRPr sz="1400"/>
-            </a:lvl5pPr>
-            <a:lvl6pPr marL="2286000" indent="0">
-              <a:buNone/>
-              <a:defRPr sz="1400"/>
-            </a:lvl6pPr>
-            <a:lvl7pPr marL="2743200" indent="0">
-              <a:buNone/>
-              <a:defRPr sz="1400"/>
-            </a:lvl7pPr>
-            <a:lvl8pPr marL="3200400" indent="0">
-              <a:buNone/>
-              <a:defRPr sz="1400"/>
-            </a:lvl8pPr>
-            <a:lvl9pPr marL="3657600" indent="0">
-              <a:buNone/>
-              <a:defRPr sz="1400"/>
-            </a:lvl9pPr>
-          </a:lstStyle>
-          <a:p>
-            <a:pPr lvl="0"/>
-            <a:r>
-              <a:rPr lang="en-US" smtClean="0"/>
-              <a:t>Click to edit Master text styles</a:t>
-            </a:r>
-          </a:p>
-        </p:txBody>
-      </p:sp>
-      <p:sp>
-        <p:nvSpPr>
-          <p:cNvPr id="4" name="Rectangle 4"/>
-          <p:cNvSpPr>
-            <a:spLocks noGrp="1" noChangeArrowheads="1"/>
-          </p:cNvSpPr>
-          <p:nvPr>
-            <p:ph type="dt" sz="half" idx="10"/>
-          </p:nvPr>
-        </p:nvSpPr>
-        <p:spPr>
-          <a:ln/>
-        </p:spPr>
-        <p:txBody>
-          <a:bodyPr/>
-          <a:lstStyle>
-            <a:lvl1pPr>
-              <a:defRPr/>
-            </a:lvl1pPr>
-          </a:lstStyle>
-          <a:p>
-            <a:pPr>
-              <a:defRPr/>
-            </a:pPr>
-            <a:endParaRPr lang="en-US"/>
-          </a:p>
-        </p:txBody>
-      </p:sp>
-      <p:sp>
-        <p:nvSpPr>
-          <p:cNvPr id="5" name="Rectangle 5"/>
-          <p:cNvSpPr>
-            <a:spLocks noGrp="1" noChangeArrowheads="1"/>
-          </p:cNvSpPr>
-          <p:nvPr>
-            <p:ph type="ftr" sz="quarter" idx="11"/>
-          </p:nvPr>
-        </p:nvSpPr>
-        <p:spPr>
-          <a:ln/>
-        </p:spPr>
-        <p:txBody>
-          <a:bodyPr/>
-          <a:lstStyle>
-            <a:lvl1pPr>
-              <a:defRPr/>
-            </a:lvl1pPr>
-          </a:lstStyle>
-          <a:p>
-            <a:pPr>
-              <a:defRPr/>
-            </a:pPr>
-            <a:endParaRPr lang="en-US"/>
-          </a:p>
-        </p:txBody>
-      </p:sp>
-      <p:sp>
-        <p:nvSpPr>
-          <p:cNvPr id="6" name="Rectangle 6"/>
-          <p:cNvSpPr>
-            <a:spLocks noGrp="1" noChangeArrowheads="1"/>
-          </p:cNvSpPr>
-          <p:nvPr>
-            <p:ph type="sldNum" sz="quarter" idx="12"/>
-          </p:nvPr>
-        </p:nvSpPr>
-        <p:spPr>
-          <a:ln/>
-        </p:spPr>
-        <p:txBody>
-          <a:bodyPr/>
-          <a:lstStyle>
-            <a:lvl1pPr>
-              <a:defRPr/>
-            </a:lvl1pPr>
-          </a:lstStyle>
-          <a:p>
-            <a:pPr>
-              <a:defRPr/>
-            </a:pPr>
-            <a:fld id="{B9C4B146-146E-124C-9BD2-800F4DB742E9}" type="slidenum">
               <a:rPr lang="en-US"/>
-              <a:pPr>
-                <a:defRPr/>
-              </a:pPr>
-              <a:t>‹#›</a:t>
-            </a:fld>
-            <a:endParaRPr lang="en-US"/>
-          </a:p>
-        </p:txBody>
-      </p:sp>
-    </p:spTree>
-    <p:extLst>
-      <p:ext uri="{BB962C8B-B14F-4D97-AF65-F5344CB8AC3E}">
-        <p14:creationId xmlns:p14="http://schemas.microsoft.com/office/powerpoint/2010/main" val="1837283348"/>
-      </p:ext>
-    </p:extLst>
-  </p:cSld>
-  <p:clrMapOvr>
-    <a:masterClrMapping/>
-  </p:clrMapOvr>
-</p:sldLayout>
-</file>
-
-<file path=ppt/slideLayouts/slideLayout4.xml><?xml version="1.0" encoding="utf-8"?>
-<p:sldLayout xmlns:a="http://schemas.openxmlformats.org/drawingml/2006/main" xmlns:r="http://schemas.openxmlformats.org/officeDocument/2006/relationships" xmlns:p="http://schemas.openxmlformats.org/presentationml/2006/main" type="twoObj" preserve="1">
-  <p:cSld name="Two Content">
-    <p:spTree>
-      <p:nvGrpSpPr>
-        <p:cNvPr id="1" name=""/>
-        <p:cNvGrpSpPr/>
-        <p:nvPr/>
-      </p:nvGrpSpPr>
-      <p:grpSpPr>
-        <a:xfrm>
-          <a:off x="0" y="0"/>
-          <a:ext cx="0" cy="0"/>
-          <a:chOff x="0" y="0"/>
-          <a:chExt cx="0" cy="0"/>
-        </a:xfrm>
-      </p:grpSpPr>
-      <p:sp>
-        <p:nvSpPr>
-          <p:cNvPr id="2" name="Title 1"/>
-          <p:cNvSpPr>
-            <a:spLocks noGrp="1"/>
-          </p:cNvSpPr>
-          <p:nvPr>
-            <p:ph type="title"/>
-          </p:nvPr>
-        </p:nvSpPr>
-        <p:spPr/>
-        <p:txBody>
-          <a:bodyPr/>
-          <a:lstStyle/>
-          <a:p>
-            <a:r>
-              <a:rPr lang="en-US" smtClean="0"/>
-              <a:t>Click to edit Master title style</a:t>
-            </a:r>
-            <a:endParaRPr lang="en-US"/>
-          </a:p>
-        </p:txBody>
-      </p:sp>
-      <p:sp>
-        <p:nvSpPr>
-          <p:cNvPr id="3" name="Content Placeholder 2"/>
-          <p:cNvSpPr>
-            <a:spLocks noGrp="1"/>
-          </p:cNvSpPr>
-          <p:nvPr>
-            <p:ph sz="half" idx="1"/>
-          </p:nvPr>
-        </p:nvSpPr>
-        <p:spPr>
-          <a:xfrm>
-            <a:off x="685800" y="1981200"/>
-            <a:ext cx="3810000" cy="4114800"/>
-          </a:xfrm>
-        </p:spPr>
-        <p:txBody>
-          <a:bodyPr/>
-          <a:lstStyle>
-            <a:lvl1pPr>
-              <a:defRPr sz="2800"/>
-            </a:lvl1pPr>
-            <a:lvl2pPr>
-              <a:defRPr sz="2400"/>
-            </a:lvl2pPr>
-            <a:lvl3pPr>
-              <a:defRPr sz="2000"/>
-            </a:lvl3pPr>
-            <a:lvl4pPr>
-              <a:defRPr sz="1800"/>
-            </a:lvl4pPr>
-            <a:lvl5pPr>
-              <a:defRPr sz="1800"/>
-            </a:lvl5pPr>
-            <a:lvl6pPr>
-              <a:defRPr sz="1800"/>
-            </a:lvl6pPr>
-            <a:lvl7pPr>
-              <a:defRPr sz="1800"/>
-            </a:lvl7pPr>
-            <a:lvl8pPr>
-              <a:defRPr sz="1800"/>
-            </a:lvl8pPr>
-            <a:lvl9pPr>
-              <a:defRPr sz="1800"/>
-            </a:lvl9pPr>
-          </a:lstStyle>
-          <a:p>
-            <a:pPr lvl="0"/>
-            <a:r>
-              <a:rPr lang="en-US" smtClean="0"/>
-              <a:t>Click to edit Master text styles</a:t>
-            </a:r>
-          </a:p>
-          <a:p>
-            <a:pPr lvl="1"/>
-            <a:r>
-              <a:rPr lang="en-US" smtClean="0"/>
-              <a:t>Second level</a:t>
-            </a:r>
-          </a:p>
-          <a:p>
-            <a:pPr lvl="2"/>
-            <a:r>
-              <a:rPr lang="en-US" smtClean="0"/>
-              <a:t>Third level</a:t>
-            </a:r>
-          </a:p>
-          <a:p>
-            <a:pPr lvl="3"/>
-            <a:r>
-              <a:rPr lang="en-US" smtClean="0"/>
-              <a:t>Fourth level</a:t>
-            </a:r>
-          </a:p>
-          <a:p>
-            <a:pPr lvl="4"/>
-            <a:r>
-              <a:rPr lang="en-US" smtClean="0"/>
-              <a:t>Fifth level</a:t>
-            </a:r>
-            <a:endParaRPr lang="en-US"/>
-          </a:p>
-        </p:txBody>
-      </p:sp>
-      <p:sp>
-        <p:nvSpPr>
-          <p:cNvPr id="4" name="Content Placeholder 3"/>
-          <p:cNvSpPr>
-            <a:spLocks noGrp="1"/>
-          </p:cNvSpPr>
-          <p:nvPr>
-            <p:ph sz="half" idx="2"/>
-          </p:nvPr>
-        </p:nvSpPr>
-        <p:spPr>
-          <a:xfrm>
-            <a:off x="4648200" y="1981200"/>
-            <a:ext cx="3810000" cy="4114800"/>
-          </a:xfrm>
-        </p:spPr>
-        <p:txBody>
-          <a:bodyPr/>
-          <a:lstStyle>
-            <a:lvl1pPr>
-              <a:defRPr sz="2800"/>
-            </a:lvl1pPr>
-            <a:lvl2pPr>
-              <a:defRPr sz="2400"/>
-            </a:lvl2pPr>
-            <a:lvl3pPr>
-              <a:defRPr sz="2000"/>
-            </a:lvl3pPr>
-            <a:lvl4pPr>
-              <a:defRPr sz="1800"/>
-            </a:lvl4pPr>
-            <a:lvl5pPr>
-              <a:defRPr sz="1800"/>
-            </a:lvl5pPr>
-            <a:lvl6pPr>
-              <a:defRPr sz="1800"/>
-            </a:lvl6pPr>
-            <a:lvl7pPr>
-              <a:defRPr sz="1800"/>
-            </a:lvl7pPr>
-            <a:lvl8pPr>
-              <a:defRPr sz="1800"/>
-            </a:lvl8pPr>
-            <a:lvl9pPr>
-              <a:defRPr sz="1800"/>
-            </a:lvl9pPr>
-          </a:lstStyle>
-          <a:p>
-            <a:pPr lvl="0"/>
-            <a:r>
-              <a:rPr lang="en-US" smtClean="0"/>
-              <a:t>Click to edit Master text styles</a:t>
-            </a:r>
-          </a:p>
-          <a:p>
-            <a:pPr lvl="1"/>
-            <a:r>
-              <a:rPr lang="en-US" smtClean="0"/>
-              <a:t>Second level</a:t>
-            </a:r>
-          </a:p>
-          <a:p>
-            <a:pPr lvl="2"/>
-            <a:r>
-              <a:rPr lang="en-US" smtClean="0"/>
-              <a:t>Third level</a:t>
-            </a:r>
-          </a:p>
-          <a:p>
-            <a:pPr lvl="3"/>
-            <a:r>
-              <a:rPr lang="en-US" smtClean="0"/>
-              <a:t>Fourth level</a:t>
-            </a:r>
-          </a:p>
-          <a:p>
-            <a:pPr lvl="4"/>
-            <a:r>
-              <a:rPr lang="en-US" smtClean="0"/>
-              <a:t>Fifth level</a:t>
-            </a:r>
-            <a:endParaRPr lang="en-US"/>
-          </a:p>
-        </p:txBody>
-      </p:sp>
-      <p:sp>
-        <p:nvSpPr>
-          <p:cNvPr id="5" name="Rectangle 4"/>
-          <p:cNvSpPr>
-            <a:spLocks noGrp="1" noChangeArrowheads="1"/>
-          </p:cNvSpPr>
-          <p:nvPr>
-            <p:ph type="dt" sz="half" idx="10"/>
-          </p:nvPr>
-        </p:nvSpPr>
-        <p:spPr>
-          <a:ln/>
-        </p:spPr>
-        <p:txBody>
-          <a:bodyPr/>
-          <a:lstStyle>
-            <a:lvl1pPr>
-              <a:defRPr/>
-            </a:lvl1pPr>
-          </a:lstStyle>
-          <a:p>
-            <a:pPr>
-              <a:defRPr/>
-            </a:pPr>
-            <a:endParaRPr lang="en-US"/>
-          </a:p>
-        </p:txBody>
-      </p:sp>
-      <p:sp>
-        <p:nvSpPr>
-          <p:cNvPr id="6" name="Rectangle 5"/>
-          <p:cNvSpPr>
-            <a:spLocks noGrp="1" noChangeArrowheads="1"/>
-          </p:cNvSpPr>
-          <p:nvPr>
-            <p:ph type="ftr" sz="quarter" idx="11"/>
-          </p:nvPr>
-        </p:nvSpPr>
-        <p:spPr>
-          <a:ln/>
-        </p:spPr>
-        <p:txBody>
-          <a:bodyPr/>
-          <a:lstStyle>
-            <a:lvl1pPr>
-              <a:defRPr/>
-            </a:lvl1pPr>
-          </a:lstStyle>
-          <a:p>
-            <a:pPr>
-              <a:defRPr/>
-            </a:pPr>
-            <a:endParaRPr lang="en-US"/>
-          </a:p>
-        </p:txBody>
-      </p:sp>
-      <p:sp>
-        <p:nvSpPr>
-          <p:cNvPr id="7" name="Rectangle 6"/>
-          <p:cNvSpPr>
-            <a:spLocks noGrp="1" noChangeArrowheads="1"/>
-          </p:cNvSpPr>
-          <p:nvPr>
-            <p:ph type="sldNum" sz="quarter" idx="12"/>
-          </p:nvPr>
-        </p:nvSpPr>
-        <p:spPr>
-          <a:ln/>
-        </p:spPr>
-        <p:txBody>
-          <a:bodyPr/>
-          <a:lstStyle>
-            <a:lvl1pPr>
-              <a:defRPr/>
-            </a:lvl1pPr>
-          </a:lstStyle>
-          <a:p>
-            <a:pPr>
-              <a:defRPr/>
-            </a:pPr>
-            <a:fld id="{3A8CBD74-E48E-2D4A-956E-6E517A9D9BFA}" type="slidenum">
-              <a:rPr lang="en-US"/>
-              <a:pPr>
-                <a:defRPr/>
-              </a:pPr>
-              <a:t>‹#›</a:t>
-            </a:fld>
-            <a:endParaRPr lang="en-US"/>
-          </a:p>
-        </p:txBody>
-      </p:sp>
-    </p:spTree>
-    <p:extLst>
-      <p:ext uri="{BB962C8B-B14F-4D97-AF65-F5344CB8AC3E}">
-        <p14:creationId xmlns:p14="http://schemas.microsoft.com/office/powerpoint/2010/main" val="2281618226"/>
-      </p:ext>
-    </p:extLst>
-  </p:cSld>
-  <p:clrMapOvr>
-    <a:masterClrMapping/>
-  </p:clrMapOvr>
-</p:sldLayout>
-</file>
-
-<file path=ppt/slideLayouts/slideLayout5.xml><?xml version="1.0" encoding="utf-8"?>
-<p:sldLayout xmlns:a="http://schemas.openxmlformats.org/drawingml/2006/main" xmlns:r="http://schemas.openxmlformats.org/officeDocument/2006/relationships" xmlns:p="http://schemas.openxmlformats.org/presentationml/2006/main" type="twoTxTwoObj" preserve="1">
-  <p:cSld name="Comparison">
-    <p:spTree>
-      <p:nvGrpSpPr>
-        <p:cNvPr id="1" name=""/>
-        <p:cNvGrpSpPr/>
-        <p:nvPr/>
-      </p:nvGrpSpPr>
-      <p:grpSpPr>
-        <a:xfrm>
-          <a:off x="0" y="0"/>
-          <a:ext cx="0" cy="0"/>
-          <a:chOff x="0" y="0"/>
-          <a:chExt cx="0" cy="0"/>
-        </a:xfrm>
-      </p:grpSpPr>
-      <p:sp>
-        <p:nvSpPr>
-          <p:cNvPr id="2" name="Title 1"/>
-          <p:cNvSpPr>
-            <a:spLocks noGrp="1"/>
-          </p:cNvSpPr>
-          <p:nvPr>
-            <p:ph type="title"/>
-          </p:nvPr>
-        </p:nvSpPr>
-        <p:spPr>
-          <a:xfrm>
-            <a:off x="457200" y="274638"/>
-            <a:ext cx="8229600" cy="1143000"/>
-          </a:xfrm>
-        </p:spPr>
-        <p:txBody>
-          <a:bodyPr/>
-          <a:lstStyle>
-            <a:lvl1pPr>
-              <a:defRPr/>
-            </a:lvl1pPr>
-          </a:lstStyle>
-          <a:p>
-            <a:r>
-              <a:rPr lang="en-US" smtClean="0"/>
-              <a:t>Click to edit Master title style</a:t>
-            </a:r>
-            <a:endParaRPr lang="en-US"/>
-          </a:p>
-        </p:txBody>
-      </p:sp>
-      <p:sp>
-        <p:nvSpPr>
-          <p:cNvPr id="3" name="Text Placeholder 2"/>
-          <p:cNvSpPr>
-            <a:spLocks noGrp="1"/>
-          </p:cNvSpPr>
-          <p:nvPr>
-            <p:ph type="body" idx="1"/>
-          </p:nvPr>
-        </p:nvSpPr>
-        <p:spPr>
-          <a:xfrm>
-            <a:off x="457200" y="1535113"/>
-            <a:ext cx="4040188" cy="639762"/>
-          </a:xfrm>
-        </p:spPr>
-        <p:txBody>
-          <a:bodyPr anchor="b"/>
-          <a:lstStyle>
-            <a:lvl1pPr marL="0" indent="0">
-              <a:buNone/>
-              <a:defRPr sz="2400" b="1"/>
-            </a:lvl1pPr>
-            <a:lvl2pPr marL="457200" indent="0">
-              <a:buNone/>
-              <a:defRPr sz="2000" b="1"/>
-            </a:lvl2pPr>
-            <a:lvl3pPr marL="914400" indent="0">
-              <a:buNone/>
-              <a:defRPr sz="1800" b="1"/>
-            </a:lvl3pPr>
-            <a:lvl4pPr marL="1371600" indent="0">
-              <a:buNone/>
-              <a:defRPr sz="1600" b="1"/>
-            </a:lvl4pPr>
-            <a:lvl5pPr marL="1828800" indent="0">
-              <a:buNone/>
-              <a:defRPr sz="1600" b="1"/>
-            </a:lvl5pPr>
-            <a:lvl6pPr marL="2286000" indent="0">
-              <a:buNone/>
-              <a:defRPr sz="1600" b="1"/>
-            </a:lvl6pPr>
-            <a:lvl7pPr marL="2743200" indent="0">
-              <a:buNone/>
-              <a:defRPr sz="1600" b="1"/>
-            </a:lvl7pPr>
-            <a:lvl8pPr marL="3200400" indent="0">
-              <a:buNone/>
-              <a:defRPr sz="1600" b="1"/>
-            </a:lvl8pPr>
-            <a:lvl9pPr marL="3657600" indent="0">
-              <a:buNone/>
-              <a:defRPr sz="1600" b="1"/>
-            </a:lvl9pPr>
-          </a:lstStyle>
-          <a:p>
-            <a:pPr lvl="0"/>
-            <a:r>
-              <a:rPr lang="en-US" smtClean="0"/>
-              <a:t>Click to edit Master text styles</a:t>
-            </a:r>
-          </a:p>
-        </p:txBody>
-      </p:sp>
-      <p:sp>
-        <p:nvSpPr>
-          <p:cNvPr id="4" name="Content Placeholder 3"/>
-          <p:cNvSpPr>
-            <a:spLocks noGrp="1"/>
-          </p:cNvSpPr>
-          <p:nvPr>
-            <p:ph sz="half" idx="2"/>
-          </p:nvPr>
-        </p:nvSpPr>
-        <p:spPr>
-          <a:xfrm>
-            <a:off x="457200" y="2174875"/>
-            <a:ext cx="4040188" cy="3951288"/>
-          </a:xfrm>
-        </p:spPr>
-        <p:txBody>
-          <a:bodyPr/>
-          <a:lstStyle>
-            <a:lvl1pPr>
-              <a:defRPr sz="2400"/>
-            </a:lvl1pPr>
-            <a:lvl2pPr>
-              <a:defRPr sz="2000"/>
-            </a:lvl2pPr>
-            <a:lvl3pPr>
-              <a:defRPr sz="1800"/>
-            </a:lvl3pPr>
-            <a:lvl4pPr>
-              <a:defRPr sz="1600"/>
-            </a:lvl4pPr>
-            <a:lvl5pPr>
-              <a:defRPr sz="1600"/>
-            </a:lvl5pPr>
-            <a:lvl6pPr>
-              <a:defRPr sz="1600"/>
-            </a:lvl6pPr>
-            <a:lvl7pPr>
-              <a:defRPr sz="1600"/>
-            </a:lvl7pPr>
-            <a:lvl8pPr>
-              <a:defRPr sz="1600"/>
-            </a:lvl8pPr>
-            <a:lvl9pPr>
-              <a:defRPr sz="1600"/>
-            </a:lvl9pPr>
-          </a:lstStyle>
-          <a:p>
-            <a:pPr lvl="0"/>
-            <a:r>
-              <a:rPr lang="en-US" smtClean="0"/>
-              <a:t>Click to edit Master text styles</a:t>
-            </a:r>
-          </a:p>
-          <a:p>
-            <a:pPr lvl="1"/>
-            <a:r>
-              <a:rPr lang="en-US" smtClean="0"/>
-              <a:t>Second level</a:t>
-            </a:r>
-          </a:p>
-          <a:p>
-            <a:pPr lvl="2"/>
-            <a:r>
-              <a:rPr lang="en-US" smtClean="0"/>
-              <a:t>Third level</a:t>
-            </a:r>
-          </a:p>
-          <a:p>
-            <a:pPr lvl="3"/>
-            <a:r>
-              <a:rPr lang="en-US" smtClean="0"/>
-              <a:t>Fourth level</a:t>
-            </a:r>
-          </a:p>
-          <a:p>
-            <a:pPr lvl="4"/>
-            <a:r>
-              <a:rPr lang="en-US" smtClean="0"/>
-              <a:t>Fifth level</a:t>
-            </a:r>
-            <a:endParaRPr lang="en-US"/>
-          </a:p>
-        </p:txBody>
-      </p:sp>
-      <p:sp>
-        <p:nvSpPr>
-          <p:cNvPr id="5" name="Text Placeholder 4"/>
-          <p:cNvSpPr>
-            <a:spLocks noGrp="1"/>
-          </p:cNvSpPr>
-          <p:nvPr>
-            <p:ph type="body" sz="quarter" idx="3"/>
-          </p:nvPr>
-        </p:nvSpPr>
-        <p:spPr>
-          <a:xfrm>
-            <a:off x="4645025" y="1535113"/>
-            <a:ext cx="4041775" cy="639762"/>
-          </a:xfrm>
-        </p:spPr>
-        <p:txBody>
-          <a:bodyPr anchor="b"/>
-          <a:lstStyle>
-            <a:lvl1pPr marL="0" indent="0">
-              <a:buNone/>
-              <a:defRPr sz="2400" b="1"/>
-            </a:lvl1pPr>
-            <a:lvl2pPr marL="457200" indent="0">
-              <a:buNone/>
-              <a:defRPr sz="2000" b="1"/>
-            </a:lvl2pPr>
-            <a:lvl3pPr marL="914400" indent="0">
-              <a:buNone/>
-              <a:defRPr sz="1800" b="1"/>
-            </a:lvl3pPr>
-            <a:lvl4pPr marL="1371600" indent="0">
-              <a:buNone/>
-              <a:defRPr sz="1600" b="1"/>
-            </a:lvl4pPr>
-            <a:lvl5pPr marL="1828800" indent="0">
-              <a:buNone/>
-              <a:defRPr sz="1600" b="1"/>
-            </a:lvl5pPr>
-            <a:lvl6pPr marL="2286000" indent="0">
-              <a:buNone/>
-              <a:defRPr sz="1600" b="1"/>
-            </a:lvl6pPr>
-            <a:lvl7pPr marL="2743200" indent="0">
-              <a:buNone/>
-              <a:defRPr sz="1600" b="1"/>
-            </a:lvl7pPr>
-            <a:lvl8pPr marL="3200400" indent="0">
-              <a:buNone/>
-              <a:defRPr sz="1600" b="1"/>
-            </a:lvl8pPr>
-            <a:lvl9pPr marL="3657600" indent="0">
-              <a:buNone/>
-              <a:defRPr sz="1600" b="1"/>
-            </a:lvl9pPr>
-          </a:lstStyle>
-          <a:p>
-            <a:pPr lvl="0"/>
-            <a:r>
-              <a:rPr lang="en-US" smtClean="0"/>
-              <a:t>Click to edit Master text styles</a:t>
-            </a:r>
-          </a:p>
-        </p:txBody>
-      </p:sp>
-      <p:sp>
-        <p:nvSpPr>
-          <p:cNvPr id="6" name="Content Placeholder 5"/>
-          <p:cNvSpPr>
-            <a:spLocks noGrp="1"/>
-          </p:cNvSpPr>
-          <p:nvPr>
-            <p:ph sz="quarter" idx="4"/>
-          </p:nvPr>
-        </p:nvSpPr>
-        <p:spPr>
-          <a:xfrm>
-            <a:off x="4645025" y="2174875"/>
-            <a:ext cx="4041775" cy="3951288"/>
-          </a:xfrm>
-        </p:spPr>
-        <p:txBody>
-          <a:bodyPr/>
-          <a:lstStyle>
-            <a:lvl1pPr>
-              <a:defRPr sz="2400"/>
-            </a:lvl1pPr>
-            <a:lvl2pPr>
-              <a:defRPr sz="2000"/>
-            </a:lvl2pPr>
-            <a:lvl3pPr>
-              <a:defRPr sz="1800"/>
-            </a:lvl3pPr>
-            <a:lvl4pPr>
-              <a:defRPr sz="1600"/>
-            </a:lvl4pPr>
-            <a:lvl5pPr>
-              <a:defRPr sz="1600"/>
-            </a:lvl5pPr>
-            <a:lvl6pPr>
-              <a:defRPr sz="1600"/>
-            </a:lvl6pPr>
-            <a:lvl7pPr>
-              <a:defRPr sz="1600"/>
-            </a:lvl7pPr>
-            <a:lvl8pPr>
-              <a:defRPr sz="1600"/>
-            </a:lvl8pPr>
-            <a:lvl9pPr>
-              <a:defRPr sz="1600"/>
-            </a:lvl9pPr>
-          </a:lstStyle>
-          <a:p>
-            <a:pPr lvl="0"/>
-            <a:r>
-              <a:rPr lang="en-US" smtClean="0"/>
-              <a:t>Click to edit Master text styles</a:t>
-            </a:r>
-          </a:p>
-          <a:p>
-            <a:pPr lvl="1"/>
-            <a:r>
-              <a:rPr lang="en-US" smtClean="0"/>
-              <a:t>Second level</a:t>
-            </a:r>
-          </a:p>
-          <a:p>
-            <a:pPr lvl="2"/>
-            <a:r>
-              <a:rPr lang="en-US" smtClean="0"/>
-              <a:t>Third level</a:t>
-            </a:r>
-          </a:p>
-          <a:p>
-            <a:pPr lvl="3"/>
-            <a:r>
-              <a:rPr lang="en-US" smtClean="0"/>
-              <a:t>Fourth level</a:t>
-            </a:r>
-          </a:p>
-          <a:p>
-            <a:pPr lvl="4"/>
-            <a:r>
-              <a:rPr lang="en-US" smtClean="0"/>
-              <a:t>Fifth level</a:t>
-            </a:r>
-            <a:endParaRPr lang="en-US"/>
-          </a:p>
-        </p:txBody>
-      </p:sp>
-      <p:sp>
-        <p:nvSpPr>
-          <p:cNvPr id="7" name="Rectangle 4"/>
-          <p:cNvSpPr>
-            <a:spLocks noGrp="1" noChangeArrowheads="1"/>
-          </p:cNvSpPr>
-          <p:nvPr>
-            <p:ph type="dt" sz="half" idx="10"/>
-          </p:nvPr>
-        </p:nvSpPr>
-        <p:spPr>
-          <a:ln/>
-        </p:spPr>
-        <p:txBody>
-          <a:bodyPr/>
-          <a:lstStyle>
-            <a:lvl1pPr>
-              <a:defRPr/>
-            </a:lvl1pPr>
-          </a:lstStyle>
-          <a:p>
-            <a:pPr>
-              <a:defRPr/>
-            </a:pPr>
-            <a:endParaRPr lang="en-US"/>
-          </a:p>
-        </p:txBody>
-      </p:sp>
-      <p:sp>
-        <p:nvSpPr>
-          <p:cNvPr id="8" name="Rectangle 5"/>
-          <p:cNvSpPr>
-            <a:spLocks noGrp="1" noChangeArrowheads="1"/>
-          </p:cNvSpPr>
-          <p:nvPr>
-            <p:ph type="ftr" sz="quarter" idx="11"/>
-          </p:nvPr>
-        </p:nvSpPr>
-        <p:spPr>
-          <a:ln/>
-        </p:spPr>
-        <p:txBody>
-          <a:bodyPr/>
-          <a:lstStyle>
-            <a:lvl1pPr>
-              <a:defRPr/>
-            </a:lvl1pPr>
-          </a:lstStyle>
-          <a:p>
-            <a:pPr>
-              <a:defRPr/>
-            </a:pPr>
-            <a:endParaRPr lang="en-US"/>
-          </a:p>
-        </p:txBody>
-      </p:sp>
-      <p:sp>
-        <p:nvSpPr>
-          <p:cNvPr id="9" name="Rectangle 6"/>
-          <p:cNvSpPr>
-            <a:spLocks noGrp="1" noChangeArrowheads="1"/>
-          </p:cNvSpPr>
-          <p:nvPr>
-            <p:ph type="sldNum" sz="quarter" idx="12"/>
-          </p:nvPr>
-        </p:nvSpPr>
-        <p:spPr>
-          <a:ln/>
-        </p:spPr>
-        <p:txBody>
-          <a:bodyPr/>
-          <a:lstStyle>
-            <a:lvl1pPr>
-              <a:defRPr/>
-            </a:lvl1pPr>
-          </a:lstStyle>
-          <a:p>
-            <a:pPr>
-              <a:defRPr/>
-            </a:pPr>
-            <a:fld id="{CAA0AD98-1756-B342-9639-9CB0855544A2}" type="slidenum">
-              <a:rPr lang="en-US"/>
-              <a:pPr>
-                <a:defRPr/>
-              </a:pPr>
-              <a:t>‹#›</a:t>
-            </a:fld>
-            <a:endParaRPr lang="en-US"/>
-          </a:p>
-        </p:txBody>
-      </p:sp>
-    </p:spTree>
-    <p:extLst>
-      <p:ext uri="{BB962C8B-B14F-4D97-AF65-F5344CB8AC3E}">
-        <p14:creationId xmlns:p14="http://schemas.microsoft.com/office/powerpoint/2010/main" val="3620714585"/>
-      </p:ext>
-    </p:extLst>
-  </p:cSld>
-  <p:clrMapOvr>
-    <a:masterClrMapping/>
-  </p:clrMapOvr>
-</p:sldLayout>
-</file>
-
-<file path=ppt/slideLayouts/slideLayout6.xml><?xml version="1.0" encoding="utf-8"?>
-<p:sldLayout xmlns:a="http://schemas.openxmlformats.org/drawingml/2006/main" xmlns:r="http://schemas.openxmlformats.org/officeDocument/2006/relationships" xmlns:p="http://schemas.openxmlformats.org/presentationml/2006/main" type="titleOnly" preserve="1">
-  <p:cSld name="Title Only">
-    <p:spTree>
-      <p:nvGrpSpPr>
-        <p:cNvPr id="1" name=""/>
-        <p:cNvGrpSpPr/>
-        <p:nvPr/>
-      </p:nvGrpSpPr>
-      <p:grpSpPr>
-        <a:xfrm>
-          <a:off x="0" y="0"/>
-          <a:ext cx="0" cy="0"/>
-          <a:chOff x="0" y="0"/>
-          <a:chExt cx="0" cy="0"/>
-        </a:xfrm>
-      </p:grpSpPr>
-      <p:sp>
-        <p:nvSpPr>
-          <p:cNvPr id="2" name="Title 1"/>
-          <p:cNvSpPr>
-            <a:spLocks noGrp="1"/>
-          </p:cNvSpPr>
-          <p:nvPr>
-            <p:ph type="title"/>
-          </p:nvPr>
-        </p:nvSpPr>
-        <p:spPr/>
-        <p:txBody>
-          <a:bodyPr/>
-          <a:lstStyle/>
-          <a:p>
-            <a:r>
-              <a:rPr lang="en-US" smtClean="0"/>
-              <a:t>Click to edit Master title style</a:t>
-            </a:r>
-            <a:endParaRPr lang="en-US"/>
-          </a:p>
-        </p:txBody>
-      </p:sp>
-      <p:sp>
-        <p:nvSpPr>
-          <p:cNvPr id="3" name="Rectangle 4"/>
-          <p:cNvSpPr>
-            <a:spLocks noGrp="1" noChangeArrowheads="1"/>
-          </p:cNvSpPr>
-          <p:nvPr>
-            <p:ph type="dt" sz="half" idx="10"/>
-          </p:nvPr>
-        </p:nvSpPr>
-        <p:spPr>
-          <a:ln/>
-        </p:spPr>
-        <p:txBody>
-          <a:bodyPr/>
-          <a:lstStyle>
-            <a:lvl1pPr>
-              <a:defRPr/>
-            </a:lvl1pPr>
-          </a:lstStyle>
-          <a:p>
-            <a:pPr>
-              <a:defRPr/>
-            </a:pPr>
-            <a:endParaRPr lang="en-US"/>
-          </a:p>
-        </p:txBody>
-      </p:sp>
-      <p:sp>
-        <p:nvSpPr>
-          <p:cNvPr id="4" name="Rectangle 5"/>
-          <p:cNvSpPr>
-            <a:spLocks noGrp="1" noChangeArrowheads="1"/>
-          </p:cNvSpPr>
-          <p:nvPr>
-            <p:ph type="ftr" sz="quarter" idx="11"/>
-          </p:nvPr>
-        </p:nvSpPr>
-        <p:spPr>
-          <a:ln/>
-        </p:spPr>
-        <p:txBody>
-          <a:bodyPr/>
-          <a:lstStyle>
-            <a:lvl1pPr>
-              <a:defRPr/>
-            </a:lvl1pPr>
-          </a:lstStyle>
-          <a:p>
-            <a:pPr>
-              <a:defRPr/>
-            </a:pPr>
-            <a:endParaRPr lang="en-US"/>
-          </a:p>
-        </p:txBody>
-      </p:sp>
-      <p:sp>
-        <p:nvSpPr>
-          <p:cNvPr id="5" name="Rectangle 6"/>
-          <p:cNvSpPr>
-            <a:spLocks noGrp="1" noChangeArrowheads="1"/>
-          </p:cNvSpPr>
-          <p:nvPr>
-            <p:ph type="sldNum" sz="quarter" idx="12"/>
-          </p:nvPr>
-        </p:nvSpPr>
-        <p:spPr>
-          <a:ln/>
-        </p:spPr>
-        <p:txBody>
-          <a:bodyPr/>
-          <a:lstStyle>
-            <a:lvl1pPr>
-              <a:defRPr/>
-            </a:lvl1pPr>
-          </a:lstStyle>
-          <a:p>
-            <a:pPr>
-              <a:defRPr/>
-            </a:pPr>
-            <a:fld id="{B987A290-4610-534B-94FA-7B90845098D7}" type="slidenum">
-              <a:rPr lang="en-US"/>
-              <a:pPr>
-                <a:defRPr/>
-              </a:pPr>
-              <a:t>‹#›</a:t>
-            </a:fld>
-            <a:endParaRPr lang="en-US"/>
-          </a:p>
-        </p:txBody>
-      </p:sp>
-    </p:spTree>
-    <p:extLst>
-      <p:ext uri="{BB962C8B-B14F-4D97-AF65-F5344CB8AC3E}">
-        <p14:creationId xmlns:p14="http://schemas.microsoft.com/office/powerpoint/2010/main" val="3905602319"/>
-      </p:ext>
-    </p:extLst>
-  </p:cSld>
-  <p:clrMapOvr>
-    <a:masterClrMapping/>
-  </p:clrMapOvr>
-</p:sldLayout>
-</file>
-
-<file path=ppt/slideLayouts/slideLayout7.xml><?xml version="1.0" encoding="utf-8"?>
-<p:sldLayout xmlns:a="http://schemas.openxmlformats.org/drawingml/2006/main" xmlns:r="http://schemas.openxmlformats.org/officeDocument/2006/relationships" xmlns:p="http://schemas.openxmlformats.org/presentationml/2006/main" type="blank" preserve="1">
-  <p:cSld name="Blank">
-    <p:spTree>
-      <p:nvGrpSpPr>
-        <p:cNvPr id="1" name=""/>
-        <p:cNvGrpSpPr/>
-        <p:nvPr/>
-      </p:nvGrpSpPr>
-      <p:grpSpPr>
-        <a:xfrm>
-          <a:off x="0" y="0"/>
-          <a:ext cx="0" cy="0"/>
-          <a:chOff x="0" y="0"/>
-          <a:chExt cx="0" cy="0"/>
-        </a:xfrm>
-      </p:grpSpPr>
-      <p:sp>
-        <p:nvSpPr>
-          <p:cNvPr id="2" name="Rectangle 4"/>
-          <p:cNvSpPr>
-            <a:spLocks noGrp="1" noChangeArrowheads="1"/>
-          </p:cNvSpPr>
-          <p:nvPr>
-            <p:ph type="dt" sz="half" idx="10"/>
-          </p:nvPr>
-        </p:nvSpPr>
-        <p:spPr>
-          <a:ln/>
-        </p:spPr>
-        <p:txBody>
-          <a:bodyPr/>
-          <a:lstStyle>
-            <a:lvl1pPr>
-              <a:defRPr/>
-            </a:lvl1pPr>
-          </a:lstStyle>
-          <a:p>
-            <a:pPr>
-              <a:defRPr/>
-            </a:pPr>
-            <a:endParaRPr lang="en-US"/>
-          </a:p>
-        </p:txBody>
-      </p:sp>
-      <p:sp>
-        <p:nvSpPr>
-          <p:cNvPr id="3" name="Rectangle 5"/>
-          <p:cNvSpPr>
-            <a:spLocks noGrp="1" noChangeArrowheads="1"/>
-          </p:cNvSpPr>
-          <p:nvPr>
-            <p:ph type="ftr" sz="quarter" idx="11"/>
-          </p:nvPr>
-        </p:nvSpPr>
-        <p:spPr>
-          <a:ln/>
-        </p:spPr>
-        <p:txBody>
-          <a:bodyPr/>
-          <a:lstStyle>
-            <a:lvl1pPr>
-              <a:defRPr/>
-            </a:lvl1pPr>
-          </a:lstStyle>
-          <a:p>
-            <a:pPr>
-              <a:defRPr/>
-            </a:pPr>
-            <a:endParaRPr lang="en-US"/>
-          </a:p>
-        </p:txBody>
-      </p:sp>
-      <p:sp>
-        <p:nvSpPr>
-          <p:cNvPr id="4" name="Rectangle 6"/>
-          <p:cNvSpPr>
-            <a:spLocks noGrp="1" noChangeArrowheads="1"/>
-          </p:cNvSpPr>
-          <p:nvPr>
-            <p:ph type="sldNum" sz="quarter" idx="12"/>
-          </p:nvPr>
-        </p:nvSpPr>
-        <p:spPr>
-          <a:ln/>
-        </p:spPr>
-        <p:txBody>
-          <a:bodyPr/>
-          <a:lstStyle>
-            <a:lvl1pPr>
-              <a:defRPr/>
-            </a:lvl1pPr>
-          </a:lstStyle>
-          <a:p>
-            <a:pPr>
-              <a:defRPr/>
-            </a:pPr>
-            <a:fld id="{BDA0A28A-9C98-0B44-95DC-43CBD0CD4044}" type="slidenum">
-              <a:rPr lang="en-US"/>
-              <a:pPr>
-                <a:defRPr/>
-              </a:pPr>
-              <a:t>‹#›</a:t>
-            </a:fld>
-            <a:endParaRPr lang="en-US"/>
-          </a:p>
-        </p:txBody>
-      </p:sp>
-    </p:spTree>
-    <p:extLst>
-      <p:ext uri="{BB962C8B-B14F-4D97-AF65-F5344CB8AC3E}">
-        <p14:creationId xmlns:p14="http://schemas.microsoft.com/office/powerpoint/2010/main" val="1713967543"/>
-      </p:ext>
-    </p:extLst>
-  </p:cSld>
-  <p:clrMapOvr>
-    <a:masterClrMapping/>
-  </p:clrMapOvr>
-</p:sldLayout>
-</file>
-
-<file path=ppt/slideLayouts/slideLayout8.xml><?xml version="1.0" encoding="utf-8"?>
-<p:sldLayout xmlns:a="http://schemas.openxmlformats.org/drawingml/2006/main" xmlns:r="http://schemas.openxmlformats.org/officeDocument/2006/relationships" xmlns:p="http://schemas.openxmlformats.org/presentationml/2006/main" type="objTx" preserve="1">
-  <p:cSld name="Content with Caption">
-    <p:spTree>
-      <p:nvGrpSpPr>
-        <p:cNvPr id="1" name=""/>
-        <p:cNvGrpSpPr/>
-        <p:nvPr/>
-      </p:nvGrpSpPr>
-      <p:grpSpPr>
-        <a:xfrm>
-          <a:off x="0" y="0"/>
-          <a:ext cx="0" cy="0"/>
-          <a:chOff x="0" y="0"/>
-          <a:chExt cx="0" cy="0"/>
-        </a:xfrm>
-      </p:grpSpPr>
-      <p:sp>
-        <p:nvSpPr>
-          <p:cNvPr id="2" name="Title 1"/>
-          <p:cNvSpPr>
-            <a:spLocks noGrp="1"/>
-          </p:cNvSpPr>
-          <p:nvPr>
-            <p:ph type="title"/>
-          </p:nvPr>
-        </p:nvSpPr>
-        <p:spPr>
-          <a:xfrm>
-            <a:off x="457200" y="273050"/>
-            <a:ext cx="3008313" cy="1162050"/>
-          </a:xfrm>
-        </p:spPr>
-        <p:txBody>
-          <a:bodyPr anchor="b"/>
-          <a:lstStyle>
-            <a:lvl1pPr algn="l">
-              <a:defRPr sz="2000" b="1"/>
-            </a:lvl1pPr>
-          </a:lstStyle>
-          <a:p>
-            <a:r>
-              <a:rPr lang="en-US" smtClean="0"/>
-              <a:t>Click to edit Master title style</a:t>
-            </a:r>
-            <a:endParaRPr lang="en-US"/>
-          </a:p>
-        </p:txBody>
-      </p:sp>
-      <p:sp>
-        <p:nvSpPr>
-          <p:cNvPr id="3" name="Content Placeholder 2"/>
-          <p:cNvSpPr>
-            <a:spLocks noGrp="1"/>
-          </p:cNvSpPr>
-          <p:nvPr>
-            <p:ph idx="1"/>
-          </p:nvPr>
-        </p:nvSpPr>
-        <p:spPr>
-          <a:xfrm>
-            <a:off x="3575050" y="273050"/>
-            <a:ext cx="5111750" cy="5853113"/>
-          </a:xfrm>
-        </p:spPr>
-        <p:txBody>
-          <a:bodyPr/>
-          <a:lstStyle>
-            <a:lvl1pPr>
-              <a:defRPr sz="3200"/>
-            </a:lvl1pPr>
-            <a:lvl2pPr>
-              <a:defRPr sz="2800"/>
-            </a:lvl2pPr>
-            <a:lvl3pPr>
-              <a:defRPr sz="2400"/>
-            </a:lvl3pPr>
-            <a:lvl4pPr>
-              <a:defRPr sz="2000"/>
-            </a:lvl4pPr>
-            <a:lvl5pPr>
-              <a:defRPr sz="2000"/>
-            </a:lvl5pPr>
-            <a:lvl6pPr>
-              <a:defRPr sz="2000"/>
-            </a:lvl6pPr>
-            <a:lvl7pPr>
-              <a:defRPr sz="2000"/>
-            </a:lvl7pPr>
-            <a:lvl8pPr>
-              <a:defRPr sz="2000"/>
-            </a:lvl8pPr>
-            <a:lvl9pPr>
-              <a:defRPr sz="2000"/>
-            </a:lvl9pPr>
-          </a:lstStyle>
-          <a:p>
-            <a:pPr lvl="0"/>
-            <a:r>
-              <a:rPr lang="en-US" smtClean="0"/>
-              <a:t>Click to edit Master text styles</a:t>
-            </a:r>
-          </a:p>
-          <a:p>
-            <a:pPr lvl="1"/>
-            <a:r>
-              <a:rPr lang="en-US" smtClean="0"/>
-              <a:t>Second level</a:t>
-            </a:r>
-          </a:p>
-          <a:p>
-            <a:pPr lvl="2"/>
-            <a:r>
-              <a:rPr lang="en-US" smtClean="0"/>
-              <a:t>Third level</a:t>
-            </a:r>
-          </a:p>
-          <a:p>
-            <a:pPr lvl="3"/>
-            <a:r>
-              <a:rPr lang="en-US" smtClean="0"/>
-              <a:t>Fourth level</a:t>
-            </a:r>
-          </a:p>
-          <a:p>
-            <a:pPr lvl="4"/>
-            <a:r>
-              <a:rPr lang="en-US" smtClean="0"/>
-              <a:t>Fifth level</a:t>
-            </a:r>
-            <a:endParaRPr lang="en-US"/>
-          </a:p>
-        </p:txBody>
-      </p:sp>
-      <p:sp>
-        <p:nvSpPr>
-          <p:cNvPr id="4" name="Text Placeholder 3"/>
-          <p:cNvSpPr>
-            <a:spLocks noGrp="1"/>
-          </p:cNvSpPr>
-          <p:nvPr>
-            <p:ph type="body" sz="half" idx="2"/>
-          </p:nvPr>
-        </p:nvSpPr>
-        <p:spPr>
-          <a:xfrm>
-            <a:off x="457200" y="1435100"/>
-            <a:ext cx="3008313" cy="4691063"/>
-          </a:xfrm>
-        </p:spPr>
-        <p:txBody>
-          <a:bodyPr/>
-          <a:lstStyle>
-            <a:lvl1pPr marL="0" indent="0">
-              <a:buNone/>
-              <a:defRPr sz="1400"/>
-            </a:lvl1pPr>
-            <a:lvl2pPr marL="457200" indent="0">
-              <a:buNone/>
-              <a:defRPr sz="1200"/>
-            </a:lvl2pPr>
-            <a:lvl3pPr marL="914400" indent="0">
-              <a:buNone/>
-              <a:defRPr sz="1000"/>
-            </a:lvl3pPr>
-            <a:lvl4pPr marL="1371600" indent="0">
-              <a:buNone/>
-              <a:defRPr sz="900"/>
-            </a:lvl4pPr>
-            <a:lvl5pPr marL="1828800" indent="0">
-              <a:buNone/>
-              <a:defRPr sz="900"/>
-            </a:lvl5pPr>
-            <a:lvl6pPr marL="2286000" indent="0">
-              <a:buNone/>
-              <a:defRPr sz="900"/>
-            </a:lvl6pPr>
-            <a:lvl7pPr marL="2743200" indent="0">
-              <a:buNone/>
-              <a:defRPr sz="900"/>
-            </a:lvl7pPr>
-            <a:lvl8pPr marL="3200400" indent="0">
-              <a:buNone/>
-              <a:defRPr sz="900"/>
-            </a:lvl8pPr>
-            <a:lvl9pPr marL="3657600" indent="0">
-              <a:buNone/>
-              <a:defRPr sz="900"/>
-            </a:lvl9pPr>
-          </a:lstStyle>
-          <a:p>
-            <a:pPr lvl="0"/>
-            <a:r>
-              <a:rPr lang="en-US" smtClean="0"/>
-              <a:t>Click to edit Master text styles</a:t>
-            </a:r>
-          </a:p>
-        </p:txBody>
-      </p:sp>
-      <p:sp>
-        <p:nvSpPr>
-          <p:cNvPr id="5" name="Rectangle 4"/>
-          <p:cNvSpPr>
-            <a:spLocks noGrp="1" noChangeArrowheads="1"/>
-          </p:cNvSpPr>
-          <p:nvPr>
-            <p:ph type="dt" sz="half" idx="10"/>
-          </p:nvPr>
-        </p:nvSpPr>
-        <p:spPr>
-          <a:ln/>
-        </p:spPr>
-        <p:txBody>
-          <a:bodyPr/>
-          <a:lstStyle>
-            <a:lvl1pPr>
-              <a:defRPr/>
-            </a:lvl1pPr>
-          </a:lstStyle>
-          <a:p>
-            <a:pPr>
-              <a:defRPr/>
-            </a:pPr>
-            <a:endParaRPr lang="en-US"/>
-          </a:p>
-        </p:txBody>
-      </p:sp>
-      <p:sp>
-        <p:nvSpPr>
-          <p:cNvPr id="6" name="Rectangle 5"/>
-          <p:cNvSpPr>
-            <a:spLocks noGrp="1" noChangeArrowheads="1"/>
-          </p:cNvSpPr>
-          <p:nvPr>
-            <p:ph type="ftr" sz="quarter" idx="11"/>
-          </p:nvPr>
-        </p:nvSpPr>
-        <p:spPr>
-          <a:ln/>
-        </p:spPr>
-        <p:txBody>
-          <a:bodyPr/>
-          <a:lstStyle>
-            <a:lvl1pPr>
-              <a:defRPr/>
-            </a:lvl1pPr>
-          </a:lstStyle>
-          <a:p>
-            <a:pPr>
-              <a:defRPr/>
-            </a:pPr>
-            <a:endParaRPr lang="en-US"/>
-          </a:p>
-        </p:txBody>
-      </p:sp>
-      <p:sp>
-        <p:nvSpPr>
-          <p:cNvPr id="7" name="Rectangle 6"/>
-          <p:cNvSpPr>
-            <a:spLocks noGrp="1" noChangeArrowheads="1"/>
-          </p:cNvSpPr>
-          <p:nvPr>
-            <p:ph type="sldNum" sz="quarter" idx="12"/>
-          </p:nvPr>
-        </p:nvSpPr>
-        <p:spPr>
-          <a:ln/>
-        </p:spPr>
-        <p:txBody>
-          <a:bodyPr/>
-          <a:lstStyle>
-            <a:lvl1pPr>
-              <a:defRPr/>
-            </a:lvl1pPr>
-          </a:lstStyle>
-          <a:p>
-            <a:pPr>
-              <a:defRPr/>
-            </a:pPr>
-            <a:fld id="{090A2D9C-555E-A641-8875-CF389D2D13B0}" type="slidenum">
-              <a:rPr lang="en-US"/>
-              <a:pPr>
-                <a:defRPr/>
-              </a:pPr>
-              <a:t>‹#›</a:t>
-            </a:fld>
-            <a:endParaRPr lang="en-US"/>
-          </a:p>
-        </p:txBody>
-      </p:sp>
-    </p:spTree>
-    <p:extLst>
-      <p:ext uri="{BB962C8B-B14F-4D97-AF65-F5344CB8AC3E}">
-        <p14:creationId xmlns:p14="http://schemas.microsoft.com/office/powerpoint/2010/main" val="3800724740"/>
-      </p:ext>
-    </p:extLst>
-  </p:cSld>
-  <p:clrMapOvr>
-    <a:masterClrMapping/>
-  </p:clrMapOvr>
-</p:sldLayout>
-</file>
-
-<file path=ppt/slideLayouts/slideLayout9.xml><?xml version="1.0" encoding="utf-8"?>
-<p:sldLayout xmlns:a="http://schemas.openxmlformats.org/drawingml/2006/main" xmlns:r="http://schemas.openxmlformats.org/officeDocument/2006/relationships" xmlns:p="http://schemas.openxmlformats.org/presentationml/2006/main" type="picTx" preserve="1">
-  <p:cSld name="Picture with Caption">
-    <p:spTree>
-      <p:nvGrpSpPr>
-        <p:cNvPr id="1" name=""/>
-        <p:cNvGrpSpPr/>
-        <p:nvPr/>
-      </p:nvGrpSpPr>
-      <p:grpSpPr>
-        <a:xfrm>
-          <a:off x="0" y="0"/>
-          <a:ext cx="0" cy="0"/>
-          <a:chOff x="0" y="0"/>
-          <a:chExt cx="0" cy="0"/>
-        </a:xfrm>
-      </p:grpSpPr>
-      <p:sp>
-        <p:nvSpPr>
-          <p:cNvPr id="2" name="Title 1"/>
-          <p:cNvSpPr>
-            <a:spLocks noGrp="1"/>
-          </p:cNvSpPr>
-          <p:nvPr>
-            <p:ph type="title"/>
-          </p:nvPr>
-        </p:nvSpPr>
-        <p:spPr>
-          <a:xfrm>
-            <a:off x="1792288" y="4800600"/>
-            <a:ext cx="5486400" cy="566738"/>
-          </a:xfrm>
-        </p:spPr>
-        <p:txBody>
-          <a:bodyPr anchor="b"/>
-          <a:lstStyle>
-            <a:lvl1pPr algn="l">
-              <a:defRPr sz="2000" b="1"/>
-            </a:lvl1pPr>
-          </a:lstStyle>
-          <a:p>
-            <a:r>
-              <a:rPr lang="en-US" smtClean="0"/>
-              <a:t>Click to edit Master title style</a:t>
-            </a:r>
-            <a:endParaRPr lang="en-US"/>
-          </a:p>
-        </p:txBody>
-      </p:sp>
-      <p:sp>
-        <p:nvSpPr>
-          <p:cNvPr id="3" name="Picture Placeholder 2"/>
-          <p:cNvSpPr>
-            <a:spLocks noGrp="1"/>
-          </p:cNvSpPr>
-          <p:nvPr>
-            <p:ph type="pic" idx="1"/>
-          </p:nvPr>
-        </p:nvSpPr>
-        <p:spPr>
-          <a:xfrm>
-            <a:off x="1792288" y="612775"/>
-            <a:ext cx="5486400" cy="4114800"/>
-          </a:xfrm>
-        </p:spPr>
-        <p:txBody>
-          <a:bodyPr/>
-          <a:lstStyle>
-            <a:lvl1pPr marL="0" indent="0">
-              <a:buNone/>
-              <a:defRPr sz="3200"/>
-            </a:lvl1pPr>
-            <a:lvl2pPr marL="457200" indent="0">
-              <a:buNone/>
-              <a:defRPr sz="2800"/>
-            </a:lvl2pPr>
-            <a:lvl3pPr marL="914400" indent="0">
-              <a:buNone/>
-              <a:defRPr sz="2400"/>
-            </a:lvl3pPr>
-            <a:lvl4pPr marL="1371600" indent="0">
-              <a:buNone/>
-              <a:defRPr sz="2000"/>
-            </a:lvl4pPr>
-            <a:lvl5pPr marL="1828800" indent="0">
-              <a:buNone/>
-              <a:defRPr sz="2000"/>
-            </a:lvl5pPr>
-            <a:lvl6pPr marL="2286000" indent="0">
-              <a:buNone/>
-              <a:defRPr sz="2000"/>
-            </a:lvl6pPr>
-            <a:lvl7pPr marL="2743200" indent="0">
-              <a:buNone/>
-              <a:defRPr sz="2000"/>
-            </a:lvl7pPr>
-            <a:lvl8pPr marL="3200400" indent="0">
-              <a:buNone/>
-              <a:defRPr sz="2000"/>
-            </a:lvl8pPr>
-            <a:lvl9pPr marL="3657600" indent="0">
-              <a:buNone/>
-              <a:defRPr sz="2000"/>
-            </a:lvl9pPr>
-          </a:lstStyle>
-          <a:p>
-            <a:pPr lvl="0"/>
-            <a:r>
-              <a:rPr lang="en-US" noProof="0" smtClean="0"/>
-              <a:t>Drag picture to placeholder or click icon to add</a:t>
-            </a:r>
-            <a:endParaRPr lang="en-US" noProof="0" smtClean="0"/>
-          </a:p>
-        </p:txBody>
-      </p:sp>
-      <p:sp>
-        <p:nvSpPr>
-          <p:cNvPr id="4" name="Text Placeholder 3"/>
-          <p:cNvSpPr>
-            <a:spLocks noGrp="1"/>
-          </p:cNvSpPr>
-          <p:nvPr>
-            <p:ph type="body" sz="half" idx="2"/>
-          </p:nvPr>
-        </p:nvSpPr>
-        <p:spPr>
-          <a:xfrm>
-            <a:off x="1792288" y="5367338"/>
-            <a:ext cx="5486400" cy="804862"/>
-          </a:xfrm>
-        </p:spPr>
-        <p:txBody>
-          <a:bodyPr/>
-          <a:lstStyle>
-            <a:lvl1pPr marL="0" indent="0">
-              <a:buNone/>
-              <a:defRPr sz="1400"/>
-            </a:lvl1pPr>
-            <a:lvl2pPr marL="457200" indent="0">
-              <a:buNone/>
-              <a:defRPr sz="1200"/>
-            </a:lvl2pPr>
-            <a:lvl3pPr marL="914400" indent="0">
-              <a:buNone/>
-              <a:defRPr sz="1000"/>
-            </a:lvl3pPr>
-            <a:lvl4pPr marL="1371600" indent="0">
-              <a:buNone/>
-              <a:defRPr sz="900"/>
-            </a:lvl4pPr>
-            <a:lvl5pPr marL="1828800" indent="0">
-              <a:buNone/>
-              <a:defRPr sz="900"/>
-            </a:lvl5pPr>
-            <a:lvl6pPr marL="2286000" indent="0">
-              <a:buNone/>
-              <a:defRPr sz="900"/>
-            </a:lvl6pPr>
-            <a:lvl7pPr marL="2743200" indent="0">
-              <a:buNone/>
-              <a:defRPr sz="900"/>
-            </a:lvl7pPr>
-            <a:lvl8pPr marL="3200400" indent="0">
-              <a:buNone/>
-              <a:defRPr sz="900"/>
-            </a:lvl8pPr>
-            <a:lvl9pPr marL="3657600" indent="0">
-              <a:buNone/>
-              <a:defRPr sz="900"/>
-            </a:lvl9pPr>
-          </a:lstStyle>
-          <a:p>
-            <a:pPr lvl="0"/>
-            <a:r>
-              <a:rPr lang="en-US" smtClean="0"/>
               <a:t>Click to edit Master text styles</a:t>
             </a:r>
           </a:p>
@@ -11788,14 +9125,14 @@
           </a:ln>
           <a:extLst>
             <a:ext uri="{909E8E84-426E-40dd-AFC4-6F175D3DCCD1}">
-              <a14:hiddenFill xmlns:a14="http://schemas.microsoft.com/office/drawing/2010/main">
+              <a14:hiddenFill xmlns:a14="http://schemas.microsoft.com/office/drawing/2010/main" xmlns="">
                 <a:solidFill>
                   <a:srgbClr val="FFFFFF"/>
                 </a:solidFill>
               </a14:hiddenFill>
             </a:ext>
             <a:ext uri="{91240B29-F687-4f45-9708-019B960494DF}">
-              <a14:hiddenLine xmlns:a14="http://schemas.microsoft.com/office/drawing/2010/main" w="9525">
+              <a14:hiddenLine xmlns:a14="http://schemas.microsoft.com/office/drawing/2010/main" xmlns="" w="9525">
                 <a:solidFill>
                   <a:srgbClr val="000000"/>
                 </a:solidFill>
@@ -11805,7 +9142,7 @@
               </a14:hiddenLine>
             </a:ext>
             <a:ext uri="{FAA26D3D-D897-4be2-8F04-BA451C77F1D7}">
-              <ma14:placeholderFlag xmlns:ma14="http://schemas.microsoft.com/office/mac/drawingml/2011/main" val="1"/>
+              <ma14:placeholderFlag xmlns:ma14="http://schemas.microsoft.com/office/mac/drawingml/2011/main" xmlns="" val="1"/>
             </a:ext>
           </a:extLst>
         </p:spPr>
@@ -11819,10 +9156,9 @@
           <a:p>
             <a:pPr lvl="0"/>
             <a:r>
-              <a:rPr lang="en-US" smtClean="0"/>
+              <a:rPr lang="en-US"/>
               <a:t>Click to edit Master title style</a:t>
             </a:r>
-            <a:endParaRPr lang="en-US"/>
           </a:p>
         </p:txBody>
       </p:sp>
@@ -11850,14 +9186,14 @@
           </a:ln>
           <a:extLst>
             <a:ext uri="{909E8E84-426E-40dd-AFC4-6F175D3DCCD1}">
-              <a14:hiddenFill xmlns:a14="http://schemas.microsoft.com/office/drawing/2010/main">
+              <a14:hiddenFill xmlns:a14="http://schemas.microsoft.com/office/drawing/2010/main" xmlns="">
                 <a:solidFill>
                   <a:srgbClr val="FFFFFF"/>
                 </a:solidFill>
               </a14:hiddenFill>
             </a:ext>
             <a:ext uri="{91240B29-F687-4f45-9708-019B960494DF}">
-              <a14:hiddenLine xmlns:a14="http://schemas.microsoft.com/office/drawing/2010/main" w="9525">
+              <a14:hiddenLine xmlns:a14="http://schemas.microsoft.com/office/drawing/2010/main" xmlns="" w="9525">
                 <a:solidFill>
                   <a:srgbClr val="000000"/>
                 </a:solidFill>
@@ -11867,7 +9203,7 @@
               </a14:hiddenLine>
             </a:ext>
             <a:ext uri="{FAA26D3D-D897-4be2-8F04-BA451C77F1D7}">
-              <ma14:placeholderFlag xmlns:ma14="http://schemas.microsoft.com/office/mac/drawingml/2011/main" val="1"/>
+              <ma14:placeholderFlag xmlns:ma14="http://schemas.microsoft.com/office/mac/drawingml/2011/main" xmlns="" val="1"/>
             </a:ext>
           </a:extLst>
         </p:spPr>
@@ -11881,38 +9217,37 @@
           <a:p>
             <a:pPr lvl="0"/>
             <a:r>
-              <a:rPr lang="en-US" smtClean="0"/>
+              <a:rPr lang="en-US"/>
               <a:t>Click to edit Master text styles</a:t>
             </a:r>
           </a:p>
           <a:p>
             <a:pPr lvl="1"/>
             <a:r>
-              <a:rPr lang="en-US" smtClean="0"/>
+              <a:rPr lang="en-US"/>
               <a:t>Second level</a:t>
             </a:r>
           </a:p>
           <a:p>
             <a:pPr lvl="2"/>
             <a:r>
-              <a:rPr lang="en-US" smtClean="0"/>
+              <a:rPr lang="en-US"/>
               <a:t>Third level</a:t>
             </a:r>
           </a:p>
           <a:p>
             <a:pPr lvl="3"/>
             <a:r>
-              <a:rPr lang="en-US" smtClean="0"/>
+              <a:rPr lang="en-US"/>
               <a:t>Fourth level</a:t>
             </a:r>
           </a:p>
           <a:p>
             <a:pPr lvl="4"/>
             <a:r>
-              <a:rPr lang="en-US" smtClean="0"/>
+              <a:rPr lang="en-US"/>
               <a:t>Fifth level</a:t>
             </a:r>
-            <a:endParaRPr lang="en-US"/>
           </a:p>
         </p:txBody>
       </p:sp>
@@ -12473,17 +9808,9 @@
 </p:sldMaster>
 </file>
 
-<file path=ppt/slideMasters/slideMaster2.xml><?xml version="1.0" encoding="utf-8"?>
-<p:sldMaster xmlns:a="http://schemas.openxmlformats.org/drawingml/2006/main" xmlns:r="http://schemas.openxmlformats.org/officeDocument/2006/relationships" xmlns:p="http://schemas.openxmlformats.org/presentationml/2006/main">
+<file path=ppt/slides/slide1.xml><?xml version="1.0" encoding="utf-8"?>
+<p:sld xmlns:a="http://schemas.openxmlformats.org/drawingml/2006/main" xmlns:r="http://schemas.openxmlformats.org/officeDocument/2006/relationships" xmlns:p="http://schemas.openxmlformats.org/presentationml/2006/main">
   <p:cSld>
-    <p:bg>
-      <p:bgPr>
-        <a:solidFill>
-          <a:schemeClr val="bg1"/>
-        </a:solidFill>
-        <a:effectLst/>
-      </p:bgPr>
-    </p:bg>
     <p:spTree>
       <p:nvGrpSpPr>
         <p:cNvPr id="1" name=""/>
@@ -12500,338 +9827,173 @@
       </p:grpSpPr>
       <p:sp>
         <p:nvSpPr>
-          <p:cNvPr id="1026" name="Rectangle 7"/>
-          <p:cNvSpPr>
-            <a:spLocks noGrp="1" noChangeArrowheads="1"/>
-          </p:cNvSpPr>
-          <p:nvPr>
-            <p:ph type="title"/>
-          </p:nvPr>
+          <p:cNvPr id="4" name="TextBox 3">
+            <a:extLst>
+              <a:ext uri="{FF2B5EF4-FFF2-40B4-BE49-F238E27FC236}">
+                <a16:creationId xmlns:a16="http://schemas.microsoft.com/office/drawing/2014/main" id="{CE7D5606-C3FA-F641-8415-5B3F4150250B}"/>
+              </a:ext>
+            </a:extLst>
+          </p:cNvPr>
+          <p:cNvSpPr txBox="1"/>
+          <p:nvPr/>
         </p:nvSpPr>
-        <p:spPr bwMode="auto">
+        <p:spPr>
           <a:xfrm>
-            <a:off x="182563" y="182563"/>
-            <a:ext cx="8775700" cy="822325"/>
+            <a:off x="3432517" y="2335237"/>
+            <a:ext cx="1786597" cy="830997"/>
           </a:xfrm>
           <a:prstGeom prst="rect">
             <a:avLst/>
           </a:prstGeom>
           <a:noFill/>
-          <a:ln>
-            <a:noFill/>
-          </a:ln>
-          <a:extLst>
-            <a:ext uri="{909E8E84-426E-40dd-AFC4-6F175D3DCCD1}">
-              <a14:hiddenFill xmlns:a14="http://schemas.microsoft.com/office/drawing/2010/main">
-                <a:solidFill>
-                  <a:srgbClr val="FFFFFF"/>
-                </a:solidFill>
-              </a14:hiddenFill>
-            </a:ext>
-            <a:ext uri="{91240B29-F687-4f45-9708-019B960494DF}">
-              <a14:hiddenLine xmlns:a14="http://schemas.microsoft.com/office/drawing/2010/main" w="9525">
-                <a:solidFill>
-                  <a:srgbClr val="000000"/>
-                </a:solidFill>
-                <a:miter lim="800000"/>
-                <a:headEnd/>
-                <a:tailEnd/>
-              </a14:hiddenLine>
-            </a:ext>
-            <a:ext uri="{FAA26D3D-D897-4be2-8F04-BA451C77F1D7}">
-              <ma14:placeholderFlag xmlns:ma14="http://schemas.microsoft.com/office/mac/drawingml/2011/main" val="1"/>
-            </a:ext>
-          </a:extLst>
         </p:spPr>
         <p:txBody>
-          <a:bodyPr vert="horz" wrap="square" lIns="0" tIns="0" rIns="0" bIns="0" numCol="1" anchor="t" anchorCtr="0" compatLnSpc="1">
+          <a:bodyPr wrap="square" rtlCol="0">
+            <a:spAutoFit/>
+          </a:bodyPr>
+          <a:lstStyle/>
+          <a:p>
+            <a:pPr algn="ctr"/>
+            <a:r>
+              <a:rPr lang="en-US" dirty="0"/>
+              <a:t>Data exploration</a:t>
+            </a:r>
+          </a:p>
+        </p:txBody>
+      </p:sp>
+      <p:sp>
+        <p:nvSpPr>
+          <p:cNvPr id="5" name="Rectangle 4">
+            <a:extLst>
+              <a:ext uri="{FF2B5EF4-FFF2-40B4-BE49-F238E27FC236}">
+                <a16:creationId xmlns:a16="http://schemas.microsoft.com/office/drawing/2014/main" id="{11E77D2B-AC4D-304F-9957-550564D0C707}"/>
+              </a:ext>
+            </a:extLst>
+          </p:cNvPr>
+          <p:cNvSpPr/>
+          <p:nvPr/>
+        </p:nvSpPr>
+        <p:spPr bwMode="auto">
+          <a:xfrm>
+            <a:off x="1012876" y="2504049"/>
+            <a:ext cx="1786596" cy="534573"/>
+          </a:xfrm>
+          <a:prstGeom prst="rect">
+            <a:avLst/>
+          </a:prstGeom>
+          <a:solidFill>
+            <a:schemeClr val="accent1"/>
+          </a:solidFill>
+          <a:ln w="9525" cap="flat" cmpd="sng" algn="ctr">
+            <a:solidFill>
+              <a:schemeClr val="tx1"/>
+            </a:solidFill>
+            <a:prstDash val="solid"/>
+            <a:round/>
+            <a:headEnd type="none" w="med" len="med"/>
+            <a:tailEnd type="none" w="med" len="med"/>
+          </a:ln>
+          <a:effectLst/>
+        </p:spPr>
+        <p:txBody>
+          <a:bodyPr vert="horz" wrap="square" lIns="91440" tIns="45720" rIns="91440" bIns="45720" numCol="1" rtlCol="0" anchor="t" anchorCtr="0" compatLnSpc="1">
             <a:prstTxWarp prst="textNoShape">
               <a:avLst/>
             </a:prstTxWarp>
           </a:bodyPr>
           <a:lstStyle/>
           <a:p>
-            <a:pPr lvl="0"/>
-            <a:r>
-              <a:rPr lang="en-US"/>
-              <a:t>Click to edit Master title style</a:t>
-            </a:r>
-          </a:p>
-        </p:txBody>
-      </p:sp>
-      <p:sp>
-        <p:nvSpPr>
-          <p:cNvPr id="1027" name="Rectangle 8"/>
-          <p:cNvSpPr>
-            <a:spLocks noGrp="1" noChangeArrowheads="1"/>
-          </p:cNvSpPr>
-          <p:nvPr>
-            <p:ph type="body" idx="1"/>
-          </p:nvPr>
-        </p:nvSpPr>
-        <p:spPr bwMode="auto">
-          <a:xfrm>
-            <a:off x="144463" y="1279525"/>
-            <a:ext cx="8775700" cy="5073650"/>
-          </a:xfrm>
-          <a:prstGeom prst="rect">
-            <a:avLst/>
-          </a:prstGeom>
-          <a:noFill/>
-          <a:ln>
-            <a:noFill/>
-          </a:ln>
-          <a:extLst>
-            <a:ext uri="{909E8E84-426E-40dd-AFC4-6F175D3DCCD1}">
-              <a14:hiddenFill xmlns:a14="http://schemas.microsoft.com/office/drawing/2010/main">
-                <a:solidFill>
-                  <a:srgbClr val="FFFFFF"/>
-                </a:solidFill>
-              </a14:hiddenFill>
-            </a:ext>
-            <a:ext uri="{91240B29-F687-4f45-9708-019B960494DF}">
-              <a14:hiddenLine xmlns:a14="http://schemas.microsoft.com/office/drawing/2010/main" w="9525">
-                <a:solidFill>
-                  <a:srgbClr val="000000"/>
-                </a:solidFill>
-                <a:miter lim="800000"/>
-                <a:headEnd/>
-                <a:tailEnd/>
-              </a14:hiddenLine>
-            </a:ext>
-            <a:ext uri="{FAA26D3D-D897-4be2-8F04-BA451C77F1D7}">
-              <ma14:placeholderFlag xmlns:ma14="http://schemas.microsoft.com/office/mac/drawingml/2011/main" val="1"/>
-            </a:ext>
-          </a:extLst>
-        </p:spPr>
-        <p:txBody>
-          <a:bodyPr vert="horz" wrap="square" lIns="0" tIns="0" rIns="137160" bIns="0" numCol="1" anchor="t" anchorCtr="0" compatLnSpc="1">
-            <a:prstTxWarp prst="textNoShape">
-              <a:avLst/>
-            </a:prstTxWarp>
-          </a:bodyPr>
-          <a:lstStyle/>
-          <a:p>
-            <a:pPr lvl="0"/>
-            <a:r>
-              <a:rPr lang="en-US"/>
-              <a:t>Click to edit Master text styles</a:t>
-            </a:r>
-          </a:p>
-          <a:p>
-            <a:pPr lvl="1"/>
-            <a:r>
-              <a:rPr lang="en-US"/>
-              <a:t>Second level</a:t>
-            </a:r>
-          </a:p>
-          <a:p>
-            <a:pPr lvl="2"/>
-            <a:r>
-              <a:rPr lang="en-US"/>
-              <a:t>Third level</a:t>
-            </a:r>
-          </a:p>
-          <a:p>
-            <a:pPr lvl="3"/>
-            <a:r>
-              <a:rPr lang="en-US"/>
-              <a:t>Fourth level</a:t>
-            </a:r>
-          </a:p>
-          <a:p>
-            <a:pPr lvl="4"/>
-            <a:r>
-              <a:rPr lang="en-US"/>
-              <a:t>Fifth level</a:t>
-            </a:r>
-          </a:p>
-        </p:txBody>
-      </p:sp>
-      <p:sp>
-        <p:nvSpPr>
-          <p:cNvPr id="8" name="Text Box 14"/>
-          <p:cNvSpPr txBox="1">
-            <a:spLocks noChangeArrowheads="1"/>
-          </p:cNvSpPr>
-          <p:nvPr/>
-        </p:nvSpPr>
-        <p:spPr bwMode="auto">
-          <a:xfrm>
-            <a:off x="0" y="6592888"/>
-            <a:ext cx="6880225" cy="200025"/>
-          </a:xfrm>
-          <a:prstGeom prst="rect">
-            <a:avLst/>
-          </a:prstGeom>
-          <a:noFill/>
-          <a:ln>
-            <a:noFill/>
-          </a:ln>
-          <a:extLst>
-            <a:ext uri="{909E8E84-426E-40dd-AFC4-6F175D3DCCD1}">
-              <a14:hiddenFill xmlns:a14="http://schemas.microsoft.com/office/drawing/2010/main">
-                <a:gradFill rotWithShape="0">
-                  <a:gsLst>
-                    <a:gs pos="0">
-                      <a:srgbClr val="6CAA3C"/>
-                    </a:gs>
-                    <a:gs pos="100000">
-                      <a:srgbClr val="5EBDBE"/>
-                    </a:gs>
-                  </a:gsLst>
-                  <a:lin ang="0" scaled="1"/>
-                </a:gradFill>
-              </a14:hiddenFill>
-            </a:ext>
-            <a:ext uri="{91240B29-F687-4f45-9708-019B960494DF}">
-              <a14:hiddenLine xmlns:a14="http://schemas.microsoft.com/office/drawing/2010/main" w="9525">
-                <a:solidFill>
-                  <a:srgbClr val="000000"/>
-                </a:solidFill>
-                <a:miter lim="800000"/>
-                <a:headEnd/>
-                <a:tailEnd/>
-              </a14:hiddenLine>
-            </a:ext>
-          </a:extLst>
-        </p:spPr>
-        <p:txBody>
-          <a:bodyPr lIns="0" tIns="0" rIns="0" bIns="0" anchor="ctr"/>
-          <a:lstStyle>
-            <a:lvl1pPr eaLnBrk="0" hangingPunct="0">
-              <a:defRPr sz="2400">
-                <a:solidFill>
-                  <a:schemeClr val="tx1"/>
-                </a:solidFill>
-                <a:latin typeface="Arial" charset="0"/>
-                <a:ea typeface="ＭＳ Ｐゴシック" charset="0"/>
-                <a:cs typeface="Arial" charset="0"/>
-              </a:defRPr>
-            </a:lvl1pPr>
-            <a:lvl2pPr marL="742950" indent="-285750" eaLnBrk="0" hangingPunct="0">
-              <a:defRPr sz="2400">
-                <a:solidFill>
-                  <a:schemeClr val="tx1"/>
-                </a:solidFill>
-                <a:latin typeface="Arial" charset="0"/>
-                <a:ea typeface="Arial" charset="0"/>
-                <a:cs typeface="Arial" charset="0"/>
-              </a:defRPr>
-            </a:lvl2pPr>
-            <a:lvl3pPr marL="1143000" indent="-228600" eaLnBrk="0" hangingPunct="0">
-              <a:defRPr sz="2400">
-                <a:solidFill>
-                  <a:schemeClr val="tx1"/>
-                </a:solidFill>
-                <a:latin typeface="Arial" charset="0"/>
-                <a:ea typeface="Arial" charset="0"/>
-                <a:cs typeface="Arial" charset="0"/>
-              </a:defRPr>
-            </a:lvl3pPr>
-            <a:lvl4pPr marL="1600200" indent="-228600" eaLnBrk="0" hangingPunct="0">
-              <a:defRPr sz="2400">
-                <a:solidFill>
-                  <a:schemeClr val="tx1"/>
-                </a:solidFill>
-                <a:latin typeface="Arial" charset="0"/>
-                <a:ea typeface="Arial" charset="0"/>
-                <a:cs typeface="Arial" charset="0"/>
-              </a:defRPr>
-            </a:lvl4pPr>
-            <a:lvl5pPr marL="2057400" indent="-228600" eaLnBrk="0" hangingPunct="0">
-              <a:defRPr sz="2400">
-                <a:solidFill>
-                  <a:schemeClr val="tx1"/>
-                </a:solidFill>
-                <a:latin typeface="Arial" charset="0"/>
-                <a:ea typeface="Arial" charset="0"/>
-                <a:cs typeface="Arial" charset="0"/>
-              </a:defRPr>
-            </a:lvl5pPr>
-            <a:lvl6pPr marL="2514600" indent="-228600" eaLnBrk="0" fontAlgn="base" hangingPunct="0">
+            <a:pPr marL="0" marR="0" indent="0" algn="l" defTabSz="914400" rtl="0" eaLnBrk="0" fontAlgn="base" latinLnBrk="0" hangingPunct="0">
+              <a:lnSpc>
+                <a:spcPct val="100000"/>
+              </a:lnSpc>
               <a:spcBef>
                 <a:spcPct val="0"/>
               </a:spcBef>
               <a:spcAft>
                 <a:spcPct val="0"/>
               </a:spcAft>
-              <a:defRPr sz="2400">
+              <a:buClrTx/>
+              <a:buSzTx/>
+              <a:buFontTx/>
+              <a:buNone/>
+              <a:tabLst/>
+            </a:pPr>
+            <a:r>
+              <a:rPr kumimoji="0" lang="en-US" sz="2400" b="0" i="0" u="none" strike="noStrike" cap="none" normalizeH="0" baseline="0" dirty="0">
+                <a:ln>
+                  <a:noFill/>
+                </a:ln>
                 <a:solidFill>
                   <a:schemeClr val="tx1"/>
                 </a:solidFill>
+                <a:effectLst/>
                 <a:latin typeface="Arial" charset="0"/>
-                <a:ea typeface="Arial" charset="0"/>
-                <a:cs typeface="Arial" charset="0"/>
-              </a:defRPr>
-            </a:lvl6pPr>
-            <a:lvl7pPr marL="2971800" indent="-228600" eaLnBrk="0" fontAlgn="base" hangingPunct="0">
-              <a:spcBef>
-                <a:spcPct val="0"/>
-              </a:spcBef>
-              <a:spcAft>
-                <a:spcPct val="0"/>
-              </a:spcAft>
-              <a:defRPr sz="2400">
-                <a:solidFill>
-                  <a:schemeClr val="tx1"/>
-                </a:solidFill>
-                <a:latin typeface="Arial" charset="0"/>
-                <a:ea typeface="Arial" charset="0"/>
-                <a:cs typeface="Arial" charset="0"/>
-              </a:defRPr>
-            </a:lvl7pPr>
-            <a:lvl8pPr marL="3429000" indent="-228600" eaLnBrk="0" fontAlgn="base" hangingPunct="0">
-              <a:spcBef>
-                <a:spcPct val="0"/>
-              </a:spcBef>
-              <a:spcAft>
-                <a:spcPct val="0"/>
-              </a:spcAft>
-              <a:defRPr sz="2400">
-                <a:solidFill>
-                  <a:schemeClr val="tx1"/>
-                </a:solidFill>
-                <a:latin typeface="Arial" charset="0"/>
-                <a:ea typeface="Arial" charset="0"/>
-                <a:cs typeface="Arial" charset="0"/>
-              </a:defRPr>
-            </a:lvl8pPr>
-            <a:lvl9pPr marL="3886200" indent="-228600" eaLnBrk="0" fontAlgn="base" hangingPunct="0">
-              <a:spcBef>
-                <a:spcPct val="0"/>
-              </a:spcBef>
-              <a:spcAft>
-                <a:spcPct val="0"/>
-              </a:spcAft>
-              <a:defRPr sz="2400">
-                <a:solidFill>
-                  <a:schemeClr val="tx1"/>
-                </a:solidFill>
-                <a:latin typeface="Arial" charset="0"/>
-                <a:ea typeface="Arial" charset="0"/>
-                <a:cs typeface="Arial" charset="0"/>
-              </a:defRPr>
-            </a:lvl9pPr>
-          </a:lstStyle>
-          <a:p>
-            <a:pPr>
-              <a:spcBef>
-                <a:spcPct val="50000"/>
-              </a:spcBef>
-            </a:pPr>
+                <a:ea typeface="ＭＳ Ｐゴシック" charset="-128"/>
+                <a:cs typeface="ＭＳ Ｐゴシック" charset="-128"/>
+              </a:rPr>
+              <a:t>multivariate</a:t>
+            </a:r>
+          </a:p>
+        </p:txBody>
+      </p:sp>
+      <p:sp>
+        <p:nvSpPr>
+          <p:cNvPr id="7" name="Rectangle 6">
+            <a:extLst>
+              <a:ext uri="{FF2B5EF4-FFF2-40B4-BE49-F238E27FC236}">
+                <a16:creationId xmlns:a16="http://schemas.microsoft.com/office/drawing/2014/main" id="{280F091A-E846-3B48-942E-4AC0549485E1}"/>
+              </a:ext>
+            </a:extLst>
+          </p:cNvPr>
+          <p:cNvSpPr/>
+          <p:nvPr/>
+        </p:nvSpPr>
+        <p:spPr bwMode="auto">
+          <a:xfrm>
+            <a:off x="6231988" y="2504049"/>
+            <a:ext cx="1575579" cy="422031"/>
+          </a:xfrm>
+          <a:prstGeom prst="rect">
+            <a:avLst/>
+          </a:prstGeom>
+          <a:solidFill>
+            <a:schemeClr val="accent1"/>
+          </a:solidFill>
+          <a:ln w="9525" cap="flat" cmpd="sng" algn="ctr">
+            <a:solidFill>
+              <a:schemeClr val="tx1"/>
+            </a:solidFill>
+            <a:prstDash val="solid"/>
+            <a:round/>
+            <a:headEnd type="none" w="med" len="med"/>
+            <a:tailEnd type="none" w="med" len="med"/>
+          </a:ln>
+          <a:effectLst/>
+        </p:spPr>
+        <p:txBody>
+          <a:bodyPr vert="horz" wrap="square" lIns="91440" tIns="45720" rIns="91440" bIns="45720" numCol="1" rtlCol="0" anchor="t" anchorCtr="0" compatLnSpc="1">
+            <a:prstTxWarp prst="textNoShape">
+              <a:avLst/>
+            </a:prstTxWarp>
+          </a:bodyPr>
+          <a:lstStyle/>
+          <a:p>
             <a:r>
-              <a:rPr lang="en-US" sz="900">
-                <a:solidFill>
-                  <a:srgbClr val="000000"/>
-                </a:solidFill>
-              </a:rPr>
-              <a:t>     © 2014 Pearson Education, Inc.</a:t>
+              <a:rPr lang="en-US" dirty="0"/>
+              <a:t>Univariate</a:t>
             </a:r>
-            <a:endParaRPr lang="en-US">
+            <a:endParaRPr kumimoji="0" lang="en-US" sz="2400" b="0" i="0" u="none" strike="noStrike" cap="none" normalizeH="0" baseline="0" dirty="0">
+              <a:ln>
+                <a:noFill/>
+              </a:ln>
               <a:solidFill>
-                <a:srgbClr val="000000"/>
+                <a:schemeClr val="tx1"/>
               </a:solidFill>
+              <a:effectLst/>
+              <a:latin typeface="Arial" charset="0"/>
+              <a:ea typeface="ＭＳ Ｐゴシック" charset="-128"/>
+              <a:cs typeface="ＭＳ Ｐゴシック" charset="-128"/>
             </a:endParaRPr>
           </a:p>
         </p:txBody>
@@ -12839,492 +10001,949 @@
     </p:spTree>
     <p:extLst>
       <p:ext uri="{BB962C8B-B14F-4D97-AF65-F5344CB8AC3E}">
-        <p14:creationId xmlns:p14="http://schemas.microsoft.com/office/powerpoint/2010/main" val="3930602412"/>
+        <p14:creationId xmlns:p14="http://schemas.microsoft.com/office/powerpoint/2010/main" val="2828478883"/>
       </p:ext>
     </p:extLst>
   </p:cSld>
-  <p:clrMap bg1="lt1" tx1="dk1" bg2="lt2" tx2="dk2" accent1="accent1" accent2="accent2" accent3="accent3" accent4="accent4" accent5="accent5" accent6="accent6" hlink="hlink" folHlink="folHlink"/>
-  <p:sldLayoutIdLst>
-    <p:sldLayoutId id="2147483661" r:id="rId1"/>
-    <p:sldLayoutId id="2147483662" r:id="rId2"/>
-    <p:sldLayoutId id="2147483663" r:id="rId3"/>
-    <p:sldLayoutId id="2147483664" r:id="rId4"/>
-    <p:sldLayoutId id="2147483665" r:id="rId5"/>
-    <p:sldLayoutId id="2147483666" r:id="rId6"/>
-    <p:sldLayoutId id="2147483667" r:id="rId7"/>
-    <p:sldLayoutId id="2147483668" r:id="rId8"/>
-    <p:sldLayoutId id="2147483669" r:id="rId9"/>
-    <p:sldLayoutId id="2147483670" r:id="rId10"/>
-    <p:sldLayoutId id="2147483671" r:id="rId11"/>
-  </p:sldLayoutIdLst>
-  <p:timing>
-    <p:tnLst>
-      <p:par>
-        <p:cTn xmlns:p14="http://schemas.microsoft.com/office/powerpoint/2010/main" id="1" dur="indefinite" restart="never" nodeType="tmRoot"/>
-      </p:par>
-    </p:tnLst>
-  </p:timing>
-  <p:txStyles>
-    <p:titleStyle>
-      <a:lvl1pPr marL="450850" indent="-450850" algn="l" rtl="0" eaLnBrk="0" fontAlgn="base" hangingPunct="0">
-        <a:lnSpc>
-          <a:spcPct val="90000"/>
-        </a:lnSpc>
-        <a:spcBef>
-          <a:spcPct val="0"/>
-        </a:spcBef>
-        <a:spcAft>
-          <a:spcPct val="0"/>
-        </a:spcAft>
-        <a:defRPr sz="3200" b="1">
-          <a:solidFill>
-            <a:srgbClr val="9D002D"/>
-          </a:solidFill>
-          <a:latin typeface="+mj-lt"/>
-          <a:ea typeface="ＭＳ Ｐゴシック" charset="0"/>
-          <a:cs typeface="+mj-cs"/>
-        </a:defRPr>
-      </a:lvl1pPr>
-      <a:lvl2pPr marL="450850" indent="-450850" algn="l" rtl="0" eaLnBrk="0" fontAlgn="base" hangingPunct="0">
-        <a:lnSpc>
-          <a:spcPct val="90000"/>
-        </a:lnSpc>
-        <a:spcBef>
-          <a:spcPct val="0"/>
-        </a:spcBef>
-        <a:spcAft>
-          <a:spcPct val="0"/>
-        </a:spcAft>
-        <a:defRPr sz="3200" b="1">
-          <a:solidFill>
-            <a:srgbClr val="9D002D"/>
-          </a:solidFill>
-          <a:latin typeface="Times New Roman" charset="0"/>
-          <a:ea typeface="ＭＳ Ｐゴシック" charset="0"/>
-          <a:cs typeface="Arial" charset="0"/>
-        </a:defRPr>
-      </a:lvl2pPr>
-      <a:lvl3pPr marL="450850" indent="-450850" algn="l" rtl="0" eaLnBrk="0" fontAlgn="base" hangingPunct="0">
-        <a:lnSpc>
-          <a:spcPct val="90000"/>
-        </a:lnSpc>
-        <a:spcBef>
-          <a:spcPct val="0"/>
-        </a:spcBef>
-        <a:spcAft>
-          <a:spcPct val="0"/>
-        </a:spcAft>
-        <a:defRPr sz="3200" b="1">
-          <a:solidFill>
-            <a:srgbClr val="9D002D"/>
-          </a:solidFill>
-          <a:latin typeface="Times New Roman" charset="0"/>
-          <a:ea typeface="ＭＳ Ｐゴシック" charset="0"/>
-          <a:cs typeface="Arial" charset="0"/>
-        </a:defRPr>
-      </a:lvl3pPr>
-      <a:lvl4pPr marL="450850" indent="-450850" algn="l" rtl="0" eaLnBrk="0" fontAlgn="base" hangingPunct="0">
-        <a:lnSpc>
-          <a:spcPct val="90000"/>
-        </a:lnSpc>
-        <a:spcBef>
-          <a:spcPct val="0"/>
-        </a:spcBef>
-        <a:spcAft>
-          <a:spcPct val="0"/>
-        </a:spcAft>
-        <a:defRPr sz="3200" b="1">
-          <a:solidFill>
-            <a:srgbClr val="9D002D"/>
-          </a:solidFill>
-          <a:latin typeface="Times New Roman" charset="0"/>
-          <a:ea typeface="ＭＳ Ｐゴシック" charset="0"/>
-          <a:cs typeface="Arial" charset="0"/>
-        </a:defRPr>
-      </a:lvl4pPr>
-      <a:lvl5pPr marL="450850" indent="-450850" algn="l" rtl="0" eaLnBrk="0" fontAlgn="base" hangingPunct="0">
-        <a:lnSpc>
-          <a:spcPct val="90000"/>
-        </a:lnSpc>
-        <a:spcBef>
-          <a:spcPct val="0"/>
-        </a:spcBef>
-        <a:spcAft>
-          <a:spcPct val="0"/>
-        </a:spcAft>
-        <a:defRPr sz="3200" b="1">
-          <a:solidFill>
-            <a:srgbClr val="9D002D"/>
-          </a:solidFill>
-          <a:latin typeface="Times New Roman" charset="0"/>
-          <a:ea typeface="ＭＳ Ｐゴシック" charset="0"/>
-          <a:cs typeface="Arial" charset="0"/>
-        </a:defRPr>
-      </a:lvl5pPr>
-      <a:lvl6pPr marL="908050" indent="-450850" algn="l" rtl="0" fontAlgn="base">
-        <a:lnSpc>
-          <a:spcPct val="90000"/>
-        </a:lnSpc>
-        <a:spcBef>
-          <a:spcPct val="0"/>
-        </a:spcBef>
-        <a:spcAft>
-          <a:spcPct val="0"/>
-        </a:spcAft>
-        <a:defRPr sz="3000" b="1">
-          <a:solidFill>
-            <a:schemeClr val="tx2"/>
-          </a:solidFill>
-          <a:latin typeface="Times New Roman" charset="0"/>
-          <a:ea typeface="Arial" charset="0"/>
-          <a:cs typeface="Arial" charset="0"/>
-        </a:defRPr>
-      </a:lvl6pPr>
-      <a:lvl7pPr marL="1365250" indent="-450850" algn="l" rtl="0" fontAlgn="base">
-        <a:lnSpc>
-          <a:spcPct val="90000"/>
-        </a:lnSpc>
-        <a:spcBef>
-          <a:spcPct val="0"/>
-        </a:spcBef>
-        <a:spcAft>
-          <a:spcPct val="0"/>
-        </a:spcAft>
-        <a:defRPr sz="3000" b="1">
-          <a:solidFill>
-            <a:schemeClr val="tx2"/>
-          </a:solidFill>
-          <a:latin typeface="Times New Roman" charset="0"/>
-          <a:ea typeface="Arial" charset="0"/>
-          <a:cs typeface="Arial" charset="0"/>
-        </a:defRPr>
-      </a:lvl7pPr>
-      <a:lvl8pPr marL="1822450" indent="-450850" algn="l" rtl="0" fontAlgn="base">
-        <a:lnSpc>
-          <a:spcPct val="90000"/>
-        </a:lnSpc>
-        <a:spcBef>
-          <a:spcPct val="0"/>
-        </a:spcBef>
-        <a:spcAft>
-          <a:spcPct val="0"/>
-        </a:spcAft>
-        <a:defRPr sz="3000" b="1">
-          <a:solidFill>
-            <a:schemeClr val="tx2"/>
-          </a:solidFill>
-          <a:latin typeface="Times New Roman" charset="0"/>
-          <a:ea typeface="Arial" charset="0"/>
-          <a:cs typeface="Arial" charset="0"/>
-        </a:defRPr>
-      </a:lvl8pPr>
-      <a:lvl9pPr marL="2279650" indent="-450850" algn="l" rtl="0" fontAlgn="base">
-        <a:lnSpc>
-          <a:spcPct val="90000"/>
-        </a:lnSpc>
-        <a:spcBef>
-          <a:spcPct val="0"/>
-        </a:spcBef>
-        <a:spcAft>
-          <a:spcPct val="0"/>
-        </a:spcAft>
-        <a:defRPr sz="3000" b="1">
-          <a:solidFill>
-            <a:schemeClr val="tx2"/>
-          </a:solidFill>
-          <a:latin typeface="Times New Roman" charset="0"/>
-          <a:ea typeface="Arial" charset="0"/>
-          <a:cs typeface="Arial" charset="0"/>
-        </a:defRPr>
-      </a:lvl9pPr>
-    </p:titleStyle>
-    <p:bodyStyle>
-      <a:lvl1pPr marL="342900" indent="-342900" algn="l" rtl="0" eaLnBrk="0" fontAlgn="base" hangingPunct="0">
-        <a:spcBef>
-          <a:spcPct val="45000"/>
-        </a:spcBef>
-        <a:spcAft>
-          <a:spcPct val="20000"/>
-        </a:spcAft>
-        <a:buClr>
-          <a:srgbClr val="9D002D"/>
-        </a:buClr>
-        <a:buFont typeface="Wingdings" charset="0"/>
-        <a:buChar char="§"/>
-        <a:defRPr sz="2800">
-          <a:solidFill>
-            <a:schemeClr val="tx1"/>
-          </a:solidFill>
-          <a:latin typeface="Arial" charset="0"/>
-          <a:ea typeface="ＭＳ Ｐゴシック" charset="0"/>
-          <a:cs typeface="+mn-cs"/>
-        </a:defRPr>
-      </a:lvl1pPr>
-      <a:lvl2pPr marL="798513" indent="-341313" algn="l" rtl="0" eaLnBrk="0" fontAlgn="base" hangingPunct="0">
-        <a:spcBef>
-          <a:spcPct val="45000"/>
-        </a:spcBef>
-        <a:spcAft>
-          <a:spcPct val="20000"/>
-        </a:spcAft>
-        <a:buClr>
-          <a:srgbClr val="9D002D"/>
-        </a:buClr>
-        <a:buChar char="–"/>
-        <a:defRPr sz="2600">
-          <a:solidFill>
-            <a:schemeClr val="tx1"/>
-          </a:solidFill>
-          <a:latin typeface="Arial" charset="0"/>
-          <a:ea typeface="+mn-ea"/>
-          <a:cs typeface="+mn-cs"/>
-        </a:defRPr>
-      </a:lvl2pPr>
-      <a:lvl3pPr marL="1485900" indent="-339725" algn="l" rtl="0" eaLnBrk="0" fontAlgn="base" hangingPunct="0">
-        <a:spcBef>
-          <a:spcPct val="45000"/>
-        </a:spcBef>
-        <a:spcAft>
-          <a:spcPct val="20000"/>
-        </a:spcAft>
-        <a:buClr>
-          <a:srgbClr val="9D002D"/>
-        </a:buClr>
-        <a:buChar char="–"/>
-        <a:defRPr sz="2400">
-          <a:solidFill>
-            <a:schemeClr val="tx1"/>
-          </a:solidFill>
-          <a:latin typeface="Arial" charset="0"/>
-          <a:ea typeface="+mn-ea"/>
-          <a:cs typeface="+mn-cs"/>
-        </a:defRPr>
-      </a:lvl3pPr>
-      <a:lvl4pPr marL="2176463" indent="-347663" algn="l" rtl="0" eaLnBrk="0" fontAlgn="base" hangingPunct="0">
-        <a:spcBef>
-          <a:spcPct val="45000"/>
-        </a:spcBef>
-        <a:spcAft>
-          <a:spcPct val="20000"/>
-        </a:spcAft>
-        <a:buClr>
-          <a:srgbClr val="9D002D"/>
-        </a:buClr>
-        <a:buChar char="–"/>
-        <a:defRPr sz="2200">
-          <a:solidFill>
-            <a:schemeClr val="tx1"/>
-          </a:solidFill>
-          <a:latin typeface="Arial" charset="0"/>
-          <a:ea typeface="+mn-ea"/>
-          <a:cs typeface="+mn-cs"/>
-        </a:defRPr>
-      </a:lvl4pPr>
-      <a:lvl5pPr marL="2859088" indent="-347663" algn="l" rtl="0" eaLnBrk="0" fontAlgn="base" hangingPunct="0">
-        <a:spcBef>
-          <a:spcPct val="45000"/>
-        </a:spcBef>
-        <a:spcAft>
-          <a:spcPct val="20000"/>
-        </a:spcAft>
-        <a:buClr>
-          <a:srgbClr val="9D002D"/>
-        </a:buClr>
-        <a:buChar char="–"/>
-        <a:defRPr sz="2200">
-          <a:solidFill>
-            <a:schemeClr val="tx1"/>
-          </a:solidFill>
-          <a:latin typeface="Arial" charset="0"/>
-          <a:ea typeface="+mn-ea"/>
-          <a:cs typeface="+mn-cs"/>
-        </a:defRPr>
-      </a:lvl5pPr>
-      <a:lvl6pPr marL="3316288" indent="-347663" algn="l" rtl="0" fontAlgn="base">
-        <a:spcBef>
-          <a:spcPct val="45000"/>
-        </a:spcBef>
-        <a:spcAft>
-          <a:spcPct val="20000"/>
-        </a:spcAft>
-        <a:buClr>
-          <a:schemeClr val="tx2"/>
-        </a:buClr>
-        <a:buFont typeface="Wingdings" charset="2"/>
-        <a:buChar char="§"/>
-        <a:defRPr sz="2000">
-          <a:solidFill>
-            <a:schemeClr val="tx1"/>
-          </a:solidFill>
-          <a:latin typeface="+mn-lt"/>
-          <a:ea typeface="+mn-ea"/>
-          <a:cs typeface="+mn-cs"/>
-        </a:defRPr>
-      </a:lvl6pPr>
-      <a:lvl7pPr marL="3773488" indent="-347663" algn="l" rtl="0" fontAlgn="base">
-        <a:spcBef>
-          <a:spcPct val="45000"/>
-        </a:spcBef>
-        <a:spcAft>
-          <a:spcPct val="20000"/>
-        </a:spcAft>
-        <a:buClr>
-          <a:schemeClr val="tx2"/>
-        </a:buClr>
-        <a:buFont typeface="Wingdings" charset="2"/>
-        <a:buChar char="§"/>
-        <a:defRPr sz="2000">
-          <a:solidFill>
-            <a:schemeClr val="tx1"/>
-          </a:solidFill>
-          <a:latin typeface="+mn-lt"/>
-          <a:ea typeface="+mn-ea"/>
-          <a:cs typeface="+mn-cs"/>
-        </a:defRPr>
-      </a:lvl7pPr>
-      <a:lvl8pPr marL="4230688" indent="-347663" algn="l" rtl="0" fontAlgn="base">
-        <a:spcBef>
-          <a:spcPct val="45000"/>
-        </a:spcBef>
-        <a:spcAft>
-          <a:spcPct val="20000"/>
-        </a:spcAft>
-        <a:buClr>
-          <a:schemeClr val="tx2"/>
-        </a:buClr>
-        <a:buFont typeface="Wingdings" charset="2"/>
-        <a:buChar char="§"/>
-        <a:defRPr sz="2000">
-          <a:solidFill>
-            <a:schemeClr val="tx1"/>
-          </a:solidFill>
-          <a:latin typeface="+mn-lt"/>
-          <a:ea typeface="+mn-ea"/>
-          <a:cs typeface="+mn-cs"/>
-        </a:defRPr>
-      </a:lvl8pPr>
-      <a:lvl9pPr marL="4687888" indent="-347663" algn="l" rtl="0" fontAlgn="base">
-        <a:spcBef>
-          <a:spcPct val="45000"/>
-        </a:spcBef>
-        <a:spcAft>
-          <a:spcPct val="20000"/>
-        </a:spcAft>
-        <a:buClr>
-          <a:schemeClr val="tx2"/>
-        </a:buClr>
-        <a:buFont typeface="Wingdings" charset="2"/>
-        <a:buChar char="§"/>
-        <a:defRPr sz="2000">
-          <a:solidFill>
-            <a:schemeClr val="tx1"/>
-          </a:solidFill>
-          <a:latin typeface="+mn-lt"/>
-          <a:ea typeface="+mn-ea"/>
-          <a:cs typeface="+mn-cs"/>
-        </a:defRPr>
-      </a:lvl9pPr>
-    </p:bodyStyle>
-    <p:otherStyle>
-      <a:defPPr>
-        <a:defRPr lang="en-US"/>
-      </a:defPPr>
-      <a:lvl1pPr marL="0" algn="l" defTabSz="457200" rtl="0" eaLnBrk="1" latinLnBrk="0" hangingPunct="1">
-        <a:defRPr sz="1800" kern="1200">
-          <a:solidFill>
-            <a:schemeClr val="tx1"/>
-          </a:solidFill>
-          <a:latin typeface="+mn-lt"/>
-          <a:ea typeface="+mn-ea"/>
-          <a:cs typeface="+mn-cs"/>
-        </a:defRPr>
-      </a:lvl1pPr>
-      <a:lvl2pPr marL="457200" algn="l" defTabSz="457200" rtl="0" eaLnBrk="1" latinLnBrk="0" hangingPunct="1">
-        <a:defRPr sz="1800" kern="1200">
-          <a:solidFill>
-            <a:schemeClr val="tx1"/>
-          </a:solidFill>
-          <a:latin typeface="+mn-lt"/>
-          <a:ea typeface="+mn-ea"/>
-          <a:cs typeface="+mn-cs"/>
-        </a:defRPr>
-      </a:lvl2pPr>
-      <a:lvl3pPr marL="914400" algn="l" defTabSz="457200" rtl="0" eaLnBrk="1" latinLnBrk="0" hangingPunct="1">
-        <a:defRPr sz="1800" kern="1200">
-          <a:solidFill>
-            <a:schemeClr val="tx1"/>
-          </a:solidFill>
-          <a:latin typeface="+mn-lt"/>
-          <a:ea typeface="+mn-ea"/>
-          <a:cs typeface="+mn-cs"/>
-        </a:defRPr>
-      </a:lvl3pPr>
-      <a:lvl4pPr marL="1371600" algn="l" defTabSz="457200" rtl="0" eaLnBrk="1" latinLnBrk="0" hangingPunct="1">
-        <a:defRPr sz="1800" kern="1200">
-          <a:solidFill>
-            <a:schemeClr val="tx1"/>
-          </a:solidFill>
-          <a:latin typeface="+mn-lt"/>
-          <a:ea typeface="+mn-ea"/>
-          <a:cs typeface="+mn-cs"/>
-        </a:defRPr>
-      </a:lvl4pPr>
-      <a:lvl5pPr marL="1828800" algn="l" defTabSz="457200" rtl="0" eaLnBrk="1" latinLnBrk="0" hangingPunct="1">
-        <a:defRPr sz="1800" kern="1200">
-          <a:solidFill>
-            <a:schemeClr val="tx1"/>
-          </a:solidFill>
-          <a:latin typeface="+mn-lt"/>
-          <a:ea typeface="+mn-ea"/>
-          <a:cs typeface="+mn-cs"/>
-        </a:defRPr>
-      </a:lvl5pPr>
-      <a:lvl6pPr marL="2286000" algn="l" defTabSz="457200" rtl="0" eaLnBrk="1" latinLnBrk="0" hangingPunct="1">
-        <a:defRPr sz="1800" kern="1200">
-          <a:solidFill>
-            <a:schemeClr val="tx1"/>
-          </a:solidFill>
-          <a:latin typeface="+mn-lt"/>
-          <a:ea typeface="+mn-ea"/>
-          <a:cs typeface="+mn-cs"/>
-        </a:defRPr>
-      </a:lvl6pPr>
-      <a:lvl7pPr marL="2743200" algn="l" defTabSz="457200" rtl="0" eaLnBrk="1" latinLnBrk="0" hangingPunct="1">
-        <a:defRPr sz="1800" kern="1200">
-          <a:solidFill>
-            <a:schemeClr val="tx1"/>
-          </a:solidFill>
-          <a:latin typeface="+mn-lt"/>
-          <a:ea typeface="+mn-ea"/>
-          <a:cs typeface="+mn-cs"/>
-        </a:defRPr>
-      </a:lvl7pPr>
-      <a:lvl8pPr marL="3200400" algn="l" defTabSz="457200" rtl="0" eaLnBrk="1" latinLnBrk="0" hangingPunct="1">
-        <a:defRPr sz="1800" kern="1200">
-          <a:solidFill>
-            <a:schemeClr val="tx1"/>
-          </a:solidFill>
-          <a:latin typeface="+mn-lt"/>
-          <a:ea typeface="+mn-ea"/>
-          <a:cs typeface="+mn-cs"/>
-        </a:defRPr>
-      </a:lvl8pPr>
-      <a:lvl9pPr marL="3657600" algn="l" defTabSz="457200" rtl="0" eaLnBrk="1" latinLnBrk="0" hangingPunct="1">
-        <a:defRPr sz="1800" kern="1200">
-          <a:solidFill>
-            <a:schemeClr val="tx1"/>
-          </a:solidFill>
-          <a:latin typeface="+mn-lt"/>
-          <a:ea typeface="+mn-ea"/>
-          <a:cs typeface="+mn-cs"/>
-        </a:defRPr>
-      </a:lvl9pPr>
-    </p:otherStyle>
-  </p:txStyles>
-</p:sldMaster>
+  <p:clrMapOvr>
+    <a:masterClrMapping/>
+  </p:clrMapOvr>
+</p:sld>
 </file>
 
-<file path=ppt/slides/slide1.xml><?xml version="1.0" encoding="utf-8"?>
+<file path=ppt/slides/slide2.xml><?xml version="1.0" encoding="utf-8"?>
+<p:sld xmlns:a="http://schemas.openxmlformats.org/drawingml/2006/main" xmlns:r="http://schemas.openxmlformats.org/officeDocument/2006/relationships" xmlns:p="http://schemas.openxmlformats.org/presentationml/2006/main">
+  <p:cSld>
+    <p:spTree>
+      <p:nvGrpSpPr>
+        <p:cNvPr id="1" name=""/>
+        <p:cNvGrpSpPr/>
+        <p:nvPr/>
+      </p:nvGrpSpPr>
+      <p:grpSpPr>
+        <a:xfrm>
+          <a:off x="0" y="0"/>
+          <a:ext cx="0" cy="0"/>
+          <a:chOff x="0" y="0"/>
+          <a:chExt cx="0" cy="0"/>
+        </a:xfrm>
+      </p:grpSpPr>
+      <p:sp>
+        <p:nvSpPr>
+          <p:cNvPr id="2" name="TextBox 1">
+            <a:extLst>
+              <a:ext uri="{FF2B5EF4-FFF2-40B4-BE49-F238E27FC236}">
+                <a16:creationId xmlns:a16="http://schemas.microsoft.com/office/drawing/2014/main" id="{5288ED61-1D2F-1C43-95AD-4FA753B94A1D}"/>
+              </a:ext>
+            </a:extLst>
+          </p:cNvPr>
+          <p:cNvSpPr txBox="1"/>
+          <p:nvPr/>
+        </p:nvSpPr>
+        <p:spPr>
+          <a:xfrm>
+            <a:off x="3502855" y="307777"/>
+            <a:ext cx="1760418" cy="461665"/>
+          </a:xfrm>
+          <a:prstGeom prst="rect">
+            <a:avLst/>
+          </a:prstGeom>
+          <a:ln/>
+        </p:spPr>
+        <p:style>
+          <a:lnRef idx="2">
+            <a:schemeClr val="accent1"/>
+          </a:lnRef>
+          <a:fillRef idx="1">
+            <a:schemeClr val="lt1"/>
+          </a:fillRef>
+          <a:effectRef idx="0">
+            <a:schemeClr val="accent1"/>
+          </a:effectRef>
+          <a:fontRef idx="minor">
+            <a:schemeClr val="dk1"/>
+          </a:fontRef>
+        </p:style>
+        <p:txBody>
+          <a:bodyPr wrap="none" rtlCol="0">
+            <a:spAutoFit/>
+          </a:bodyPr>
+          <a:lstStyle/>
+          <a:p>
+            <a:r>
+              <a:rPr lang="en-US" dirty="0"/>
+              <a:t>Multivariate</a:t>
+            </a:r>
+          </a:p>
+        </p:txBody>
+      </p:sp>
+      <p:sp>
+        <p:nvSpPr>
+          <p:cNvPr id="3" name="TextBox 2">
+            <a:extLst>
+              <a:ext uri="{FF2B5EF4-FFF2-40B4-BE49-F238E27FC236}">
+                <a16:creationId xmlns:a16="http://schemas.microsoft.com/office/drawing/2014/main" id="{A9815736-BD4C-5B4A-9FD5-F1C59010B75E}"/>
+              </a:ext>
+            </a:extLst>
+          </p:cNvPr>
+          <p:cNvSpPr txBox="1"/>
+          <p:nvPr/>
+        </p:nvSpPr>
+        <p:spPr>
+          <a:xfrm>
+            <a:off x="548640" y="1573350"/>
+            <a:ext cx="2182842" cy="461665"/>
+          </a:xfrm>
+          <a:prstGeom prst="rect">
+            <a:avLst/>
+          </a:prstGeom>
+        </p:spPr>
+        <p:style>
+          <a:lnRef idx="2">
+            <a:schemeClr val="accent2"/>
+          </a:lnRef>
+          <a:fillRef idx="1">
+            <a:schemeClr val="lt1"/>
+          </a:fillRef>
+          <a:effectRef idx="0">
+            <a:schemeClr val="accent2"/>
+          </a:effectRef>
+          <a:fontRef idx="minor">
+            <a:schemeClr val="dk1"/>
+          </a:fontRef>
+        </p:style>
+        <p:txBody>
+          <a:bodyPr wrap="none" rtlCol="0">
+            <a:spAutoFit/>
+          </a:bodyPr>
+          <a:lstStyle/>
+          <a:p>
+            <a:r>
+              <a:rPr lang="en-US" dirty="0"/>
+              <a:t>View data only</a:t>
+            </a:r>
+          </a:p>
+        </p:txBody>
+      </p:sp>
+      <p:sp>
+        <p:nvSpPr>
+          <p:cNvPr id="4" name="TextBox 3">
+            <a:extLst>
+              <a:ext uri="{FF2B5EF4-FFF2-40B4-BE49-F238E27FC236}">
+                <a16:creationId xmlns:a16="http://schemas.microsoft.com/office/drawing/2014/main" id="{80F2B3C6-61F5-DE4D-976A-BE0900F83B4A}"/>
+              </a:ext>
+            </a:extLst>
+          </p:cNvPr>
+          <p:cNvSpPr txBox="1"/>
+          <p:nvPr/>
+        </p:nvSpPr>
+        <p:spPr>
+          <a:xfrm>
+            <a:off x="870459" y="2699102"/>
+            <a:ext cx="1539204" cy="461665"/>
+          </a:xfrm>
+          <a:prstGeom prst="rect">
+            <a:avLst/>
+          </a:prstGeom>
+        </p:spPr>
+        <p:style>
+          <a:lnRef idx="2">
+            <a:schemeClr val="accent2"/>
+          </a:lnRef>
+          <a:fillRef idx="1">
+            <a:schemeClr val="lt1"/>
+          </a:fillRef>
+          <a:effectRef idx="0">
+            <a:schemeClr val="accent2"/>
+          </a:effectRef>
+          <a:fontRef idx="minor">
+            <a:schemeClr val="dk1"/>
+          </a:fontRef>
+        </p:style>
+        <p:txBody>
+          <a:bodyPr wrap="none" rtlCol="0">
+            <a:spAutoFit/>
+          </a:bodyPr>
+          <a:lstStyle/>
+          <a:p>
+            <a:r>
+              <a:rPr lang="en-US" dirty="0"/>
+              <a:t>ordination</a:t>
+            </a:r>
+          </a:p>
+        </p:txBody>
+      </p:sp>
+      <p:sp>
+        <p:nvSpPr>
+          <p:cNvPr id="5" name="TextBox 4">
+            <a:extLst>
+              <a:ext uri="{FF2B5EF4-FFF2-40B4-BE49-F238E27FC236}">
+                <a16:creationId xmlns:a16="http://schemas.microsoft.com/office/drawing/2014/main" id="{0A47C353-1860-0641-AE34-4F6348EA1B61}"/>
+              </a:ext>
+            </a:extLst>
+          </p:cNvPr>
+          <p:cNvSpPr txBox="1"/>
+          <p:nvPr/>
+        </p:nvSpPr>
+        <p:spPr>
+          <a:xfrm>
+            <a:off x="5586612" y="1020538"/>
+            <a:ext cx="2686929" cy="830997"/>
+          </a:xfrm>
+          <a:prstGeom prst="rect">
+            <a:avLst/>
+          </a:prstGeom>
+        </p:spPr>
+        <p:style>
+          <a:lnRef idx="2">
+            <a:schemeClr val="accent2"/>
+          </a:lnRef>
+          <a:fillRef idx="1">
+            <a:schemeClr val="lt1"/>
+          </a:fillRef>
+          <a:effectRef idx="0">
+            <a:schemeClr val="accent2"/>
+          </a:effectRef>
+          <a:fontRef idx="minor">
+            <a:schemeClr val="dk1"/>
+          </a:fontRef>
+        </p:style>
+        <p:txBody>
+          <a:bodyPr wrap="square" rtlCol="0">
+            <a:spAutoFit/>
+          </a:bodyPr>
+          <a:lstStyle/>
+          <a:p>
+            <a:r>
+              <a:rPr lang="en-US" dirty="0"/>
+              <a:t>Analyze data for differences</a:t>
+            </a:r>
+          </a:p>
+        </p:txBody>
+      </p:sp>
+      <p:sp>
+        <p:nvSpPr>
+          <p:cNvPr id="6" name="TextBox 5">
+            <a:extLst>
+              <a:ext uri="{FF2B5EF4-FFF2-40B4-BE49-F238E27FC236}">
+                <a16:creationId xmlns:a16="http://schemas.microsoft.com/office/drawing/2014/main" id="{764FD44C-EFBC-634B-9B97-A5EDAA10FBE5}"/>
+              </a:ext>
+            </a:extLst>
+          </p:cNvPr>
+          <p:cNvSpPr txBox="1"/>
+          <p:nvPr/>
+        </p:nvSpPr>
+        <p:spPr>
+          <a:xfrm>
+            <a:off x="4229080" y="2514893"/>
+            <a:ext cx="2110154" cy="1200329"/>
+          </a:xfrm>
+          <a:prstGeom prst="rect">
+            <a:avLst/>
+          </a:prstGeom>
+        </p:spPr>
+        <p:style>
+          <a:lnRef idx="2">
+            <a:schemeClr val="accent2"/>
+          </a:lnRef>
+          <a:fillRef idx="1">
+            <a:schemeClr val="lt1"/>
+          </a:fillRef>
+          <a:effectRef idx="0">
+            <a:schemeClr val="accent2"/>
+          </a:effectRef>
+          <a:fontRef idx="minor">
+            <a:schemeClr val="dk1"/>
+          </a:fontRef>
+        </p:style>
+        <p:txBody>
+          <a:bodyPr wrap="square" rtlCol="0">
+            <a:spAutoFit/>
+          </a:bodyPr>
+          <a:lstStyle/>
+          <a:p>
+            <a:r>
+              <a:rPr lang="en-US" dirty="0"/>
+              <a:t>With explanatory variables</a:t>
+            </a:r>
+          </a:p>
+        </p:txBody>
+      </p:sp>
+      <p:sp>
+        <p:nvSpPr>
+          <p:cNvPr id="7" name="TextBox 6">
+            <a:extLst>
+              <a:ext uri="{FF2B5EF4-FFF2-40B4-BE49-F238E27FC236}">
+                <a16:creationId xmlns:a16="http://schemas.microsoft.com/office/drawing/2014/main" id="{5105E3F1-0253-EF4F-B373-D51A12E00F82}"/>
+              </a:ext>
+            </a:extLst>
+          </p:cNvPr>
+          <p:cNvSpPr txBox="1"/>
+          <p:nvPr/>
+        </p:nvSpPr>
+        <p:spPr>
+          <a:xfrm>
+            <a:off x="6712027" y="2486758"/>
+            <a:ext cx="2110154" cy="1200329"/>
+          </a:xfrm>
+          <a:prstGeom prst="rect">
+            <a:avLst/>
+          </a:prstGeom>
+        </p:spPr>
+        <p:style>
+          <a:lnRef idx="2">
+            <a:schemeClr val="accent2"/>
+          </a:lnRef>
+          <a:fillRef idx="1">
+            <a:schemeClr val="lt1"/>
+          </a:fillRef>
+          <a:effectRef idx="0">
+            <a:schemeClr val="accent2"/>
+          </a:effectRef>
+          <a:fontRef idx="minor">
+            <a:schemeClr val="dk1"/>
+          </a:fontRef>
+        </p:style>
+        <p:txBody>
+          <a:bodyPr wrap="square" rtlCol="0">
+            <a:spAutoFit/>
+          </a:bodyPr>
+          <a:lstStyle/>
+          <a:p>
+            <a:r>
+              <a:rPr lang="en-US" dirty="0"/>
+              <a:t>Without explanatory variables</a:t>
+            </a:r>
+          </a:p>
+        </p:txBody>
+      </p:sp>
+      <p:cxnSp>
+        <p:nvCxnSpPr>
+          <p:cNvPr id="9" name="Straight Arrow Connector 8">
+            <a:extLst>
+              <a:ext uri="{FF2B5EF4-FFF2-40B4-BE49-F238E27FC236}">
+                <a16:creationId xmlns:a16="http://schemas.microsoft.com/office/drawing/2014/main" id="{E76641FF-82F4-1C4D-A461-96483FC9046B}"/>
+              </a:ext>
+            </a:extLst>
+          </p:cNvPr>
+          <p:cNvCxnSpPr>
+            <a:cxnSpLocks/>
+            <a:stCxn id="3" idx="2"/>
+            <a:endCxn id="4" idx="0"/>
+          </p:cNvCxnSpPr>
+          <p:nvPr/>
+        </p:nvCxnSpPr>
+        <p:spPr bwMode="auto">
+          <a:xfrm>
+            <a:off x="1640061" y="2035015"/>
+            <a:ext cx="0" cy="664087"/>
+          </a:xfrm>
+          <a:prstGeom prst="straightConnector1">
+            <a:avLst/>
+          </a:prstGeom>
+          <a:solidFill>
+            <a:schemeClr val="accent1"/>
+          </a:solidFill>
+          <a:ln w="9525" cap="flat" cmpd="sng" algn="ctr">
+            <a:solidFill>
+              <a:schemeClr val="tx1"/>
+            </a:solidFill>
+            <a:prstDash val="solid"/>
+            <a:round/>
+            <a:headEnd type="none" w="med" len="med"/>
+            <a:tailEnd type="triangle"/>
+          </a:ln>
+          <a:effectLst/>
+        </p:spPr>
+      </p:cxnSp>
+      <p:cxnSp>
+        <p:nvCxnSpPr>
+          <p:cNvPr id="13" name="Straight Arrow Connector 12">
+            <a:extLst>
+              <a:ext uri="{FF2B5EF4-FFF2-40B4-BE49-F238E27FC236}">
+                <a16:creationId xmlns:a16="http://schemas.microsoft.com/office/drawing/2014/main" id="{66A8D677-A408-ED48-BFE1-7C5A11BAFC8C}"/>
+              </a:ext>
+            </a:extLst>
+          </p:cNvPr>
+          <p:cNvCxnSpPr>
+            <a:cxnSpLocks/>
+            <a:stCxn id="5" idx="2"/>
+            <a:endCxn id="7" idx="0"/>
+          </p:cNvCxnSpPr>
+          <p:nvPr/>
+        </p:nvCxnSpPr>
+        <p:spPr bwMode="auto">
+          <a:xfrm>
+            <a:off x="6930077" y="1851535"/>
+            <a:ext cx="837027" cy="635223"/>
+          </a:xfrm>
+          <a:prstGeom prst="straightConnector1">
+            <a:avLst/>
+          </a:prstGeom>
+          <a:solidFill>
+            <a:schemeClr val="accent1"/>
+          </a:solidFill>
+          <a:ln w="9525" cap="flat" cmpd="sng" algn="ctr">
+            <a:solidFill>
+              <a:schemeClr val="tx1"/>
+            </a:solidFill>
+            <a:prstDash val="solid"/>
+            <a:round/>
+            <a:headEnd type="none" w="med" len="med"/>
+            <a:tailEnd type="triangle"/>
+          </a:ln>
+          <a:effectLst/>
+        </p:spPr>
+      </p:cxnSp>
+      <p:cxnSp>
+        <p:nvCxnSpPr>
+          <p:cNvPr id="15" name="Straight Arrow Connector 14">
+            <a:extLst>
+              <a:ext uri="{FF2B5EF4-FFF2-40B4-BE49-F238E27FC236}">
+                <a16:creationId xmlns:a16="http://schemas.microsoft.com/office/drawing/2014/main" id="{BE8DAD15-406A-7440-AF6E-F1FCC3B89562}"/>
+              </a:ext>
+            </a:extLst>
+          </p:cNvPr>
+          <p:cNvCxnSpPr>
+            <a:cxnSpLocks/>
+            <a:stCxn id="5" idx="2"/>
+            <a:endCxn id="6" idx="0"/>
+          </p:cNvCxnSpPr>
+          <p:nvPr/>
+        </p:nvCxnSpPr>
+        <p:spPr bwMode="auto">
+          <a:xfrm flipH="1">
+            <a:off x="5284157" y="1851535"/>
+            <a:ext cx="1645920" cy="663358"/>
+          </a:xfrm>
+          <a:prstGeom prst="straightConnector1">
+            <a:avLst/>
+          </a:prstGeom>
+          <a:solidFill>
+            <a:schemeClr val="accent1"/>
+          </a:solidFill>
+          <a:ln w="9525" cap="flat" cmpd="sng" algn="ctr">
+            <a:solidFill>
+              <a:schemeClr val="tx1"/>
+            </a:solidFill>
+            <a:prstDash val="solid"/>
+            <a:round/>
+            <a:headEnd type="none" w="med" len="med"/>
+            <a:tailEnd type="triangle"/>
+          </a:ln>
+          <a:effectLst/>
+        </p:spPr>
+      </p:cxnSp>
+      <p:sp>
+        <p:nvSpPr>
+          <p:cNvPr id="21" name="TextBox 20">
+            <a:extLst>
+              <a:ext uri="{FF2B5EF4-FFF2-40B4-BE49-F238E27FC236}">
+                <a16:creationId xmlns:a16="http://schemas.microsoft.com/office/drawing/2014/main" id="{DFCE8827-BB32-854F-8C8E-BE2E791FAC7F}"/>
+              </a:ext>
+            </a:extLst>
+          </p:cNvPr>
+          <p:cNvSpPr txBox="1"/>
+          <p:nvPr/>
+        </p:nvSpPr>
+        <p:spPr>
+          <a:xfrm>
+            <a:off x="2947182" y="3890353"/>
+            <a:ext cx="3341077" cy="1323439"/>
+          </a:xfrm>
+          <a:prstGeom prst="rect">
+            <a:avLst/>
+          </a:prstGeom>
+          <a:noFill/>
+        </p:spPr>
+        <p:txBody>
+          <a:bodyPr wrap="square" rtlCol="0">
+            <a:spAutoFit/>
+          </a:bodyPr>
+          <a:lstStyle/>
+          <a:p>
+            <a:r>
+              <a:rPr lang="en-US" sz="2000" dirty="0"/>
+              <a:t>Redundancy Analysis (RDA)</a:t>
+            </a:r>
+          </a:p>
+          <a:p>
+            <a:r>
+              <a:rPr lang="en-US" sz="2000" dirty="0"/>
+              <a:t>Canonical Correspondence Analysis (CCA)</a:t>
+            </a:r>
+          </a:p>
+        </p:txBody>
+      </p:sp>
+      <p:sp>
+        <p:nvSpPr>
+          <p:cNvPr id="22" name="TextBox 21">
+            <a:extLst>
+              <a:ext uri="{FF2B5EF4-FFF2-40B4-BE49-F238E27FC236}">
+                <a16:creationId xmlns:a16="http://schemas.microsoft.com/office/drawing/2014/main" id="{7AD07C8B-5078-EB4A-A660-DE6DC039FDE7}"/>
+              </a:ext>
+            </a:extLst>
+          </p:cNvPr>
+          <p:cNvSpPr txBox="1"/>
+          <p:nvPr/>
+        </p:nvSpPr>
+        <p:spPr>
+          <a:xfrm>
+            <a:off x="6470530" y="4083136"/>
+            <a:ext cx="2708030" cy="1754326"/>
+          </a:xfrm>
+          <a:prstGeom prst="rect">
+            <a:avLst/>
+          </a:prstGeom>
+          <a:noFill/>
+        </p:spPr>
+        <p:txBody>
+          <a:bodyPr wrap="square" rtlCol="0">
+            <a:spAutoFit/>
+          </a:bodyPr>
+          <a:lstStyle/>
+          <a:p>
+            <a:r>
+              <a:rPr lang="en-US" sz="1800" dirty="0"/>
+              <a:t>Principal Coordinates Analysis (PCA)</a:t>
+            </a:r>
+          </a:p>
+          <a:p>
+            <a:r>
+              <a:rPr lang="en-US" sz="1800" dirty="0"/>
+              <a:t>Discriminant Analysis</a:t>
+            </a:r>
+          </a:p>
+          <a:p>
+            <a:r>
+              <a:rPr lang="en-US" sz="1800" dirty="0"/>
+              <a:t>Non-metric multidimensional scaling (NMDS)</a:t>
+            </a:r>
+          </a:p>
+        </p:txBody>
+      </p:sp>
+      <p:sp>
+        <p:nvSpPr>
+          <p:cNvPr id="23" name="TextBox 22">
+            <a:extLst>
+              <a:ext uri="{FF2B5EF4-FFF2-40B4-BE49-F238E27FC236}">
+                <a16:creationId xmlns:a16="http://schemas.microsoft.com/office/drawing/2014/main" id="{09417109-0587-834F-9CD8-B257DC3C474C}"/>
+              </a:ext>
+            </a:extLst>
+          </p:cNvPr>
+          <p:cNvSpPr txBox="1"/>
+          <p:nvPr/>
+        </p:nvSpPr>
+        <p:spPr>
+          <a:xfrm>
+            <a:off x="0" y="5268350"/>
+            <a:ext cx="4229080" cy="1569660"/>
+          </a:xfrm>
+          <a:prstGeom prst="rect">
+            <a:avLst/>
+          </a:prstGeom>
+          <a:noFill/>
+        </p:spPr>
+        <p:txBody>
+          <a:bodyPr wrap="square" rtlCol="0">
+            <a:spAutoFit/>
+          </a:bodyPr>
+          <a:lstStyle/>
+          <a:p>
+            <a:r>
+              <a:rPr lang="en-US" b="1" dirty="0"/>
+              <a:t>Packages (statistical tests):</a:t>
+            </a:r>
+          </a:p>
+          <a:p>
+            <a:r>
+              <a:rPr lang="en-US" i="1" dirty="0"/>
+              <a:t>vegan</a:t>
+            </a:r>
+            <a:r>
+              <a:rPr lang="en-US" dirty="0"/>
+              <a:t> (</a:t>
+            </a:r>
+            <a:r>
+              <a:rPr lang="en-US" dirty="0" err="1"/>
+              <a:t>adonis</a:t>
+            </a:r>
+            <a:r>
+              <a:rPr lang="en-US" dirty="0"/>
+              <a:t>, </a:t>
+            </a:r>
+            <a:r>
+              <a:rPr lang="en-US" dirty="0" err="1"/>
+              <a:t>anosim</a:t>
+            </a:r>
+            <a:r>
+              <a:rPr lang="en-US" dirty="0"/>
+              <a:t>)</a:t>
+            </a:r>
+          </a:p>
+          <a:p>
+            <a:r>
+              <a:rPr lang="en-US" i="1" dirty="0" err="1"/>
+              <a:t>mvabund</a:t>
+            </a:r>
+            <a:r>
+              <a:rPr lang="en-US" dirty="0"/>
+              <a:t> (</a:t>
+            </a:r>
+            <a:r>
+              <a:rPr lang="en-US" dirty="0" err="1"/>
+              <a:t>manyglm</a:t>
+            </a:r>
+            <a:r>
+              <a:rPr lang="en-US" dirty="0"/>
+              <a:t>)</a:t>
+            </a:r>
+          </a:p>
+          <a:p>
+            <a:r>
+              <a:rPr lang="en-US" i="1" dirty="0" err="1"/>
+              <a:t>rrpp</a:t>
+            </a:r>
+            <a:r>
+              <a:rPr lang="en-US" dirty="0"/>
+              <a:t> (</a:t>
+            </a:r>
+            <a:r>
+              <a:rPr lang="en-US" dirty="0" err="1"/>
+              <a:t>anova.lm.rrpp</a:t>
+            </a:r>
+            <a:r>
+              <a:rPr lang="en-US" dirty="0"/>
+              <a:t>)</a:t>
+            </a:r>
+          </a:p>
+        </p:txBody>
+      </p:sp>
+      <p:cxnSp>
+        <p:nvCxnSpPr>
+          <p:cNvPr id="25" name="Straight Arrow Connector 24">
+            <a:extLst>
+              <a:ext uri="{FF2B5EF4-FFF2-40B4-BE49-F238E27FC236}">
+                <a16:creationId xmlns:a16="http://schemas.microsoft.com/office/drawing/2014/main" id="{08D68221-30DE-A940-8819-542CDFF1AEB0}"/>
+              </a:ext>
+            </a:extLst>
+          </p:cNvPr>
+          <p:cNvCxnSpPr>
+            <a:cxnSpLocks/>
+            <a:stCxn id="6" idx="2"/>
+            <a:endCxn id="21" idx="0"/>
+          </p:cNvCxnSpPr>
+          <p:nvPr/>
+        </p:nvCxnSpPr>
+        <p:spPr bwMode="auto">
+          <a:xfrm flipH="1">
+            <a:off x="4617721" y="3715222"/>
+            <a:ext cx="666436" cy="175131"/>
+          </a:xfrm>
+          <a:prstGeom prst="straightConnector1">
+            <a:avLst/>
+          </a:prstGeom>
+          <a:solidFill>
+            <a:schemeClr val="accent1"/>
+          </a:solidFill>
+          <a:ln w="9525" cap="flat" cmpd="sng" algn="ctr">
+            <a:solidFill>
+              <a:schemeClr val="tx1"/>
+            </a:solidFill>
+            <a:prstDash val="solid"/>
+            <a:round/>
+            <a:headEnd type="none" w="med" len="med"/>
+            <a:tailEnd type="triangle"/>
+          </a:ln>
+          <a:effectLst/>
+        </p:spPr>
+      </p:cxnSp>
+      <p:cxnSp>
+        <p:nvCxnSpPr>
+          <p:cNvPr id="28" name="Straight Arrow Connector 27">
+            <a:extLst>
+              <a:ext uri="{FF2B5EF4-FFF2-40B4-BE49-F238E27FC236}">
+                <a16:creationId xmlns:a16="http://schemas.microsoft.com/office/drawing/2014/main" id="{D0CAB1D9-FF44-D948-98BF-EC224D3914BD}"/>
+              </a:ext>
+            </a:extLst>
+          </p:cNvPr>
+          <p:cNvCxnSpPr>
+            <a:cxnSpLocks/>
+            <a:stCxn id="7" idx="2"/>
+            <a:endCxn id="22" idx="0"/>
+          </p:cNvCxnSpPr>
+          <p:nvPr/>
+        </p:nvCxnSpPr>
+        <p:spPr bwMode="auto">
+          <a:xfrm>
+            <a:off x="7767104" y="3687087"/>
+            <a:ext cx="57441" cy="396049"/>
+          </a:xfrm>
+          <a:prstGeom prst="straightConnector1">
+            <a:avLst/>
+          </a:prstGeom>
+          <a:solidFill>
+            <a:schemeClr val="accent1"/>
+          </a:solidFill>
+          <a:ln w="9525" cap="flat" cmpd="sng" algn="ctr">
+            <a:solidFill>
+              <a:schemeClr val="tx1"/>
+            </a:solidFill>
+            <a:prstDash val="solid"/>
+            <a:round/>
+            <a:headEnd type="none" w="med" len="med"/>
+            <a:tailEnd type="triangle"/>
+          </a:ln>
+          <a:effectLst/>
+        </p:spPr>
+      </p:cxnSp>
+    </p:spTree>
+    <p:extLst>
+      <p:ext uri="{BB962C8B-B14F-4D97-AF65-F5344CB8AC3E}">
+        <p14:creationId xmlns:p14="http://schemas.microsoft.com/office/powerpoint/2010/main" val="3094128752"/>
+      </p:ext>
+    </p:extLst>
+  </p:cSld>
+  <p:clrMapOvr>
+    <a:masterClrMapping/>
+  </p:clrMapOvr>
+</p:sld>
+</file>
+
+<file path=ppt/slides/slide3.xml><?xml version="1.0" encoding="utf-8"?>
+<p:sld xmlns:a="http://schemas.openxmlformats.org/drawingml/2006/main" xmlns:r="http://schemas.openxmlformats.org/officeDocument/2006/relationships" xmlns:p="http://schemas.openxmlformats.org/presentationml/2006/main">
+  <p:cSld>
+    <p:spTree>
+      <p:nvGrpSpPr>
+        <p:cNvPr id="1" name=""/>
+        <p:cNvGrpSpPr/>
+        <p:nvPr/>
+      </p:nvGrpSpPr>
+      <p:grpSpPr>
+        <a:xfrm>
+          <a:off x="0" y="0"/>
+          <a:ext cx="0" cy="0"/>
+          <a:chOff x="0" y="0"/>
+          <a:chExt cx="0" cy="0"/>
+        </a:xfrm>
+      </p:grpSpPr>
+      <p:pic>
+        <p:nvPicPr>
+          <p:cNvPr id="3" name="Picture 2" descr="A close up of text on a whiteboard&#10;&#10;Description automatically generated">
+            <a:extLst>
+              <a:ext uri="{FF2B5EF4-FFF2-40B4-BE49-F238E27FC236}">
+                <a16:creationId xmlns:a16="http://schemas.microsoft.com/office/drawing/2014/main" id="{3F038872-1B6F-4B4B-ACA8-11F6376DFF57}"/>
+              </a:ext>
+            </a:extLst>
+          </p:cNvPr>
+          <p:cNvPicPr>
+            <a:picLocks noChangeAspect="1"/>
+          </p:cNvPicPr>
+          <p:nvPr/>
+        </p:nvPicPr>
+        <p:blipFill>
+          <a:blip r:embed="rId2"/>
+          <a:stretch>
+            <a:fillRect/>
+          </a:stretch>
+        </p:blipFill>
+        <p:spPr>
+          <a:xfrm>
+            <a:off x="0" y="0"/>
+            <a:ext cx="9144000" cy="6858000"/>
+          </a:xfrm>
+          <a:prstGeom prst="rect">
+            <a:avLst/>
+          </a:prstGeom>
+        </p:spPr>
+      </p:pic>
+      <p:sp>
+        <p:nvSpPr>
+          <p:cNvPr id="4" name="TextBox 3">
+            <a:extLst>
+              <a:ext uri="{FF2B5EF4-FFF2-40B4-BE49-F238E27FC236}">
+                <a16:creationId xmlns:a16="http://schemas.microsoft.com/office/drawing/2014/main" id="{00814AD1-BE0C-5346-9339-3F6D8F4C565E}"/>
+              </a:ext>
+            </a:extLst>
+          </p:cNvPr>
+          <p:cNvSpPr txBox="1"/>
+          <p:nvPr/>
+        </p:nvSpPr>
+        <p:spPr>
+          <a:xfrm>
+            <a:off x="1983545" y="112542"/>
+            <a:ext cx="5289452" cy="461665"/>
+          </a:xfrm>
+          <a:prstGeom prst="rect">
+            <a:avLst/>
+          </a:prstGeom>
+          <a:noFill/>
+        </p:spPr>
+        <p:txBody>
+          <a:bodyPr wrap="square" rtlCol="0">
+            <a:spAutoFit/>
+          </a:bodyPr>
+          <a:lstStyle/>
+          <a:p>
+            <a:r>
+              <a:rPr lang="en-US" dirty="0"/>
+              <a:t>Linear Model Structure</a:t>
+            </a:r>
+          </a:p>
+        </p:txBody>
+      </p:sp>
+    </p:spTree>
+    <p:extLst>
+      <p:ext uri="{BB962C8B-B14F-4D97-AF65-F5344CB8AC3E}">
+        <p14:creationId xmlns:p14="http://schemas.microsoft.com/office/powerpoint/2010/main" val="2614602046"/>
+      </p:ext>
+    </p:extLst>
+  </p:cSld>
+  <p:clrMapOvr>
+    <a:masterClrMapping/>
+  </p:clrMapOvr>
+</p:sld>
+</file>
+
+<file path=ppt/slides/slide4.xml><?xml version="1.0" encoding="utf-8"?>
+<p:sld xmlns:a="http://schemas.openxmlformats.org/drawingml/2006/main" xmlns:r="http://schemas.openxmlformats.org/officeDocument/2006/relationships" xmlns:p="http://schemas.openxmlformats.org/presentationml/2006/main">
+  <p:cSld>
+    <p:spTree>
+      <p:nvGrpSpPr>
+        <p:cNvPr id="1" name=""/>
+        <p:cNvGrpSpPr/>
+        <p:nvPr/>
+      </p:nvGrpSpPr>
+      <p:grpSpPr>
+        <a:xfrm>
+          <a:off x="0" y="0"/>
+          <a:ext cx="0" cy="0"/>
+          <a:chOff x="0" y="0"/>
+          <a:chExt cx="0" cy="0"/>
+        </a:xfrm>
+      </p:grpSpPr>
+      <p:pic>
+        <p:nvPicPr>
+          <p:cNvPr id="3" name="Picture 2">
+            <a:extLst>
+              <a:ext uri="{FF2B5EF4-FFF2-40B4-BE49-F238E27FC236}">
+                <a16:creationId xmlns:a16="http://schemas.microsoft.com/office/drawing/2014/main" id="{EAE3167C-5F78-9D47-9C0C-6C409AE8E58E}"/>
+              </a:ext>
+            </a:extLst>
+          </p:cNvPr>
+          <p:cNvPicPr>
+            <a:picLocks noChangeAspect="1"/>
+          </p:cNvPicPr>
+          <p:nvPr/>
+        </p:nvPicPr>
+        <p:blipFill>
+          <a:blip r:embed="rId2"/>
+          <a:stretch>
+            <a:fillRect/>
+          </a:stretch>
+        </p:blipFill>
+        <p:spPr>
+          <a:xfrm rot="5400000">
+            <a:off x="974189" y="-453265"/>
+            <a:ext cx="7195622" cy="9311980"/>
+          </a:xfrm>
+          <a:prstGeom prst="rect">
+            <a:avLst/>
+          </a:prstGeom>
+        </p:spPr>
+      </p:pic>
+      <p:sp>
+        <p:nvSpPr>
+          <p:cNvPr id="4" name="Rectangle 3">
+            <a:extLst>
+              <a:ext uri="{FF2B5EF4-FFF2-40B4-BE49-F238E27FC236}">
+                <a16:creationId xmlns:a16="http://schemas.microsoft.com/office/drawing/2014/main" id="{56612A35-B8A0-C240-94B8-D980625CE0E8}"/>
+              </a:ext>
+            </a:extLst>
+          </p:cNvPr>
+          <p:cNvSpPr/>
+          <p:nvPr/>
+        </p:nvSpPr>
+        <p:spPr>
+          <a:xfrm>
+            <a:off x="83990" y="763621"/>
+            <a:ext cx="9144000" cy="1015663"/>
+          </a:xfrm>
+          <a:prstGeom prst="rect">
+            <a:avLst/>
+          </a:prstGeom>
+        </p:spPr>
+        <p:txBody>
+          <a:bodyPr wrap="square">
+            <a:spAutoFit/>
+          </a:bodyPr>
+          <a:lstStyle/>
+          <a:p>
+            <a:r>
+              <a:rPr lang="en-US" sz="2000" dirty="0">
+                <a:solidFill>
+                  <a:srgbClr val="000000"/>
+                </a:solidFill>
+                <a:latin typeface="Helvetica" pitchFamily="2" charset="0"/>
+              </a:rPr>
+              <a:t>Notes: Assuming you have a univariate response, a linear relationship, and have explored data for normality, outliers, collinearity, start here to determine your model structure.</a:t>
+            </a:r>
+          </a:p>
+        </p:txBody>
+      </p:sp>
+      <p:sp>
+        <p:nvSpPr>
+          <p:cNvPr id="5" name="Rectangle 4">
+            <a:extLst>
+              <a:ext uri="{FF2B5EF4-FFF2-40B4-BE49-F238E27FC236}">
+                <a16:creationId xmlns:a16="http://schemas.microsoft.com/office/drawing/2014/main" id="{4CC6E6C9-25A3-FB43-BEAE-5F3C88E3953A}"/>
+              </a:ext>
+            </a:extLst>
+          </p:cNvPr>
+          <p:cNvSpPr/>
+          <p:nvPr/>
+        </p:nvSpPr>
+        <p:spPr>
+          <a:xfrm>
+            <a:off x="773723" y="189415"/>
+            <a:ext cx="7047914" cy="461665"/>
+          </a:xfrm>
+          <a:prstGeom prst="rect">
+            <a:avLst/>
+          </a:prstGeom>
+        </p:spPr>
+        <p:txBody>
+          <a:bodyPr wrap="square">
+            <a:spAutoFit/>
+          </a:bodyPr>
+          <a:lstStyle/>
+          <a:p>
+            <a:r>
+              <a:rPr lang="en-US" dirty="0">
+                <a:solidFill>
+                  <a:srgbClr val="000000"/>
+                </a:solidFill>
+                <a:latin typeface="Helvetica" pitchFamily="2" charset="0"/>
+              </a:rPr>
+              <a:t>Linear models: selecting the appropriate structure</a:t>
+            </a:r>
+          </a:p>
+        </p:txBody>
+      </p:sp>
+    </p:spTree>
+    <p:extLst>
+      <p:ext uri="{BB962C8B-B14F-4D97-AF65-F5344CB8AC3E}">
+        <p14:creationId xmlns:p14="http://schemas.microsoft.com/office/powerpoint/2010/main" val="3682533358"/>
+      </p:ext>
+    </p:extLst>
+  </p:cSld>
+  <p:clrMapOvr>
+    <a:masterClrMapping/>
+  </p:clrMapOvr>
+</p:sld>
+</file>
+
+<file path=ppt/slides/slide5.xml><?xml version="1.0" encoding="utf-8"?>
 <p:sld xmlns:a="http://schemas.openxmlformats.org/drawingml/2006/main" xmlns:r="http://schemas.openxmlformats.org/officeDocument/2006/relationships" xmlns:p="http://schemas.openxmlformats.org/presentationml/2006/main">
   <p:cSld>
     <p:spTree>
@@ -13372,7 +10991,7 @@
         <p:spPr>
           <a:xfrm>
             <a:off x="561768" y="366411"/>
-            <a:ext cx="2686718" cy="1200328"/>
+            <a:ext cx="2686718" cy="1569660"/>
           </a:xfrm>
           <a:prstGeom prst="rect">
             <a:avLst/>
@@ -13386,10 +11005,9 @@
           <a:lstStyle/>
           <a:p>
             <a:r>
-              <a:rPr lang="en-US" b="1" dirty="0" smtClean="0"/>
-              <a:t>Hypothesis testing approaches</a:t>
+              <a:rPr lang="en-US" b="1" dirty="0"/>
+              <a:t>Linear model hypothesis testing approaches</a:t>
             </a:r>
-            <a:endParaRPr lang="en-US" b="1" dirty="0"/>
           </a:p>
         </p:txBody>
       </p:sp>
@@ -14247,966 +11865,4 @@
     </a:extraClrScheme>
   </a:extraClrSchemeLst>
 </a:theme>
-</file>
-
-<file path=ppt/theme/theme2.xml><?xml version="1.0" encoding="utf-8"?>
-<a:theme xmlns:a="http://schemas.openxmlformats.org/drawingml/2006/main" name="1_CC4eActiveLectureQuestions">
-  <a:themeElements>
-    <a:clrScheme name="1_CC4eActiveLectureQuestions 15">
-      <a:dk1>
-        <a:srgbClr val="000000"/>
-      </a:dk1>
-      <a:lt1>
-        <a:srgbClr val="FFFFFF"/>
-      </a:lt1>
-      <a:dk2>
-        <a:srgbClr val="0060AF"/>
-      </a:dk2>
-      <a:lt2>
-        <a:srgbClr val="000000"/>
-      </a:lt2>
-      <a:accent1>
-        <a:srgbClr val="F7955A"/>
-      </a:accent1>
-      <a:accent2>
-        <a:srgbClr val="009247"/>
-      </a:accent2>
-      <a:accent3>
-        <a:srgbClr val="FFFFFF"/>
-      </a:accent3>
-      <a:accent4>
-        <a:srgbClr val="000000"/>
-      </a:accent4>
-      <a:accent5>
-        <a:srgbClr val="FAC8B5"/>
-      </a:accent5>
-      <a:accent6>
-        <a:srgbClr val="00843F"/>
-      </a:accent6>
-      <a:hlink>
-        <a:srgbClr val="009999"/>
-      </a:hlink>
-      <a:folHlink>
-        <a:srgbClr val="99CC00"/>
-      </a:folHlink>
-    </a:clrScheme>
-    <a:fontScheme name="1_CC4eActiveLectureQuestions">
-      <a:majorFont>
-        <a:latin typeface="Times New Roman"/>
-        <a:ea typeface="Arial"/>
-        <a:cs typeface="Arial"/>
-      </a:majorFont>
-      <a:minorFont>
-        <a:latin typeface="Tahoma"/>
-        <a:ea typeface="Arial"/>
-        <a:cs typeface="Arial"/>
-      </a:minorFont>
-    </a:fontScheme>
-    <a:fmtScheme name="Office">
-      <a:fillStyleLst>
-        <a:solidFill>
-          <a:schemeClr val="phClr"/>
-        </a:solidFill>
-        <a:gradFill rotWithShape="1">
-          <a:gsLst>
-            <a:gs pos="0">
-              <a:schemeClr val="phClr">
-                <a:tint val="50000"/>
-                <a:satMod val="300000"/>
-              </a:schemeClr>
-            </a:gs>
-            <a:gs pos="35000">
-              <a:schemeClr val="phClr">
-                <a:tint val="37000"/>
-                <a:satMod val="300000"/>
-              </a:schemeClr>
-            </a:gs>
-            <a:gs pos="100000">
-              <a:schemeClr val="phClr">
-                <a:tint val="15000"/>
-                <a:satMod val="350000"/>
-              </a:schemeClr>
-            </a:gs>
-          </a:gsLst>
-          <a:lin ang="16200000" scaled="1"/>
-        </a:gradFill>
-        <a:gradFill rotWithShape="1">
-          <a:gsLst>
-            <a:gs pos="0">
-              <a:schemeClr val="phClr">
-                <a:tint val="100000"/>
-                <a:shade val="100000"/>
-                <a:satMod val="130000"/>
-              </a:schemeClr>
-            </a:gs>
-            <a:gs pos="100000">
-              <a:schemeClr val="phClr">
-                <a:tint val="50000"/>
-                <a:shade val="100000"/>
-                <a:satMod val="350000"/>
-              </a:schemeClr>
-            </a:gs>
-          </a:gsLst>
-          <a:lin ang="16200000" scaled="0"/>
-        </a:gradFill>
-      </a:fillStyleLst>
-      <a:lnStyleLst>
-        <a:ln w="9525" cap="flat" cmpd="sng" algn="ctr">
-          <a:solidFill>
-            <a:schemeClr val="phClr">
-              <a:shade val="95000"/>
-              <a:satMod val="105000"/>
-            </a:schemeClr>
-          </a:solidFill>
-          <a:prstDash val="solid"/>
-        </a:ln>
-        <a:ln w="25400" cap="flat" cmpd="sng" algn="ctr">
-          <a:solidFill>
-            <a:schemeClr val="phClr"/>
-          </a:solidFill>
-          <a:prstDash val="solid"/>
-        </a:ln>
-        <a:ln w="38100" cap="flat" cmpd="sng" algn="ctr">
-          <a:solidFill>
-            <a:schemeClr val="phClr"/>
-          </a:solidFill>
-          <a:prstDash val="solid"/>
-        </a:ln>
-      </a:lnStyleLst>
-      <a:effectStyleLst>
-        <a:effectStyle>
-          <a:effectLst>
-            <a:outerShdw blurRad="40000" dist="20000" dir="5400000" rotWithShape="0">
-              <a:srgbClr val="000000">
-                <a:alpha val="38000"/>
-              </a:srgbClr>
-            </a:outerShdw>
-          </a:effectLst>
-        </a:effectStyle>
-        <a:effectStyle>
-          <a:effectLst>
-            <a:outerShdw blurRad="40000" dist="23000" dir="5400000" rotWithShape="0">
-              <a:srgbClr val="000000">
-                <a:alpha val="35000"/>
-              </a:srgbClr>
-            </a:outerShdw>
-          </a:effectLst>
-        </a:effectStyle>
-        <a:effectStyle>
-          <a:effectLst>
-            <a:outerShdw blurRad="40000" dist="23000" dir="5400000" rotWithShape="0">
-              <a:srgbClr val="000000">
-                <a:alpha val="35000"/>
-              </a:srgbClr>
-            </a:outerShdw>
-          </a:effectLst>
-          <a:scene3d>
-            <a:camera prst="orthographicFront">
-              <a:rot lat="0" lon="0" rev="0"/>
-            </a:camera>
-            <a:lightRig rig="threePt" dir="t">
-              <a:rot lat="0" lon="0" rev="1200000"/>
-            </a:lightRig>
-          </a:scene3d>
-          <a:sp3d>
-            <a:bevelT w="63500" h="25400"/>
-          </a:sp3d>
-        </a:effectStyle>
-      </a:effectStyleLst>
-      <a:bgFillStyleLst>
-        <a:solidFill>
-          <a:schemeClr val="phClr"/>
-        </a:solidFill>
-        <a:gradFill rotWithShape="1">
-          <a:gsLst>
-            <a:gs pos="0">
-              <a:schemeClr val="phClr">
-                <a:tint val="40000"/>
-                <a:satMod val="350000"/>
-              </a:schemeClr>
-            </a:gs>
-            <a:gs pos="40000">
-              <a:schemeClr val="phClr">
-                <a:tint val="45000"/>
-                <a:shade val="99000"/>
-                <a:satMod val="350000"/>
-              </a:schemeClr>
-            </a:gs>
-            <a:gs pos="100000">
-              <a:schemeClr val="phClr">
-                <a:shade val="20000"/>
-                <a:satMod val="255000"/>
-              </a:schemeClr>
-            </a:gs>
-          </a:gsLst>
-          <a:path path="circle">
-            <a:fillToRect l="50000" t="-80000" r="50000" b="180000"/>
-          </a:path>
-        </a:gradFill>
-        <a:gradFill rotWithShape="1">
-          <a:gsLst>
-            <a:gs pos="0">
-              <a:schemeClr val="phClr">
-                <a:tint val="80000"/>
-                <a:satMod val="300000"/>
-              </a:schemeClr>
-            </a:gs>
-            <a:gs pos="100000">
-              <a:schemeClr val="phClr">
-                <a:shade val="30000"/>
-                <a:satMod val="200000"/>
-              </a:schemeClr>
-            </a:gs>
-          </a:gsLst>
-          <a:path path="circle">
-            <a:fillToRect l="50000" t="50000" r="50000" b="50000"/>
-          </a:path>
-        </a:gradFill>
-      </a:bgFillStyleLst>
-    </a:fmtScheme>
-  </a:themeElements>
-  <a:objectDefaults>
-    <a:spDef>
-      <a:spPr bwMode="auto">
-        <a:xfrm>
-          <a:off x="0" y="0"/>
-          <a:ext cx="1" cy="1"/>
-        </a:xfrm>
-        <a:custGeom>
-          <a:avLst/>
-          <a:gdLst/>
-          <a:ahLst/>
-          <a:cxnLst/>
-          <a:rect l="0" t="0" r="0" b="0"/>
-          <a:pathLst/>
-        </a:custGeom>
-        <a:solidFill>
-          <a:schemeClr val="accent1"/>
-        </a:solidFill>
-        <a:ln w="9525" cap="flat" cmpd="sng" algn="ctr">
-          <a:solidFill>
-            <a:schemeClr val="tx1"/>
-          </a:solidFill>
-          <a:prstDash val="solid"/>
-          <a:round/>
-          <a:headEnd type="none" w="med" len="med"/>
-          <a:tailEnd type="none" w="med" len="med"/>
-        </a:ln>
-        <a:effectLst/>
-      </a:spPr>
-      <a:bodyPr vert="horz" wrap="square" lIns="91440" tIns="45720" rIns="91440" bIns="45720" numCol="1" anchor="t" anchorCtr="0" compatLnSpc="1">
-        <a:prstTxWarp prst="textNoShape">
-          <a:avLst/>
-        </a:prstTxWarp>
-      </a:bodyPr>
-      <a:lstStyle>
-        <a:defPPr marL="0" marR="0" indent="0" algn="r" defTabSz="914400" rtl="0" eaLnBrk="0" fontAlgn="base" latinLnBrk="0" hangingPunct="0">
-          <a:lnSpc>
-            <a:spcPct val="100000"/>
-          </a:lnSpc>
-          <a:spcBef>
-            <a:spcPct val="0"/>
-          </a:spcBef>
-          <a:spcAft>
-            <a:spcPct val="0"/>
-          </a:spcAft>
-          <a:buClrTx/>
-          <a:buSzTx/>
-          <a:buFontTx/>
-          <a:buNone/>
-          <a:tabLst/>
-          <a:defRPr kumimoji="0" lang="en-US" sz="2400" b="0" i="0" u="none" strike="noStrike" cap="none" normalizeH="0" baseline="0">
-            <a:ln>
-              <a:noFill/>
-            </a:ln>
-            <a:solidFill>
-              <a:schemeClr val="tx1"/>
-            </a:solidFill>
-            <a:effectLst/>
-            <a:latin typeface="Arial" charset="0"/>
-          </a:defRPr>
-        </a:defPPr>
-      </a:lstStyle>
-    </a:spDef>
-    <a:lnDef>
-      <a:spPr bwMode="auto">
-        <a:xfrm>
-          <a:off x="0" y="0"/>
-          <a:ext cx="1" cy="1"/>
-        </a:xfrm>
-        <a:custGeom>
-          <a:avLst/>
-          <a:gdLst/>
-          <a:ahLst/>
-          <a:cxnLst/>
-          <a:rect l="0" t="0" r="0" b="0"/>
-          <a:pathLst/>
-        </a:custGeom>
-        <a:solidFill>
-          <a:schemeClr val="accent1"/>
-        </a:solidFill>
-        <a:ln w="9525" cap="flat" cmpd="sng" algn="ctr">
-          <a:solidFill>
-            <a:schemeClr val="tx1"/>
-          </a:solidFill>
-          <a:prstDash val="solid"/>
-          <a:round/>
-          <a:headEnd type="none" w="med" len="med"/>
-          <a:tailEnd type="none" w="med" len="med"/>
-        </a:ln>
-        <a:effectLst/>
-      </a:spPr>
-      <a:bodyPr vert="horz" wrap="square" lIns="91440" tIns="45720" rIns="91440" bIns="45720" numCol="1" anchor="t" anchorCtr="0" compatLnSpc="1">
-        <a:prstTxWarp prst="textNoShape">
-          <a:avLst/>
-        </a:prstTxWarp>
-      </a:bodyPr>
-      <a:lstStyle>
-        <a:defPPr marL="0" marR="0" indent="0" algn="r" defTabSz="914400" rtl="0" eaLnBrk="0" fontAlgn="base" latinLnBrk="0" hangingPunct="0">
-          <a:lnSpc>
-            <a:spcPct val="100000"/>
-          </a:lnSpc>
-          <a:spcBef>
-            <a:spcPct val="0"/>
-          </a:spcBef>
-          <a:spcAft>
-            <a:spcPct val="0"/>
-          </a:spcAft>
-          <a:buClrTx/>
-          <a:buSzTx/>
-          <a:buFontTx/>
-          <a:buNone/>
-          <a:tabLst/>
-          <a:defRPr kumimoji="0" lang="en-US" sz="2400" b="0" i="0" u="none" strike="noStrike" cap="none" normalizeH="0" baseline="0">
-            <a:ln>
-              <a:noFill/>
-            </a:ln>
-            <a:solidFill>
-              <a:schemeClr val="tx1"/>
-            </a:solidFill>
-            <a:effectLst/>
-            <a:latin typeface="Arial" charset="0"/>
-          </a:defRPr>
-        </a:defPPr>
-      </a:lstStyle>
-    </a:lnDef>
-  </a:objectDefaults>
-  <a:extraClrSchemeLst>
-    <a:extraClrScheme>
-      <a:clrScheme name="1_CC4eActiveLectureQuestions 1">
-        <a:dk1>
-          <a:srgbClr val="000000"/>
-        </a:dk1>
-        <a:lt1>
-          <a:srgbClr val="FFFFFF"/>
-        </a:lt1>
-        <a:dk2>
-          <a:srgbClr val="000000"/>
-        </a:dk2>
-        <a:lt2>
-          <a:srgbClr val="808080"/>
-        </a:lt2>
-        <a:accent1>
-          <a:srgbClr val="BBE0E3"/>
-        </a:accent1>
-        <a:accent2>
-          <a:srgbClr val="333399"/>
-        </a:accent2>
-        <a:accent3>
-          <a:srgbClr val="FFFFFF"/>
-        </a:accent3>
-        <a:accent4>
-          <a:srgbClr val="000000"/>
-        </a:accent4>
-        <a:accent5>
-          <a:srgbClr val="DAEDEF"/>
-        </a:accent5>
-        <a:accent6>
-          <a:srgbClr val="2D2D8A"/>
-        </a:accent6>
-        <a:hlink>
-          <a:srgbClr val="009999"/>
-        </a:hlink>
-        <a:folHlink>
-          <a:srgbClr val="99CC00"/>
-        </a:folHlink>
-      </a:clrScheme>
-      <a:clrMap bg1="lt1" tx1="dk1" bg2="lt2" tx2="dk2" accent1="accent1" accent2="accent2" accent3="accent3" accent4="accent4" accent5="accent5" accent6="accent6" hlink="hlink" folHlink="folHlink"/>
-    </a:extraClrScheme>
-    <a:extraClrScheme>
-      <a:clrScheme name="1_CC4eActiveLectureQuestions 2">
-        <a:dk1>
-          <a:srgbClr val="000000"/>
-        </a:dk1>
-        <a:lt1>
-          <a:srgbClr val="FFFFFF"/>
-        </a:lt1>
-        <a:dk2>
-          <a:srgbClr val="000000"/>
-        </a:dk2>
-        <a:lt2>
-          <a:srgbClr val="969696"/>
-        </a:lt2>
-        <a:accent1>
-          <a:srgbClr val="FBDF53"/>
-        </a:accent1>
-        <a:accent2>
-          <a:srgbClr val="FF9966"/>
-        </a:accent2>
-        <a:accent3>
-          <a:srgbClr val="FFFFFF"/>
-        </a:accent3>
-        <a:accent4>
-          <a:srgbClr val="000000"/>
-        </a:accent4>
-        <a:accent5>
-          <a:srgbClr val="FDECB3"/>
-        </a:accent5>
-        <a:accent6>
-          <a:srgbClr val="E78A5C"/>
-        </a:accent6>
-        <a:hlink>
-          <a:srgbClr val="CC3300"/>
-        </a:hlink>
-        <a:folHlink>
-          <a:srgbClr val="996600"/>
-        </a:folHlink>
-      </a:clrScheme>
-      <a:clrMap bg1="lt1" tx1="dk1" bg2="lt2" tx2="dk2" accent1="accent1" accent2="accent2" accent3="accent3" accent4="accent4" accent5="accent5" accent6="accent6" hlink="hlink" folHlink="folHlink"/>
-    </a:extraClrScheme>
-    <a:extraClrScheme>
-      <a:clrScheme name="1_CC4eActiveLectureQuestions 3">
-        <a:dk1>
-          <a:srgbClr val="000000"/>
-        </a:dk1>
-        <a:lt1>
-          <a:srgbClr val="FFFFFF"/>
-        </a:lt1>
-        <a:dk2>
-          <a:srgbClr val="000000"/>
-        </a:dk2>
-        <a:lt2>
-          <a:srgbClr val="808080"/>
-        </a:lt2>
-        <a:accent1>
-          <a:srgbClr val="99CCFF"/>
-        </a:accent1>
-        <a:accent2>
-          <a:srgbClr val="CCCCFF"/>
-        </a:accent2>
-        <a:accent3>
-          <a:srgbClr val="FFFFFF"/>
-        </a:accent3>
-        <a:accent4>
-          <a:srgbClr val="000000"/>
-        </a:accent4>
-        <a:accent5>
-          <a:srgbClr val="CAE2FF"/>
-        </a:accent5>
-        <a:accent6>
-          <a:srgbClr val="B9B9E7"/>
-        </a:accent6>
-        <a:hlink>
-          <a:srgbClr val="3333CC"/>
-        </a:hlink>
-        <a:folHlink>
-          <a:srgbClr val="AF67FF"/>
-        </a:folHlink>
-      </a:clrScheme>
-      <a:clrMap bg1="lt1" tx1="dk1" bg2="lt2" tx2="dk2" accent1="accent1" accent2="accent2" accent3="accent3" accent4="accent4" accent5="accent5" accent6="accent6" hlink="hlink" folHlink="folHlink"/>
-    </a:extraClrScheme>
-    <a:extraClrScheme>
-      <a:clrScheme name="1_CC4eActiveLectureQuestions 4">
-        <a:dk1>
-          <a:srgbClr val="000000"/>
-        </a:dk1>
-        <a:lt1>
-          <a:srgbClr val="DEF6F1"/>
-        </a:lt1>
-        <a:dk2>
-          <a:srgbClr val="000000"/>
-        </a:dk2>
-        <a:lt2>
-          <a:srgbClr val="969696"/>
-        </a:lt2>
-        <a:accent1>
-          <a:srgbClr val="FFFFFF"/>
-        </a:accent1>
-        <a:accent2>
-          <a:srgbClr val="8DC6FF"/>
-        </a:accent2>
-        <a:accent3>
-          <a:srgbClr val="ECFAF7"/>
-        </a:accent3>
-        <a:accent4>
-          <a:srgbClr val="000000"/>
-        </a:accent4>
-        <a:accent5>
-          <a:srgbClr val="FFFFFF"/>
-        </a:accent5>
-        <a:accent6>
-          <a:srgbClr val="7FB3E7"/>
-        </a:accent6>
-        <a:hlink>
-          <a:srgbClr val="0066CC"/>
-        </a:hlink>
-        <a:folHlink>
-          <a:srgbClr val="00A800"/>
-        </a:folHlink>
-      </a:clrScheme>
-      <a:clrMap bg1="lt1" tx1="dk1" bg2="lt2" tx2="dk2" accent1="accent1" accent2="accent2" accent3="accent3" accent4="accent4" accent5="accent5" accent6="accent6" hlink="hlink" folHlink="folHlink"/>
-    </a:extraClrScheme>
-    <a:extraClrScheme>
-      <a:clrScheme name="1_CC4eActiveLectureQuestions 5">
-        <a:dk1>
-          <a:srgbClr val="000000"/>
-        </a:dk1>
-        <a:lt1>
-          <a:srgbClr val="FFFFD9"/>
-        </a:lt1>
-        <a:dk2>
-          <a:srgbClr val="000000"/>
-        </a:dk2>
-        <a:lt2>
-          <a:srgbClr val="777777"/>
-        </a:lt2>
-        <a:accent1>
-          <a:srgbClr val="FFFFF7"/>
-        </a:accent1>
-        <a:accent2>
-          <a:srgbClr val="33CCCC"/>
-        </a:accent2>
-        <a:accent3>
-          <a:srgbClr val="FFFFE9"/>
-        </a:accent3>
-        <a:accent4>
-          <a:srgbClr val="000000"/>
-        </a:accent4>
-        <a:accent5>
-          <a:srgbClr val="FFFFFA"/>
-        </a:accent5>
-        <a:accent6>
-          <a:srgbClr val="2DB9B9"/>
-        </a:accent6>
-        <a:hlink>
-          <a:srgbClr val="FF5050"/>
-        </a:hlink>
-        <a:folHlink>
-          <a:srgbClr val="FF9900"/>
-        </a:folHlink>
-      </a:clrScheme>
-      <a:clrMap bg1="lt1" tx1="dk1" bg2="lt2" tx2="dk2" accent1="accent1" accent2="accent2" accent3="accent3" accent4="accent4" accent5="accent5" accent6="accent6" hlink="hlink" folHlink="folHlink"/>
-    </a:extraClrScheme>
-    <a:extraClrScheme>
-      <a:clrScheme name="1_CC4eActiveLectureQuestions 6">
-        <a:dk1>
-          <a:srgbClr val="005A58"/>
-        </a:dk1>
-        <a:lt1>
-          <a:srgbClr val="FFFFFF"/>
-        </a:lt1>
-        <a:dk2>
-          <a:srgbClr val="008080"/>
-        </a:dk2>
-        <a:lt2>
-          <a:srgbClr val="FFFF99"/>
-        </a:lt2>
-        <a:accent1>
-          <a:srgbClr val="006462"/>
-        </a:accent1>
-        <a:accent2>
-          <a:srgbClr val="6D6FC7"/>
-        </a:accent2>
-        <a:accent3>
-          <a:srgbClr val="AAC0C0"/>
-        </a:accent3>
-        <a:accent4>
-          <a:srgbClr val="DADADA"/>
-        </a:accent4>
-        <a:accent5>
-          <a:srgbClr val="AAB8B7"/>
-        </a:accent5>
-        <a:accent6>
-          <a:srgbClr val="6264B4"/>
-        </a:accent6>
-        <a:hlink>
-          <a:srgbClr val="00FFFF"/>
-        </a:hlink>
-        <a:folHlink>
-          <a:srgbClr val="00FF00"/>
-        </a:folHlink>
-      </a:clrScheme>
-      <a:clrMap bg1="dk2" tx1="lt1" bg2="dk1" tx2="lt2" accent1="accent1" accent2="accent2" accent3="accent3" accent4="accent4" accent5="accent5" accent6="accent6" hlink="hlink" folHlink="folHlink"/>
-    </a:extraClrScheme>
-    <a:extraClrScheme>
-      <a:clrScheme name="1_CC4eActiveLectureQuestions 7">
-        <a:dk1>
-          <a:srgbClr val="5C1F00"/>
-        </a:dk1>
-        <a:lt1>
-          <a:srgbClr val="FFFFFF"/>
-        </a:lt1>
-        <a:dk2>
-          <a:srgbClr val="800000"/>
-        </a:dk2>
-        <a:lt2>
-          <a:srgbClr val="DFD293"/>
-        </a:lt2>
-        <a:accent1>
-          <a:srgbClr val="713E39"/>
-        </a:accent1>
-        <a:accent2>
-          <a:srgbClr val="BE7960"/>
-        </a:accent2>
-        <a:accent3>
-          <a:srgbClr val="C0AAAA"/>
-        </a:accent3>
-        <a:accent4>
-          <a:srgbClr val="DADADA"/>
-        </a:accent4>
-        <a:accent5>
-          <a:srgbClr val="BBAFAE"/>
-        </a:accent5>
-        <a:accent6>
-          <a:srgbClr val="AC6D56"/>
-        </a:accent6>
-        <a:hlink>
-          <a:srgbClr val="FFFF99"/>
-        </a:hlink>
-        <a:folHlink>
-          <a:srgbClr val="D3A219"/>
-        </a:folHlink>
-      </a:clrScheme>
-      <a:clrMap bg1="dk2" tx1="lt1" bg2="dk1" tx2="lt2" accent1="accent1" accent2="accent2" accent3="accent3" accent4="accent4" accent5="accent5" accent6="accent6" hlink="hlink" folHlink="folHlink"/>
-    </a:extraClrScheme>
-    <a:extraClrScheme>
-      <a:clrScheme name="1_CC4eActiveLectureQuestions 8">
-        <a:dk1>
-          <a:srgbClr val="003366"/>
-        </a:dk1>
-        <a:lt1>
-          <a:srgbClr val="FFFFFF"/>
-        </a:lt1>
-        <a:dk2>
-          <a:srgbClr val="000099"/>
-        </a:dk2>
-        <a:lt2>
-          <a:srgbClr val="CCFFFF"/>
-        </a:lt2>
-        <a:accent1>
-          <a:srgbClr val="3366CC"/>
-        </a:accent1>
-        <a:accent2>
-          <a:srgbClr val="00B000"/>
-        </a:accent2>
-        <a:accent3>
-          <a:srgbClr val="AAAACA"/>
-        </a:accent3>
-        <a:accent4>
-          <a:srgbClr val="DADADA"/>
-        </a:accent4>
-        <a:accent5>
-          <a:srgbClr val="ADB8E2"/>
-        </a:accent5>
-        <a:accent6>
-          <a:srgbClr val="009F00"/>
-        </a:accent6>
-        <a:hlink>
-          <a:srgbClr val="66CCFF"/>
-        </a:hlink>
-        <a:folHlink>
-          <a:srgbClr val="FFE701"/>
-        </a:folHlink>
-      </a:clrScheme>
-      <a:clrMap bg1="dk2" tx1="lt1" bg2="dk1" tx2="lt2" accent1="accent1" accent2="accent2" accent3="accent3" accent4="accent4" accent5="accent5" accent6="accent6" hlink="hlink" folHlink="folHlink"/>
-    </a:extraClrScheme>
-    <a:extraClrScheme>
-      <a:clrScheme name="1_CC4eActiveLectureQuestions 9">
-        <a:dk1>
-          <a:srgbClr val="336699"/>
-        </a:dk1>
-        <a:lt1>
-          <a:srgbClr val="FFFFFF"/>
-        </a:lt1>
-        <a:dk2>
-          <a:srgbClr val="000000"/>
-        </a:dk2>
-        <a:lt2>
-          <a:srgbClr val="E3EBF1"/>
-        </a:lt2>
-        <a:accent1>
-          <a:srgbClr val="003399"/>
-        </a:accent1>
-        <a:accent2>
-          <a:srgbClr val="468A4B"/>
-        </a:accent2>
-        <a:accent3>
-          <a:srgbClr val="AAAAAA"/>
-        </a:accent3>
-        <a:accent4>
-          <a:srgbClr val="DADADA"/>
-        </a:accent4>
-        <a:accent5>
-          <a:srgbClr val="AAADCA"/>
-        </a:accent5>
-        <a:accent6>
-          <a:srgbClr val="3F7D43"/>
-        </a:accent6>
-        <a:hlink>
-          <a:srgbClr val="66CCFF"/>
-        </a:hlink>
-        <a:folHlink>
-          <a:srgbClr val="F0E500"/>
-        </a:folHlink>
-      </a:clrScheme>
-      <a:clrMap bg1="dk2" tx1="lt1" bg2="dk1" tx2="lt2" accent1="accent1" accent2="accent2" accent3="accent3" accent4="accent4" accent5="accent5" accent6="accent6" hlink="hlink" folHlink="folHlink"/>
-    </a:extraClrScheme>
-    <a:extraClrScheme>
-      <a:clrScheme name="1_CC4eActiveLectureQuestions 10">
-        <a:dk1>
-          <a:srgbClr val="777777"/>
-        </a:dk1>
-        <a:lt1>
-          <a:srgbClr val="FFFFFF"/>
-        </a:lt1>
-        <a:dk2>
-          <a:srgbClr val="686B5D"/>
-        </a:dk2>
-        <a:lt2>
-          <a:srgbClr val="D1D1CB"/>
-        </a:lt2>
-        <a:accent1>
-          <a:srgbClr val="909082"/>
-        </a:accent1>
-        <a:accent2>
-          <a:srgbClr val="809EA8"/>
-        </a:accent2>
-        <a:accent3>
-          <a:srgbClr val="B9BAB6"/>
-        </a:accent3>
-        <a:accent4>
-          <a:srgbClr val="DADADA"/>
-        </a:accent4>
-        <a:accent5>
-          <a:srgbClr val="C6C6C1"/>
-        </a:accent5>
-        <a:accent6>
-          <a:srgbClr val="738F98"/>
-        </a:accent6>
-        <a:hlink>
-          <a:srgbClr val="FFCC66"/>
-        </a:hlink>
-        <a:folHlink>
-          <a:srgbClr val="E9DCB9"/>
-        </a:folHlink>
-      </a:clrScheme>
-      <a:clrMap bg1="dk2" tx1="lt1" bg2="dk1" tx2="lt2" accent1="accent1" accent2="accent2" accent3="accent3" accent4="accent4" accent5="accent5" accent6="accent6" hlink="hlink" folHlink="folHlink"/>
-    </a:extraClrScheme>
-    <a:extraClrScheme>
-      <a:clrScheme name="1_CC4eActiveLectureQuestions 11">
-        <a:dk1>
-          <a:srgbClr val="3E3E5C"/>
-        </a:dk1>
-        <a:lt1>
-          <a:srgbClr val="FFFFFF"/>
-        </a:lt1>
-        <a:dk2>
-          <a:srgbClr val="666699"/>
-        </a:dk2>
-        <a:lt2>
-          <a:srgbClr val="FFFFFF"/>
-        </a:lt2>
-        <a:accent1>
-          <a:srgbClr val="60597B"/>
-        </a:accent1>
-        <a:accent2>
-          <a:srgbClr val="6666FF"/>
-        </a:accent2>
-        <a:accent3>
-          <a:srgbClr val="B8B8CA"/>
-        </a:accent3>
-        <a:accent4>
-          <a:srgbClr val="DADADA"/>
-        </a:accent4>
-        <a:accent5>
-          <a:srgbClr val="B6B5BF"/>
-        </a:accent5>
-        <a:accent6>
-          <a:srgbClr val="5C5CE7"/>
-        </a:accent6>
-        <a:hlink>
-          <a:srgbClr val="99CCFF"/>
-        </a:hlink>
-        <a:folHlink>
-          <a:srgbClr val="FFFF99"/>
-        </a:folHlink>
-      </a:clrScheme>
-      <a:clrMap bg1="dk2" tx1="lt1" bg2="dk1" tx2="lt2" accent1="accent1" accent2="accent2" accent3="accent3" accent4="accent4" accent5="accent5" accent6="accent6" hlink="hlink" folHlink="folHlink"/>
-    </a:extraClrScheme>
-    <a:extraClrScheme>
-      <a:clrScheme name="1_CC4eActiveLectureQuestions 12">
-        <a:dk1>
-          <a:srgbClr val="2D2015"/>
-        </a:dk1>
-        <a:lt1>
-          <a:srgbClr val="FFFFFF"/>
-        </a:lt1>
-        <a:dk2>
-          <a:srgbClr val="523E26"/>
-        </a:dk2>
-        <a:lt2>
-          <a:srgbClr val="DFC08D"/>
-        </a:lt2>
-        <a:accent1>
-          <a:srgbClr val="8C7B70"/>
-        </a:accent1>
-        <a:accent2>
-          <a:srgbClr val="8F5F2F"/>
-        </a:accent2>
-        <a:accent3>
-          <a:srgbClr val="B3AFAC"/>
-        </a:accent3>
-        <a:accent4>
-          <a:srgbClr val="DADADA"/>
-        </a:accent4>
-        <a:accent5>
-          <a:srgbClr val="C5BFBB"/>
-        </a:accent5>
-        <a:accent6>
-          <a:srgbClr val="81552A"/>
-        </a:accent6>
-        <a:hlink>
-          <a:srgbClr val="CCB400"/>
-        </a:hlink>
-        <a:folHlink>
-          <a:srgbClr val="8C9EA0"/>
-        </a:folHlink>
-      </a:clrScheme>
-      <a:clrMap bg1="dk2" tx1="lt1" bg2="dk1" tx2="lt2" accent1="accent1" accent2="accent2" accent3="accent3" accent4="accent4" accent5="accent5" accent6="accent6" hlink="hlink" folHlink="folHlink"/>
-    </a:extraClrScheme>
-    <a:extraClrScheme>
-      <a:clrScheme name="1_CC4eActiveLectureQuestions 13">
-        <a:dk1>
-          <a:srgbClr val="000000"/>
-        </a:dk1>
-        <a:lt1>
-          <a:srgbClr val="FFFFFF"/>
-        </a:lt1>
-        <a:dk2>
-          <a:srgbClr val="005472"/>
-        </a:dk2>
-        <a:lt2>
-          <a:srgbClr val="000000"/>
-        </a:lt2>
-        <a:accent1>
-          <a:srgbClr val="BBE0E3"/>
-        </a:accent1>
-        <a:accent2>
-          <a:srgbClr val="333399"/>
-        </a:accent2>
-        <a:accent3>
-          <a:srgbClr val="FFFFFF"/>
-        </a:accent3>
-        <a:accent4>
-          <a:srgbClr val="000000"/>
-        </a:accent4>
-        <a:accent5>
-          <a:srgbClr val="DAEDEF"/>
-        </a:accent5>
-        <a:accent6>
-          <a:srgbClr val="2D2D8A"/>
-        </a:accent6>
-        <a:hlink>
-          <a:srgbClr val="009999"/>
-        </a:hlink>
-        <a:folHlink>
-          <a:srgbClr val="99CC00"/>
-        </a:folHlink>
-      </a:clrScheme>
-      <a:clrMap bg1="lt1" tx1="dk1" bg2="lt2" tx2="dk2" accent1="accent1" accent2="accent2" accent3="accent3" accent4="accent4" accent5="accent5" accent6="accent6" hlink="hlink" folHlink="folHlink"/>
-    </a:extraClrScheme>
-    <a:extraClrScheme>
-      <a:clrScheme name="1_CC4eActiveLectureQuestions 14">
-        <a:dk1>
-          <a:srgbClr val="000000"/>
-        </a:dk1>
-        <a:lt1>
-          <a:srgbClr val="FFFFFF"/>
-        </a:lt1>
-        <a:dk2>
-          <a:srgbClr val="333399"/>
-        </a:dk2>
-        <a:lt2>
-          <a:srgbClr val="000000"/>
-        </a:lt2>
-        <a:accent1>
-          <a:srgbClr val="B7DAB8"/>
-        </a:accent1>
-        <a:accent2>
-          <a:srgbClr val="005472"/>
-        </a:accent2>
-        <a:accent3>
-          <a:srgbClr val="FFFFFF"/>
-        </a:accent3>
-        <a:accent4>
-          <a:srgbClr val="000000"/>
-        </a:accent4>
-        <a:accent5>
-          <a:srgbClr val="D8EAD8"/>
-        </a:accent5>
-        <a:accent6>
-          <a:srgbClr val="004B67"/>
-        </a:accent6>
-        <a:hlink>
-          <a:srgbClr val="009999"/>
-        </a:hlink>
-        <a:folHlink>
-          <a:srgbClr val="99CC00"/>
-        </a:folHlink>
-      </a:clrScheme>
-      <a:clrMap bg1="lt1" tx1="dk1" bg2="lt2" tx2="dk2" accent1="accent1" accent2="accent2" accent3="accent3" accent4="accent4" accent5="accent5" accent6="accent6" hlink="hlink" folHlink="folHlink"/>
-    </a:extraClrScheme>
-    <a:extraClrScheme>
-      <a:clrScheme name="1_CC4eActiveLectureQuestions 15">
-        <a:dk1>
-          <a:srgbClr val="000000"/>
-        </a:dk1>
-        <a:lt1>
-          <a:srgbClr val="FFFFFF"/>
-        </a:lt1>
-        <a:dk2>
-          <a:srgbClr val="0060AF"/>
-        </a:dk2>
-        <a:lt2>
-          <a:srgbClr val="000000"/>
-        </a:lt2>
-        <a:accent1>
-          <a:srgbClr val="F7955A"/>
-        </a:accent1>
-        <a:accent2>
-          <a:srgbClr val="009247"/>
-        </a:accent2>
-        <a:accent3>
-          <a:srgbClr val="FFFFFF"/>
-        </a:accent3>
-        <a:accent4>
-          <a:srgbClr val="000000"/>
-        </a:accent4>
-        <a:accent5>
-          <a:srgbClr val="FAC8B5"/>
-        </a:accent5>
-        <a:accent6>
-          <a:srgbClr val="00843F"/>
-        </a:accent6>
-        <a:hlink>
-          <a:srgbClr val="009999"/>
-        </a:hlink>
-        <a:folHlink>
-          <a:srgbClr val="99CC00"/>
-        </a:folHlink>
-      </a:clrScheme>
-      <a:clrMap bg1="lt1" tx1="dk1" bg2="lt2" tx2="dk2" accent1="accent1" accent2="accent2" accent3="accent3" accent4="accent4" accent5="accent5" accent6="accent6" hlink="hlink" folHlink="folHlink"/>
-    </a:extraClrScheme>
-  </a:extraClrSchemeLst>
-</a:theme>
 </file>